--- a/02_ModelisationDesSystemesMecaniques/Cours/Word_2014/Figure.pptx
+++ b/02_ModelisationDesSystemesMecaniques/Cours/Word_2014/Figure.pptx
@@ -383,7 +383,7 @@
     </p:spTree>
     <p:extLst>
       <p:ext uri="{BB962C8B-B14F-4D97-AF65-F5344CB8AC3E}">
-        <p14:creationId xmlns:p14="http://schemas.microsoft.com/office/powerpoint/2010/main" val="9228036"/>
+        <p14:creationId xmlns:p14="http://schemas.microsoft.com/office/powerpoint/2010/main" xmlns="" val="9228036"/>
       </p:ext>
     </p:extLst>
   </p:cSld>
@@ -558,7 +558,7 @@
     </p:spTree>
     <p:extLst>
       <p:ext uri="{BB962C8B-B14F-4D97-AF65-F5344CB8AC3E}">
-        <p14:creationId xmlns:p14="http://schemas.microsoft.com/office/powerpoint/2010/main" val="3953098108"/>
+        <p14:creationId xmlns:p14="http://schemas.microsoft.com/office/powerpoint/2010/main" xmlns="" val="3953098108"/>
       </p:ext>
     </p:extLst>
   </p:cSld>
@@ -643,7 +643,7 @@
     </p:spTree>
     <p:extLst>
       <p:ext uri="{BB962C8B-B14F-4D97-AF65-F5344CB8AC3E}">
-        <p14:creationId xmlns:p14="http://schemas.microsoft.com/office/powerpoint/2010/main" val="3953098108"/>
+        <p14:creationId xmlns:p14="http://schemas.microsoft.com/office/powerpoint/2010/main" xmlns="" val="3953098108"/>
       </p:ext>
     </p:extLst>
   </p:cSld>
@@ -887,7 +887,7 @@
     </p:spTree>
     <p:extLst>
       <p:ext uri="{BB962C8B-B14F-4D97-AF65-F5344CB8AC3E}">
-        <p14:creationId xmlns:p14="http://schemas.microsoft.com/office/powerpoint/2010/main" val="3700872737"/>
+        <p14:creationId xmlns:p14="http://schemas.microsoft.com/office/powerpoint/2010/main" xmlns="" val="3700872737"/>
       </p:ext>
     </p:extLst>
   </p:cSld>
@@ -1059,7 +1059,7 @@
     </p:spTree>
     <p:extLst>
       <p:ext uri="{BB962C8B-B14F-4D97-AF65-F5344CB8AC3E}">
-        <p14:creationId xmlns:p14="http://schemas.microsoft.com/office/powerpoint/2010/main" val="781309986"/>
+        <p14:creationId xmlns:p14="http://schemas.microsoft.com/office/powerpoint/2010/main" xmlns="" val="781309986"/>
       </p:ext>
     </p:extLst>
   </p:cSld>
@@ -1241,7 +1241,7 @@
     </p:spTree>
     <p:extLst>
       <p:ext uri="{BB962C8B-B14F-4D97-AF65-F5344CB8AC3E}">
-        <p14:creationId xmlns:p14="http://schemas.microsoft.com/office/powerpoint/2010/main" val="2094654242"/>
+        <p14:creationId xmlns:p14="http://schemas.microsoft.com/office/powerpoint/2010/main" xmlns="" val="2094654242"/>
       </p:ext>
     </p:extLst>
   </p:cSld>
@@ -1413,7 +1413,7 @@
     </p:spTree>
     <p:extLst>
       <p:ext uri="{BB962C8B-B14F-4D97-AF65-F5344CB8AC3E}">
-        <p14:creationId xmlns:p14="http://schemas.microsoft.com/office/powerpoint/2010/main" val="2639247333"/>
+        <p14:creationId xmlns:p14="http://schemas.microsoft.com/office/powerpoint/2010/main" xmlns="" val="2639247333"/>
       </p:ext>
     </p:extLst>
   </p:cSld>
@@ -1661,7 +1661,7 @@
     </p:spTree>
     <p:extLst>
       <p:ext uri="{BB962C8B-B14F-4D97-AF65-F5344CB8AC3E}">
-        <p14:creationId xmlns:p14="http://schemas.microsoft.com/office/powerpoint/2010/main" val="3770865921"/>
+        <p14:creationId xmlns:p14="http://schemas.microsoft.com/office/powerpoint/2010/main" xmlns="" val="3770865921"/>
       </p:ext>
     </p:extLst>
   </p:cSld>
@@ -1951,7 +1951,7 @@
     </p:spTree>
     <p:extLst>
       <p:ext uri="{BB962C8B-B14F-4D97-AF65-F5344CB8AC3E}">
-        <p14:creationId xmlns:p14="http://schemas.microsoft.com/office/powerpoint/2010/main" val="3328507313"/>
+        <p14:creationId xmlns:p14="http://schemas.microsoft.com/office/powerpoint/2010/main" xmlns="" val="3328507313"/>
       </p:ext>
     </p:extLst>
   </p:cSld>
@@ -2375,7 +2375,7 @@
     </p:spTree>
     <p:extLst>
       <p:ext uri="{BB962C8B-B14F-4D97-AF65-F5344CB8AC3E}">
-        <p14:creationId xmlns:p14="http://schemas.microsoft.com/office/powerpoint/2010/main" val="1741429696"/>
+        <p14:creationId xmlns:p14="http://schemas.microsoft.com/office/powerpoint/2010/main" xmlns="" val="1741429696"/>
       </p:ext>
     </p:extLst>
   </p:cSld>
@@ -2495,7 +2495,7 @@
     </p:spTree>
     <p:extLst>
       <p:ext uri="{BB962C8B-B14F-4D97-AF65-F5344CB8AC3E}">
-        <p14:creationId xmlns:p14="http://schemas.microsoft.com/office/powerpoint/2010/main" val="717563561"/>
+        <p14:creationId xmlns:p14="http://schemas.microsoft.com/office/powerpoint/2010/main" xmlns="" val="717563561"/>
       </p:ext>
     </p:extLst>
   </p:cSld>
@@ -2592,7 +2592,7 @@
     </p:spTree>
     <p:extLst>
       <p:ext uri="{BB962C8B-B14F-4D97-AF65-F5344CB8AC3E}">
-        <p14:creationId xmlns:p14="http://schemas.microsoft.com/office/powerpoint/2010/main" val="855685341"/>
+        <p14:creationId xmlns:p14="http://schemas.microsoft.com/office/powerpoint/2010/main" xmlns="" val="855685341"/>
       </p:ext>
     </p:extLst>
   </p:cSld>
@@ -2871,7 +2871,7 @@
     </p:spTree>
     <p:extLst>
       <p:ext uri="{BB962C8B-B14F-4D97-AF65-F5344CB8AC3E}">
-        <p14:creationId xmlns:p14="http://schemas.microsoft.com/office/powerpoint/2010/main" val="3617748338"/>
+        <p14:creationId xmlns:p14="http://schemas.microsoft.com/office/powerpoint/2010/main" xmlns="" val="3617748338"/>
       </p:ext>
     </p:extLst>
   </p:cSld>
@@ -3126,7 +3126,7 @@
     </p:spTree>
     <p:extLst>
       <p:ext uri="{BB962C8B-B14F-4D97-AF65-F5344CB8AC3E}">
-        <p14:creationId xmlns:p14="http://schemas.microsoft.com/office/powerpoint/2010/main" val="2312040023"/>
+        <p14:creationId xmlns:p14="http://schemas.microsoft.com/office/powerpoint/2010/main" xmlns="" val="2312040023"/>
       </p:ext>
     </p:extLst>
   </p:cSld>
@@ -3377,7 +3377,7 @@
     </p:spTree>
     <p:extLst>
       <p:ext uri="{BB962C8B-B14F-4D97-AF65-F5344CB8AC3E}">
-        <p14:creationId xmlns:p14="http://schemas.microsoft.com/office/powerpoint/2010/main" val="972049859"/>
+        <p14:creationId xmlns:p14="http://schemas.microsoft.com/office/powerpoint/2010/main" xmlns="" val="972049859"/>
       </p:ext>
     </p:extLst>
   </p:cSld>
@@ -3667,13 +3667,221 @@
       </p:grpSpPr>
       <p:sp>
         <p:nvSpPr>
+          <p:cNvPr id="97" name="ZoneTexte 96"/>
+          <p:cNvSpPr txBox="1"/>
+          <p:nvPr/>
+        </p:nvSpPr>
+        <p:spPr>
+          <a:xfrm>
+            <a:off x="4083050" y="1873250"/>
+            <a:ext cx="1822450" cy="246221"/>
+          </a:xfrm>
+          <a:prstGeom prst="rect">
+            <a:avLst/>
+          </a:prstGeom>
+          <a:noFill/>
+        </p:spPr>
+        <p:txBody>
+          <a:bodyPr wrap="square" rtlCol="0">
+            <a:spAutoFit/>
+          </a:bodyPr>
+          <a:lstStyle/>
+          <a:p>
+            <a:pPr algn="ctr"/>
+            <a:r>
+              <a:rPr lang="fr-FR" sz="1000" i="1" dirty="0" smtClean="0"/>
+              <a:t>Sphère cylindre direction (</a:t>
+            </a:r>
+            <a:r>
+              <a:rPr lang="fr-FR" sz="1000" i="1" dirty="0" err="1" smtClean="0"/>
+              <a:t>B,x</a:t>
+            </a:r>
+            <a:r>
+              <a:rPr lang="fr-FR" sz="1000" i="1" dirty="0" smtClean="0"/>
+              <a:t>)  </a:t>
+            </a:r>
+            <a:endParaRPr lang="fr-FR" sz="1400" i="1" dirty="0"/>
+          </a:p>
+        </p:txBody>
+      </p:sp>
+      <p:sp>
+        <p:nvSpPr>
+          <p:cNvPr id="84" name="Arc 83"/>
+          <p:cNvSpPr/>
+          <p:nvPr/>
+        </p:nvSpPr>
+        <p:spPr>
+          <a:xfrm flipV="1">
+            <a:off x="3973407" y="1651000"/>
+            <a:ext cx="2020993" cy="711200"/>
+          </a:xfrm>
+          <a:prstGeom prst="arc">
+            <a:avLst>
+              <a:gd name="adj1" fmla="val 10958171"/>
+              <a:gd name="adj2" fmla="val 21434662"/>
+            </a:avLst>
+          </a:prstGeom>
+        </p:spPr>
+        <p:style>
+          <a:lnRef idx="1">
+            <a:schemeClr val="accent1"/>
+          </a:lnRef>
+          <a:fillRef idx="0">
+            <a:schemeClr val="accent1"/>
+          </a:fillRef>
+          <a:effectRef idx="0">
+            <a:schemeClr val="accent1"/>
+          </a:effectRef>
+          <a:fontRef idx="minor">
+            <a:schemeClr val="tx1"/>
+          </a:fontRef>
+        </p:style>
+        <p:txBody>
+          <a:bodyPr rtlCol="0" anchor="ctr"/>
+          <a:lstStyle/>
+          <a:p>
+            <a:pPr algn="ctr"/>
+            <a:endParaRPr lang="fr-FR"/>
+          </a:p>
+        </p:txBody>
+      </p:sp>
+      <p:sp>
+        <p:nvSpPr>
+          <p:cNvPr id="83" name="Arc 82"/>
+          <p:cNvSpPr/>
+          <p:nvPr/>
+        </p:nvSpPr>
+        <p:spPr>
+          <a:xfrm flipV="1">
+            <a:off x="3194050" y="1651000"/>
+            <a:ext cx="3644900" cy="469900"/>
+          </a:xfrm>
+          <a:prstGeom prst="arc">
+            <a:avLst>
+              <a:gd name="adj1" fmla="val 11511804"/>
+              <a:gd name="adj2" fmla="val 20872448"/>
+            </a:avLst>
+          </a:prstGeom>
+        </p:spPr>
+        <p:style>
+          <a:lnRef idx="1">
+            <a:schemeClr val="accent1"/>
+          </a:lnRef>
+          <a:fillRef idx="0">
+            <a:schemeClr val="accent1"/>
+          </a:fillRef>
+          <a:effectRef idx="0">
+            <a:schemeClr val="accent1"/>
+          </a:effectRef>
+          <a:fontRef idx="minor">
+            <a:schemeClr val="tx1"/>
+          </a:fontRef>
+        </p:style>
+        <p:txBody>
+          <a:bodyPr rtlCol="0" anchor="ctr"/>
+          <a:lstStyle/>
+          <a:p>
+            <a:pPr algn="ctr"/>
+            <a:endParaRPr lang="fr-FR"/>
+          </a:p>
+        </p:txBody>
+      </p:sp>
+      <p:sp>
+        <p:nvSpPr>
+          <p:cNvPr id="82" name="Arc 81"/>
+          <p:cNvSpPr/>
+          <p:nvPr/>
+        </p:nvSpPr>
+        <p:spPr>
+          <a:xfrm>
+            <a:off x="3817338" y="1739900"/>
+            <a:ext cx="2265962" cy="711200"/>
+          </a:xfrm>
+          <a:prstGeom prst="arc">
+            <a:avLst>
+              <a:gd name="adj1" fmla="val 11511804"/>
+              <a:gd name="adj2" fmla="val 20872448"/>
+            </a:avLst>
+          </a:prstGeom>
+        </p:spPr>
+        <p:style>
+          <a:lnRef idx="1">
+            <a:schemeClr val="accent1"/>
+          </a:lnRef>
+          <a:fillRef idx="0">
+            <a:schemeClr val="accent1"/>
+          </a:fillRef>
+          <a:effectRef idx="0">
+            <a:schemeClr val="accent1"/>
+          </a:effectRef>
+          <a:fontRef idx="minor">
+            <a:schemeClr val="tx1"/>
+          </a:fontRef>
+        </p:style>
+        <p:txBody>
+          <a:bodyPr rtlCol="0" anchor="ctr"/>
+          <a:lstStyle/>
+          <a:p>
+            <a:pPr algn="ctr"/>
+            <a:endParaRPr lang="fr-FR"/>
+          </a:p>
+        </p:txBody>
+      </p:sp>
+      <p:sp>
+        <p:nvSpPr>
+          <p:cNvPr id="29" name="Rectangle 28"/>
+          <p:cNvSpPr/>
+          <p:nvPr/>
+        </p:nvSpPr>
+        <p:spPr>
+          <a:xfrm>
+            <a:off x="2216150" y="1917700"/>
+            <a:ext cx="533400" cy="222250"/>
+          </a:xfrm>
+          <a:prstGeom prst="rect">
+            <a:avLst/>
+          </a:prstGeom>
+          <a:noFill/>
+          <a:ln w="19050">
+            <a:solidFill>
+              <a:srgbClr val="7030A0"/>
+            </a:solidFill>
+          </a:ln>
+        </p:spPr>
+        <p:style>
+          <a:lnRef idx="2">
+            <a:schemeClr val="accent1">
+              <a:shade val="50000"/>
+            </a:schemeClr>
+          </a:lnRef>
+          <a:fillRef idx="1">
+            <a:schemeClr val="accent1"/>
+          </a:fillRef>
+          <a:effectRef idx="0">
+            <a:schemeClr val="accent1"/>
+          </a:effectRef>
+          <a:fontRef idx="minor">
+            <a:schemeClr val="lt1"/>
+          </a:fontRef>
+        </p:style>
+        <p:txBody>
+          <a:bodyPr rtlCol="0" anchor="ctr"/>
+          <a:lstStyle/>
+          <a:p>
+            <a:pPr algn="ctr"/>
+            <a:endParaRPr lang="fr-FR"/>
+          </a:p>
+        </p:txBody>
+      </p:sp>
+      <p:sp>
+        <p:nvSpPr>
           <p:cNvPr id="4" name="Ellipse 3"/>
           <p:cNvSpPr/>
           <p:nvPr/>
         </p:nvSpPr>
         <p:spPr>
           <a:xfrm>
-            <a:off x="1547664" y="1124744"/>
+            <a:off x="1682750" y="1828800"/>
             <a:ext cx="288000" cy="288000"/>
           </a:xfrm>
           <a:prstGeom prst="ellipse">
@@ -3719,59 +3927,15 @@
         </p:nvSpPr>
         <p:spPr>
           <a:xfrm>
-            <a:off x="2411744" y="1124744"/>
+            <a:off x="2349500" y="1828800"/>
             <a:ext cx="288000" cy="288000"/>
           </a:xfrm>
           <a:prstGeom prst="ellipse">
             <a:avLst/>
           </a:prstGeom>
-          <a:noFill/>
-          <a:ln w="19050">
-            <a:solidFill>
-              <a:srgbClr val="00B050"/>
-            </a:solidFill>
-          </a:ln>
-        </p:spPr>
-        <p:style>
-          <a:lnRef idx="2">
-            <a:schemeClr val="accent1">
-              <a:shade val="50000"/>
-            </a:schemeClr>
-          </a:lnRef>
-          <a:fillRef idx="1">
-            <a:schemeClr val="accent1"/>
-          </a:fillRef>
-          <a:effectRef idx="0">
-            <a:schemeClr val="accent1"/>
-          </a:effectRef>
-          <a:fontRef idx="minor">
-            <a:schemeClr val="lt1"/>
-          </a:fontRef>
-        </p:style>
-        <p:txBody>
-          <a:bodyPr rtlCol="0" anchor="ctr"/>
-          <a:lstStyle/>
-          <a:p>
-            <a:pPr algn="ctr"/>
-            <a:endParaRPr lang="fr-FR"/>
-          </a:p>
-        </p:txBody>
-      </p:sp>
-      <p:sp>
-        <p:nvSpPr>
-          <p:cNvPr id="6" name="Ellipse 5"/>
-          <p:cNvSpPr/>
-          <p:nvPr/>
-        </p:nvSpPr>
-        <p:spPr>
-          <a:xfrm>
-            <a:off x="3563888" y="1124744"/>
-            <a:ext cx="288000" cy="288000"/>
-          </a:xfrm>
-          <a:prstGeom prst="ellipse">
-            <a:avLst/>
-          </a:prstGeom>
-          <a:noFill/>
+          <a:solidFill>
+            <a:schemeClr val="bg1"/>
+          </a:solidFill>
           <a:ln w="19050">
             <a:solidFill>
               <a:srgbClr val="00B050"/>
@@ -3810,9 +3974,9 @@
           <p:nvPr/>
         </p:nvCxnSpPr>
         <p:spPr>
-          <a:xfrm>
-            <a:off x="1547664" y="1124744"/>
-            <a:ext cx="0" cy="288000"/>
+          <a:xfrm rot="5400000" flipH="1">
+            <a:off x="1539544" y="1972006"/>
+            <a:ext cx="288000" cy="1588"/>
           </a:xfrm>
           <a:prstGeom prst="line">
             <a:avLst/>
@@ -3841,10 +4005,1689 @@
           </a:fontRef>
         </p:style>
       </p:cxnSp>
+      <p:cxnSp>
+        <p:nvCxnSpPr>
+          <p:cNvPr id="7" name="Connecteur droit 6"/>
+          <p:cNvCxnSpPr>
+            <a:endCxn id="4" idx="2"/>
+          </p:cNvCxnSpPr>
+          <p:nvPr/>
+        </p:nvCxnSpPr>
+        <p:spPr>
+          <a:xfrm>
+            <a:off x="1416050" y="1962150"/>
+            <a:ext cx="266700" cy="0"/>
+          </a:xfrm>
+          <a:prstGeom prst="line">
+            <a:avLst/>
+          </a:prstGeom>
+          <a:noFill/>
+          <a:ln w="19050">
+            <a:solidFill>
+              <a:srgbClr val="7030A0"/>
+            </a:solidFill>
+          </a:ln>
+        </p:spPr>
+        <p:style>
+          <a:lnRef idx="2">
+            <a:schemeClr val="accent1">
+              <a:shade val="50000"/>
+            </a:schemeClr>
+          </a:lnRef>
+          <a:fillRef idx="1">
+            <a:schemeClr val="accent1"/>
+          </a:fillRef>
+          <a:effectRef idx="0">
+            <a:schemeClr val="accent1"/>
+          </a:effectRef>
+          <a:fontRef idx="minor">
+            <a:schemeClr val="lt1"/>
+          </a:fontRef>
+        </p:style>
+      </p:cxnSp>
+      <p:cxnSp>
+        <p:nvCxnSpPr>
+          <p:cNvPr id="27" name="Connecteur droit 26"/>
+          <p:cNvCxnSpPr/>
+          <p:nvPr/>
+        </p:nvCxnSpPr>
+        <p:spPr>
+          <a:xfrm rot="5400000" flipH="1" flipV="1">
+            <a:off x="1238250" y="2139950"/>
+            <a:ext cx="355600" cy="1588"/>
+          </a:xfrm>
+          <a:prstGeom prst="line">
+            <a:avLst/>
+          </a:prstGeom>
+          <a:noFill/>
+          <a:ln w="19050">
+            <a:solidFill>
+              <a:srgbClr val="7030A0"/>
+            </a:solidFill>
+          </a:ln>
+        </p:spPr>
+        <p:style>
+          <a:lnRef idx="2">
+            <a:schemeClr val="accent1">
+              <a:shade val="50000"/>
+            </a:schemeClr>
+          </a:lnRef>
+          <a:fillRef idx="1">
+            <a:schemeClr val="accent1"/>
+          </a:fillRef>
+          <a:effectRef idx="0">
+            <a:schemeClr val="accent1"/>
+          </a:effectRef>
+          <a:fontRef idx="minor">
+            <a:schemeClr val="lt1"/>
+          </a:fontRef>
+        </p:style>
+      </p:cxnSp>
+      <p:sp>
+        <p:nvSpPr>
+          <p:cNvPr id="31" name="Rectangle 30"/>
+          <p:cNvSpPr/>
+          <p:nvPr/>
+        </p:nvSpPr>
+        <p:spPr>
+          <a:xfrm>
+            <a:off x="3060700" y="1917700"/>
+            <a:ext cx="533400" cy="222250"/>
+          </a:xfrm>
+          <a:prstGeom prst="rect">
+            <a:avLst/>
+          </a:prstGeom>
+          <a:noFill/>
+          <a:ln w="19050">
+            <a:solidFill>
+              <a:srgbClr val="7030A0"/>
+            </a:solidFill>
+          </a:ln>
+        </p:spPr>
+        <p:style>
+          <a:lnRef idx="2">
+            <a:schemeClr val="accent1">
+              <a:shade val="50000"/>
+            </a:schemeClr>
+          </a:lnRef>
+          <a:fillRef idx="1">
+            <a:schemeClr val="accent1"/>
+          </a:fillRef>
+          <a:effectRef idx="0">
+            <a:schemeClr val="accent1"/>
+          </a:effectRef>
+          <a:fontRef idx="minor">
+            <a:schemeClr val="lt1"/>
+          </a:fontRef>
+        </p:style>
+        <p:txBody>
+          <a:bodyPr rtlCol="0" anchor="ctr"/>
+          <a:lstStyle/>
+          <a:p>
+            <a:pPr algn="ctr"/>
+            <a:endParaRPr lang="fr-FR"/>
+          </a:p>
+        </p:txBody>
+      </p:sp>
+      <p:sp>
+        <p:nvSpPr>
+          <p:cNvPr id="32" name="Ellipse 31"/>
+          <p:cNvSpPr/>
+          <p:nvPr/>
+        </p:nvSpPr>
+        <p:spPr>
+          <a:xfrm>
+            <a:off x="3194050" y="1828800"/>
+            <a:ext cx="288000" cy="288000"/>
+          </a:xfrm>
+          <a:prstGeom prst="ellipse">
+            <a:avLst/>
+          </a:prstGeom>
+          <a:solidFill>
+            <a:schemeClr val="bg1"/>
+          </a:solidFill>
+          <a:ln w="19050">
+            <a:solidFill>
+              <a:srgbClr val="00B050"/>
+            </a:solidFill>
+          </a:ln>
+        </p:spPr>
+        <p:style>
+          <a:lnRef idx="2">
+            <a:schemeClr val="accent1">
+              <a:shade val="50000"/>
+            </a:schemeClr>
+          </a:lnRef>
+          <a:fillRef idx="1">
+            <a:schemeClr val="accent1"/>
+          </a:fillRef>
+          <a:effectRef idx="0">
+            <a:schemeClr val="accent1"/>
+          </a:effectRef>
+          <a:fontRef idx="minor">
+            <a:schemeClr val="lt1"/>
+          </a:fontRef>
+        </p:style>
+        <p:txBody>
+          <a:bodyPr rtlCol="0" anchor="ctr"/>
+          <a:lstStyle/>
+          <a:p>
+            <a:pPr algn="ctr"/>
+            <a:endParaRPr lang="fr-FR"/>
+          </a:p>
+        </p:txBody>
+      </p:sp>
+      <p:cxnSp>
+        <p:nvCxnSpPr>
+          <p:cNvPr id="33" name="Connecteur droit 32"/>
+          <p:cNvCxnSpPr>
+            <a:stCxn id="4" idx="6"/>
+            <a:endCxn id="5" idx="2"/>
+          </p:cNvCxnSpPr>
+          <p:nvPr/>
+        </p:nvCxnSpPr>
+        <p:spPr>
+          <a:xfrm>
+            <a:off x="1970750" y="1972800"/>
+            <a:ext cx="378750" cy="1588"/>
+          </a:xfrm>
+          <a:prstGeom prst="line">
+            <a:avLst/>
+          </a:prstGeom>
+          <a:noFill/>
+          <a:ln w="19050">
+            <a:solidFill>
+              <a:srgbClr val="00B050"/>
+            </a:solidFill>
+          </a:ln>
+        </p:spPr>
+        <p:style>
+          <a:lnRef idx="2">
+            <a:schemeClr val="accent1">
+              <a:shade val="50000"/>
+            </a:schemeClr>
+          </a:lnRef>
+          <a:fillRef idx="1">
+            <a:schemeClr val="accent1"/>
+          </a:fillRef>
+          <a:effectRef idx="0">
+            <a:schemeClr val="accent1"/>
+          </a:effectRef>
+          <a:fontRef idx="minor">
+            <a:schemeClr val="lt1"/>
+          </a:fontRef>
+        </p:style>
+      </p:cxnSp>
+      <p:cxnSp>
+        <p:nvCxnSpPr>
+          <p:cNvPr id="36" name="Connecteur droit 35"/>
+          <p:cNvCxnSpPr>
+            <a:stCxn id="5" idx="6"/>
+            <a:endCxn id="32" idx="2"/>
+          </p:cNvCxnSpPr>
+          <p:nvPr/>
+        </p:nvCxnSpPr>
+        <p:spPr>
+          <a:xfrm>
+            <a:off x="2637500" y="1972800"/>
+            <a:ext cx="556550" cy="1588"/>
+          </a:xfrm>
+          <a:prstGeom prst="line">
+            <a:avLst/>
+          </a:prstGeom>
+          <a:noFill/>
+          <a:ln w="19050">
+            <a:solidFill>
+              <a:srgbClr val="00B050"/>
+            </a:solidFill>
+          </a:ln>
+        </p:spPr>
+        <p:style>
+          <a:lnRef idx="2">
+            <a:schemeClr val="accent1">
+              <a:shade val="50000"/>
+            </a:schemeClr>
+          </a:lnRef>
+          <a:fillRef idx="1">
+            <a:schemeClr val="accent1"/>
+          </a:fillRef>
+          <a:effectRef idx="0">
+            <a:schemeClr val="accent1"/>
+          </a:effectRef>
+          <a:fontRef idx="minor">
+            <a:schemeClr val="lt1"/>
+          </a:fontRef>
+        </p:style>
+      </p:cxnSp>
+      <p:cxnSp>
+        <p:nvCxnSpPr>
+          <p:cNvPr id="39" name="Connecteur droit 38"/>
+          <p:cNvCxnSpPr>
+            <a:endCxn id="29" idx="2"/>
+          </p:cNvCxnSpPr>
+          <p:nvPr/>
+        </p:nvCxnSpPr>
+        <p:spPr>
+          <a:xfrm rot="5400000" flipH="1" flipV="1">
+            <a:off x="2348706" y="2273300"/>
+            <a:ext cx="267494" cy="794"/>
+          </a:xfrm>
+          <a:prstGeom prst="line">
+            <a:avLst/>
+          </a:prstGeom>
+          <a:noFill/>
+          <a:ln w="19050">
+            <a:solidFill>
+              <a:srgbClr val="7030A0"/>
+            </a:solidFill>
+          </a:ln>
+        </p:spPr>
+        <p:style>
+          <a:lnRef idx="2">
+            <a:schemeClr val="accent1">
+              <a:shade val="50000"/>
+            </a:schemeClr>
+          </a:lnRef>
+          <a:fillRef idx="1">
+            <a:schemeClr val="accent1"/>
+          </a:fillRef>
+          <a:effectRef idx="0">
+            <a:schemeClr val="accent1"/>
+          </a:effectRef>
+          <a:fontRef idx="minor">
+            <a:schemeClr val="lt1"/>
+          </a:fontRef>
+        </p:style>
+      </p:cxnSp>
+      <p:cxnSp>
+        <p:nvCxnSpPr>
+          <p:cNvPr id="41" name="Connecteur droit 40"/>
+          <p:cNvCxnSpPr>
+            <a:stCxn id="31" idx="2"/>
+          </p:cNvCxnSpPr>
+          <p:nvPr/>
+        </p:nvCxnSpPr>
+        <p:spPr>
+          <a:xfrm rot="5400000">
+            <a:off x="3238500" y="2228850"/>
+            <a:ext cx="177800" cy="1588"/>
+          </a:xfrm>
+          <a:prstGeom prst="line">
+            <a:avLst/>
+          </a:prstGeom>
+          <a:noFill/>
+          <a:ln w="19050">
+            <a:solidFill>
+              <a:srgbClr val="7030A0"/>
+            </a:solidFill>
+          </a:ln>
+        </p:spPr>
+        <p:style>
+          <a:lnRef idx="2">
+            <a:schemeClr val="accent1">
+              <a:shade val="50000"/>
+            </a:schemeClr>
+          </a:lnRef>
+          <a:fillRef idx="1">
+            <a:schemeClr val="accent1"/>
+          </a:fillRef>
+          <a:effectRef idx="0">
+            <a:schemeClr val="accent1"/>
+          </a:effectRef>
+          <a:fontRef idx="minor">
+            <a:schemeClr val="lt1"/>
+          </a:fontRef>
+        </p:style>
+      </p:cxnSp>
+      <p:cxnSp>
+        <p:nvCxnSpPr>
+          <p:cNvPr id="44" name="Connecteur droit 43"/>
+          <p:cNvCxnSpPr/>
+          <p:nvPr/>
+        </p:nvCxnSpPr>
+        <p:spPr>
+          <a:xfrm>
+            <a:off x="1416050" y="2317750"/>
+            <a:ext cx="1911350" cy="1588"/>
+          </a:xfrm>
+          <a:prstGeom prst="line">
+            <a:avLst/>
+          </a:prstGeom>
+          <a:noFill/>
+          <a:ln w="19050">
+            <a:solidFill>
+              <a:srgbClr val="7030A0"/>
+            </a:solidFill>
+          </a:ln>
+        </p:spPr>
+        <p:style>
+          <a:lnRef idx="2">
+            <a:schemeClr val="accent1">
+              <a:shade val="50000"/>
+            </a:schemeClr>
+          </a:lnRef>
+          <a:fillRef idx="1">
+            <a:schemeClr val="accent1"/>
+          </a:fillRef>
+          <a:effectRef idx="0">
+            <a:schemeClr val="accent1"/>
+          </a:effectRef>
+          <a:fontRef idx="minor">
+            <a:schemeClr val="lt1"/>
+          </a:fontRef>
+        </p:style>
+      </p:cxnSp>
+      <p:sp>
+        <p:nvSpPr>
+          <p:cNvPr id="53" name="Rectangle 52"/>
+          <p:cNvSpPr/>
+          <p:nvPr/>
+        </p:nvSpPr>
+        <p:spPr>
+          <a:xfrm>
+            <a:off x="2305050" y="2406650"/>
+            <a:ext cx="355600" cy="177800"/>
+          </a:xfrm>
+          <a:prstGeom prst="rect">
+            <a:avLst/>
+          </a:prstGeom>
+          <a:pattFill prst="ltUpDiag">
+            <a:fgClr>
+              <a:schemeClr val="bg1">
+                <a:lumMod val="50000"/>
+              </a:schemeClr>
+            </a:fgClr>
+            <a:bgClr>
+              <a:schemeClr val="bg1"/>
+            </a:bgClr>
+          </a:pattFill>
+          <a:ln>
+            <a:noFill/>
+          </a:ln>
+        </p:spPr>
+        <p:style>
+          <a:lnRef idx="2">
+            <a:schemeClr val="accent1">
+              <a:shade val="50000"/>
+            </a:schemeClr>
+          </a:lnRef>
+          <a:fillRef idx="1">
+            <a:schemeClr val="accent1"/>
+          </a:fillRef>
+          <a:effectRef idx="0">
+            <a:schemeClr val="accent1"/>
+          </a:effectRef>
+          <a:fontRef idx="minor">
+            <a:schemeClr val="lt1"/>
+          </a:fontRef>
+        </p:style>
+        <p:txBody>
+          <a:bodyPr rtlCol="0" anchor="ctr"/>
+          <a:lstStyle/>
+          <a:p>
+            <a:pPr algn="ctr"/>
+            <a:endParaRPr lang="fr-FR"/>
+          </a:p>
+        </p:txBody>
+      </p:sp>
+      <p:cxnSp>
+        <p:nvCxnSpPr>
+          <p:cNvPr id="55" name="Connecteur droit 54"/>
+          <p:cNvCxnSpPr/>
+          <p:nvPr/>
+        </p:nvCxnSpPr>
+        <p:spPr>
+          <a:xfrm>
+            <a:off x="2305050" y="2406650"/>
+            <a:ext cx="355600" cy="1588"/>
+          </a:xfrm>
+          <a:prstGeom prst="line">
+            <a:avLst/>
+          </a:prstGeom>
+          <a:noFill/>
+          <a:ln w="19050">
+            <a:solidFill>
+              <a:srgbClr val="7030A0"/>
+            </a:solidFill>
+          </a:ln>
+        </p:spPr>
+        <p:style>
+          <a:lnRef idx="2">
+            <a:schemeClr val="accent1">
+              <a:shade val="50000"/>
+            </a:schemeClr>
+          </a:lnRef>
+          <a:fillRef idx="1">
+            <a:schemeClr val="accent1"/>
+          </a:fillRef>
+          <a:effectRef idx="0">
+            <a:schemeClr val="accent1"/>
+          </a:effectRef>
+          <a:fontRef idx="minor">
+            <a:schemeClr val="lt1"/>
+          </a:fontRef>
+        </p:style>
+      </p:cxnSp>
+      <p:sp>
+        <p:nvSpPr>
+          <p:cNvPr id="60" name="Rectangle 59"/>
+          <p:cNvSpPr/>
+          <p:nvPr/>
+        </p:nvSpPr>
+        <p:spPr>
+          <a:xfrm>
+            <a:off x="2216150" y="2851150"/>
+            <a:ext cx="576000" cy="288000"/>
+          </a:xfrm>
+          <a:prstGeom prst="rect">
+            <a:avLst/>
+          </a:prstGeom>
+          <a:solidFill>
+            <a:schemeClr val="bg1"/>
+          </a:solidFill>
+          <a:ln w="19050">
+            <a:solidFill>
+              <a:srgbClr val="00B050"/>
+            </a:solidFill>
+          </a:ln>
+        </p:spPr>
+        <p:style>
+          <a:lnRef idx="2">
+            <a:schemeClr val="accent1">
+              <a:shade val="50000"/>
+            </a:schemeClr>
+          </a:lnRef>
+          <a:fillRef idx="1">
+            <a:schemeClr val="accent1"/>
+          </a:fillRef>
+          <a:effectRef idx="0">
+            <a:schemeClr val="accent1"/>
+          </a:effectRef>
+          <a:fontRef idx="minor">
+            <a:schemeClr val="lt1"/>
+          </a:fontRef>
+        </p:style>
+        <p:txBody>
+          <a:bodyPr rtlCol="0" anchor="ctr"/>
+          <a:lstStyle/>
+          <a:p>
+            <a:pPr algn="ctr"/>
+            <a:endParaRPr lang="fr-FR"/>
+          </a:p>
+        </p:txBody>
+      </p:sp>
+      <p:cxnSp>
+        <p:nvCxnSpPr>
+          <p:cNvPr id="61" name="Connecteur droit 60"/>
+          <p:cNvCxnSpPr/>
+          <p:nvPr/>
+        </p:nvCxnSpPr>
+        <p:spPr>
+          <a:xfrm rot="5400000" flipH="1">
+            <a:off x="1984044" y="2994356"/>
+            <a:ext cx="288000" cy="1588"/>
+          </a:xfrm>
+          <a:prstGeom prst="line">
+            <a:avLst/>
+          </a:prstGeom>
+          <a:noFill/>
+          <a:ln w="19050">
+            <a:solidFill>
+              <a:srgbClr val="7030A0"/>
+            </a:solidFill>
+          </a:ln>
+        </p:spPr>
+        <p:style>
+          <a:lnRef idx="2">
+            <a:schemeClr val="accent1">
+              <a:shade val="50000"/>
+            </a:schemeClr>
+          </a:lnRef>
+          <a:fillRef idx="1">
+            <a:schemeClr val="accent1"/>
+          </a:fillRef>
+          <a:effectRef idx="0">
+            <a:schemeClr val="accent1"/>
+          </a:effectRef>
+          <a:fontRef idx="minor">
+            <a:schemeClr val="lt1"/>
+          </a:fontRef>
+        </p:style>
+      </p:cxnSp>
+      <p:cxnSp>
+        <p:nvCxnSpPr>
+          <p:cNvPr id="62" name="Connecteur droit 61"/>
+          <p:cNvCxnSpPr/>
+          <p:nvPr/>
+        </p:nvCxnSpPr>
+        <p:spPr>
+          <a:xfrm rot="5400000" flipH="1">
+            <a:off x="2739694" y="2994356"/>
+            <a:ext cx="288000" cy="1588"/>
+          </a:xfrm>
+          <a:prstGeom prst="line">
+            <a:avLst/>
+          </a:prstGeom>
+          <a:noFill/>
+          <a:ln w="19050">
+            <a:solidFill>
+              <a:srgbClr val="7030A0"/>
+            </a:solidFill>
+          </a:ln>
+        </p:spPr>
+        <p:style>
+          <a:lnRef idx="2">
+            <a:schemeClr val="accent1">
+              <a:shade val="50000"/>
+            </a:schemeClr>
+          </a:lnRef>
+          <a:fillRef idx="1">
+            <a:schemeClr val="accent1"/>
+          </a:fillRef>
+          <a:effectRef idx="0">
+            <a:schemeClr val="accent1"/>
+          </a:effectRef>
+          <a:fontRef idx="minor">
+            <a:schemeClr val="lt1"/>
+          </a:fontRef>
+        </p:style>
+      </p:cxnSp>
+      <p:cxnSp>
+        <p:nvCxnSpPr>
+          <p:cNvPr id="63" name="Connecteur droit 62"/>
+          <p:cNvCxnSpPr/>
+          <p:nvPr/>
+        </p:nvCxnSpPr>
+        <p:spPr>
+          <a:xfrm rot="10800000">
+            <a:off x="1638300" y="2986088"/>
+            <a:ext cx="1511300" cy="0"/>
+          </a:xfrm>
+          <a:prstGeom prst="line">
+            <a:avLst/>
+          </a:prstGeom>
+          <a:noFill/>
+          <a:ln w="19050">
+            <a:solidFill>
+              <a:srgbClr val="7030A0"/>
+            </a:solidFill>
+          </a:ln>
+        </p:spPr>
+        <p:style>
+          <a:lnRef idx="2">
+            <a:schemeClr val="accent1">
+              <a:shade val="50000"/>
+            </a:schemeClr>
+          </a:lnRef>
+          <a:fillRef idx="1">
+            <a:schemeClr val="accent1"/>
+          </a:fillRef>
+          <a:effectRef idx="0">
+            <a:schemeClr val="accent1"/>
+          </a:effectRef>
+          <a:fontRef idx="minor">
+            <a:schemeClr val="lt1"/>
+          </a:fontRef>
+        </p:style>
+      </p:cxnSp>
+      <p:cxnSp>
+        <p:nvCxnSpPr>
+          <p:cNvPr id="68" name="Connecteur droit 67"/>
+          <p:cNvCxnSpPr/>
+          <p:nvPr/>
+        </p:nvCxnSpPr>
+        <p:spPr>
+          <a:xfrm rot="5400000" flipH="1" flipV="1">
+            <a:off x="1461294" y="3161506"/>
+            <a:ext cx="355600" cy="1588"/>
+          </a:xfrm>
+          <a:prstGeom prst="line">
+            <a:avLst/>
+          </a:prstGeom>
+          <a:noFill/>
+          <a:ln w="19050">
+            <a:solidFill>
+              <a:srgbClr val="7030A0"/>
+            </a:solidFill>
+          </a:ln>
+        </p:spPr>
+        <p:style>
+          <a:lnRef idx="2">
+            <a:schemeClr val="accent1">
+              <a:shade val="50000"/>
+            </a:schemeClr>
+          </a:lnRef>
+          <a:fillRef idx="1">
+            <a:schemeClr val="accent1"/>
+          </a:fillRef>
+          <a:effectRef idx="0">
+            <a:schemeClr val="accent1"/>
+          </a:effectRef>
+          <a:fontRef idx="minor">
+            <a:schemeClr val="lt1"/>
+          </a:fontRef>
+        </p:style>
+      </p:cxnSp>
+      <p:sp>
+        <p:nvSpPr>
+          <p:cNvPr id="69" name="Rectangle 68"/>
+          <p:cNvSpPr/>
+          <p:nvPr/>
+        </p:nvSpPr>
+        <p:spPr>
+          <a:xfrm>
+            <a:off x="1460500" y="3340100"/>
+            <a:ext cx="355600" cy="177800"/>
+          </a:xfrm>
+          <a:prstGeom prst="rect">
+            <a:avLst/>
+          </a:prstGeom>
+          <a:pattFill prst="ltUpDiag">
+            <a:fgClr>
+              <a:schemeClr val="bg1">
+                <a:lumMod val="50000"/>
+              </a:schemeClr>
+            </a:fgClr>
+            <a:bgClr>
+              <a:schemeClr val="bg1"/>
+            </a:bgClr>
+          </a:pattFill>
+          <a:ln>
+            <a:noFill/>
+          </a:ln>
+        </p:spPr>
+        <p:style>
+          <a:lnRef idx="2">
+            <a:schemeClr val="accent1">
+              <a:shade val="50000"/>
+            </a:schemeClr>
+          </a:lnRef>
+          <a:fillRef idx="1">
+            <a:schemeClr val="accent1"/>
+          </a:fillRef>
+          <a:effectRef idx="0">
+            <a:schemeClr val="accent1"/>
+          </a:effectRef>
+          <a:fontRef idx="minor">
+            <a:schemeClr val="lt1"/>
+          </a:fontRef>
+        </p:style>
+        <p:txBody>
+          <a:bodyPr rtlCol="0" anchor="ctr"/>
+          <a:lstStyle/>
+          <a:p>
+            <a:pPr algn="ctr"/>
+            <a:endParaRPr lang="fr-FR"/>
+          </a:p>
+        </p:txBody>
+      </p:sp>
+      <p:cxnSp>
+        <p:nvCxnSpPr>
+          <p:cNvPr id="70" name="Connecteur droit 69"/>
+          <p:cNvCxnSpPr/>
+          <p:nvPr/>
+        </p:nvCxnSpPr>
+        <p:spPr>
+          <a:xfrm>
+            <a:off x="1460500" y="3340100"/>
+            <a:ext cx="355600" cy="1588"/>
+          </a:xfrm>
+          <a:prstGeom prst="line">
+            <a:avLst/>
+          </a:prstGeom>
+          <a:noFill/>
+          <a:ln w="19050">
+            <a:solidFill>
+              <a:srgbClr val="7030A0"/>
+            </a:solidFill>
+          </a:ln>
+        </p:spPr>
+        <p:style>
+          <a:lnRef idx="2">
+            <a:schemeClr val="accent1">
+              <a:shade val="50000"/>
+            </a:schemeClr>
+          </a:lnRef>
+          <a:fillRef idx="1">
+            <a:schemeClr val="accent1"/>
+          </a:fillRef>
+          <a:effectRef idx="0">
+            <a:schemeClr val="accent1"/>
+          </a:effectRef>
+          <a:fontRef idx="minor">
+            <a:schemeClr val="lt1"/>
+          </a:fontRef>
+        </p:style>
+      </p:cxnSp>
+      <p:cxnSp>
+        <p:nvCxnSpPr>
+          <p:cNvPr id="71" name="Connecteur droit 70"/>
+          <p:cNvCxnSpPr>
+            <a:endCxn id="60" idx="2"/>
+          </p:cNvCxnSpPr>
+          <p:nvPr/>
+        </p:nvCxnSpPr>
+        <p:spPr>
+          <a:xfrm rot="5400000" flipH="1" flipV="1">
+            <a:off x="2403675" y="3239625"/>
+            <a:ext cx="200950" cy="0"/>
+          </a:xfrm>
+          <a:prstGeom prst="line">
+            <a:avLst/>
+          </a:prstGeom>
+          <a:solidFill>
+            <a:schemeClr val="bg1"/>
+          </a:solidFill>
+          <a:ln w="19050">
+            <a:solidFill>
+              <a:srgbClr val="00B050"/>
+            </a:solidFill>
+          </a:ln>
+        </p:spPr>
+        <p:style>
+          <a:lnRef idx="2">
+            <a:schemeClr val="accent1">
+              <a:shade val="50000"/>
+            </a:schemeClr>
+          </a:lnRef>
+          <a:fillRef idx="1">
+            <a:schemeClr val="accent1"/>
+          </a:fillRef>
+          <a:effectRef idx="0">
+            <a:schemeClr val="accent1"/>
+          </a:effectRef>
+          <a:fontRef idx="minor">
+            <a:schemeClr val="lt1"/>
+          </a:fontRef>
+        </p:style>
+      </p:cxnSp>
+      <p:sp>
+        <p:nvSpPr>
+          <p:cNvPr id="74" name="Ellipse 73"/>
+          <p:cNvSpPr/>
+          <p:nvPr/>
+        </p:nvSpPr>
+        <p:spPr>
+          <a:xfrm>
+            <a:off x="2393950" y="3340100"/>
+            <a:ext cx="245400" cy="245400"/>
+          </a:xfrm>
+          <a:prstGeom prst="ellipse">
+            <a:avLst/>
+          </a:prstGeom>
+          <a:solidFill>
+            <a:schemeClr val="bg1"/>
+          </a:solidFill>
+          <a:ln w="12700">
+            <a:solidFill>
+              <a:srgbClr val="00B050"/>
+            </a:solidFill>
+          </a:ln>
+        </p:spPr>
+        <p:style>
+          <a:lnRef idx="2">
+            <a:schemeClr val="accent1">
+              <a:shade val="50000"/>
+            </a:schemeClr>
+          </a:lnRef>
+          <a:fillRef idx="1">
+            <a:schemeClr val="accent1"/>
+          </a:fillRef>
+          <a:effectRef idx="0">
+            <a:schemeClr val="accent1"/>
+          </a:effectRef>
+          <a:fontRef idx="minor">
+            <a:schemeClr val="lt1"/>
+          </a:fontRef>
+        </p:style>
+        <p:txBody>
+          <a:bodyPr rtlCol="0" anchor="ctr"/>
+          <a:lstStyle/>
+          <a:p>
+            <a:pPr algn="ctr"/>
+            <a:r>
+              <a:rPr lang="fr-FR" sz="1400" dirty="0" smtClean="0">
+                <a:solidFill>
+                  <a:srgbClr val="00B050"/>
+                </a:solidFill>
+              </a:rPr>
+              <a:t>1</a:t>
+            </a:r>
+            <a:endParaRPr lang="fr-FR" sz="1400" dirty="0">
+              <a:solidFill>
+                <a:srgbClr val="00B050"/>
+              </a:solidFill>
+            </a:endParaRPr>
+          </a:p>
+        </p:txBody>
+      </p:sp>
+      <p:sp>
+        <p:nvSpPr>
+          <p:cNvPr id="75" name="Ellipse 74"/>
+          <p:cNvSpPr/>
+          <p:nvPr/>
+        </p:nvSpPr>
+        <p:spPr>
+          <a:xfrm>
+            <a:off x="2749550" y="1695450"/>
+            <a:ext cx="245400" cy="245400"/>
+          </a:xfrm>
+          <a:prstGeom prst="ellipse">
+            <a:avLst/>
+          </a:prstGeom>
+          <a:solidFill>
+            <a:schemeClr val="bg1"/>
+          </a:solidFill>
+          <a:ln w="12700">
+            <a:solidFill>
+              <a:srgbClr val="00B050"/>
+            </a:solidFill>
+          </a:ln>
+        </p:spPr>
+        <p:style>
+          <a:lnRef idx="2">
+            <a:schemeClr val="accent1">
+              <a:shade val="50000"/>
+            </a:schemeClr>
+          </a:lnRef>
+          <a:fillRef idx="1">
+            <a:schemeClr val="accent1"/>
+          </a:fillRef>
+          <a:effectRef idx="0">
+            <a:schemeClr val="accent1"/>
+          </a:effectRef>
+          <a:fontRef idx="minor">
+            <a:schemeClr val="lt1"/>
+          </a:fontRef>
+        </p:style>
+        <p:txBody>
+          <a:bodyPr rtlCol="0" anchor="ctr"/>
+          <a:lstStyle/>
+          <a:p>
+            <a:pPr algn="ctr"/>
+            <a:r>
+              <a:rPr lang="fr-FR" sz="1400" dirty="0" smtClean="0">
+                <a:solidFill>
+                  <a:srgbClr val="00B050"/>
+                </a:solidFill>
+              </a:rPr>
+              <a:t>1</a:t>
+            </a:r>
+            <a:endParaRPr lang="fr-FR" sz="1400" dirty="0">
+              <a:solidFill>
+                <a:srgbClr val="00B050"/>
+              </a:solidFill>
+            </a:endParaRPr>
+          </a:p>
+        </p:txBody>
+      </p:sp>
+      <p:sp>
+        <p:nvSpPr>
+          <p:cNvPr id="76" name="Ellipse 75"/>
+          <p:cNvSpPr/>
+          <p:nvPr/>
+        </p:nvSpPr>
+        <p:spPr>
+          <a:xfrm>
+            <a:off x="1149350" y="2006600"/>
+            <a:ext cx="245400" cy="245400"/>
+          </a:xfrm>
+          <a:prstGeom prst="ellipse">
+            <a:avLst/>
+          </a:prstGeom>
+          <a:solidFill>
+            <a:schemeClr val="bg1"/>
+          </a:solidFill>
+          <a:ln w="12700">
+            <a:solidFill>
+              <a:srgbClr val="7030A0"/>
+            </a:solidFill>
+          </a:ln>
+        </p:spPr>
+        <p:style>
+          <a:lnRef idx="2">
+            <a:schemeClr val="accent1">
+              <a:shade val="50000"/>
+            </a:schemeClr>
+          </a:lnRef>
+          <a:fillRef idx="1">
+            <a:schemeClr val="accent1"/>
+          </a:fillRef>
+          <a:effectRef idx="0">
+            <a:schemeClr val="accent1"/>
+          </a:effectRef>
+          <a:fontRef idx="minor">
+            <a:schemeClr val="lt1"/>
+          </a:fontRef>
+        </p:style>
+        <p:txBody>
+          <a:bodyPr rtlCol="0" anchor="ctr"/>
+          <a:lstStyle/>
+          <a:p>
+            <a:pPr algn="ctr"/>
+            <a:r>
+              <a:rPr lang="fr-FR" sz="1400" dirty="0" smtClean="0">
+                <a:solidFill>
+                  <a:srgbClr val="7030A0"/>
+                </a:solidFill>
+              </a:rPr>
+              <a:t>0</a:t>
+            </a:r>
+            <a:endParaRPr lang="fr-FR" sz="1400" dirty="0">
+              <a:solidFill>
+                <a:srgbClr val="7030A0"/>
+              </a:solidFill>
+            </a:endParaRPr>
+          </a:p>
+        </p:txBody>
+      </p:sp>
+      <p:sp>
+        <p:nvSpPr>
+          <p:cNvPr id="77" name="Ellipse 76"/>
+          <p:cNvSpPr/>
+          <p:nvPr/>
+        </p:nvSpPr>
+        <p:spPr>
+          <a:xfrm>
+            <a:off x="1371600" y="3073400"/>
+            <a:ext cx="245400" cy="245400"/>
+          </a:xfrm>
+          <a:prstGeom prst="ellipse">
+            <a:avLst/>
+          </a:prstGeom>
+          <a:solidFill>
+            <a:schemeClr val="bg1"/>
+          </a:solidFill>
+          <a:ln w="12700">
+            <a:solidFill>
+              <a:srgbClr val="7030A0"/>
+            </a:solidFill>
+          </a:ln>
+        </p:spPr>
+        <p:style>
+          <a:lnRef idx="2">
+            <a:schemeClr val="accent1">
+              <a:shade val="50000"/>
+            </a:schemeClr>
+          </a:lnRef>
+          <a:fillRef idx="1">
+            <a:schemeClr val="accent1"/>
+          </a:fillRef>
+          <a:effectRef idx="0">
+            <a:schemeClr val="accent1"/>
+          </a:effectRef>
+          <a:fontRef idx="minor">
+            <a:schemeClr val="lt1"/>
+          </a:fontRef>
+        </p:style>
+        <p:txBody>
+          <a:bodyPr rtlCol="0" anchor="ctr"/>
+          <a:lstStyle/>
+          <a:p>
+            <a:pPr algn="ctr"/>
+            <a:r>
+              <a:rPr lang="fr-FR" sz="1400" dirty="0" smtClean="0">
+                <a:solidFill>
+                  <a:srgbClr val="7030A0"/>
+                </a:solidFill>
+              </a:rPr>
+              <a:t>0</a:t>
+            </a:r>
+            <a:endParaRPr lang="fr-FR" sz="1400" dirty="0">
+              <a:solidFill>
+                <a:srgbClr val="7030A0"/>
+              </a:solidFill>
+            </a:endParaRPr>
+          </a:p>
+        </p:txBody>
+      </p:sp>
+      <p:sp>
+        <p:nvSpPr>
+          <p:cNvPr id="78" name="Ellipse 77"/>
+          <p:cNvSpPr/>
+          <p:nvPr/>
+        </p:nvSpPr>
+        <p:spPr>
+          <a:xfrm>
+            <a:off x="3860800" y="1873250"/>
+            <a:ext cx="245400" cy="245400"/>
+          </a:xfrm>
+          <a:prstGeom prst="ellipse">
+            <a:avLst/>
+          </a:prstGeom>
+          <a:solidFill>
+            <a:schemeClr val="bg1"/>
+          </a:solidFill>
+          <a:ln w="12700">
+            <a:solidFill>
+              <a:srgbClr val="7030A0"/>
+            </a:solidFill>
+          </a:ln>
+        </p:spPr>
+        <p:style>
+          <a:lnRef idx="2">
+            <a:schemeClr val="accent1">
+              <a:shade val="50000"/>
+            </a:schemeClr>
+          </a:lnRef>
+          <a:fillRef idx="1">
+            <a:schemeClr val="accent1"/>
+          </a:fillRef>
+          <a:effectRef idx="0">
+            <a:schemeClr val="accent1"/>
+          </a:effectRef>
+          <a:fontRef idx="minor">
+            <a:schemeClr val="lt1"/>
+          </a:fontRef>
+        </p:style>
+        <p:txBody>
+          <a:bodyPr rtlCol="0" anchor="ctr"/>
+          <a:lstStyle/>
+          <a:p>
+            <a:pPr algn="ctr"/>
+            <a:r>
+              <a:rPr lang="fr-FR" sz="1400" dirty="0" smtClean="0">
+                <a:solidFill>
+                  <a:srgbClr val="7030A0"/>
+                </a:solidFill>
+              </a:rPr>
+              <a:t>0</a:t>
+            </a:r>
+            <a:endParaRPr lang="fr-FR" sz="1400" dirty="0">
+              <a:solidFill>
+                <a:srgbClr val="7030A0"/>
+              </a:solidFill>
+            </a:endParaRPr>
+          </a:p>
+        </p:txBody>
+      </p:sp>
+      <p:sp>
+        <p:nvSpPr>
+          <p:cNvPr id="79" name="Ellipse 78"/>
+          <p:cNvSpPr/>
+          <p:nvPr/>
+        </p:nvSpPr>
+        <p:spPr>
+          <a:xfrm>
+            <a:off x="5861050" y="1873250"/>
+            <a:ext cx="245400" cy="245400"/>
+          </a:xfrm>
+          <a:prstGeom prst="ellipse">
+            <a:avLst/>
+          </a:prstGeom>
+          <a:solidFill>
+            <a:schemeClr val="bg1"/>
+          </a:solidFill>
+          <a:ln w="12700">
+            <a:solidFill>
+              <a:srgbClr val="00B050"/>
+            </a:solidFill>
+          </a:ln>
+        </p:spPr>
+        <p:style>
+          <a:lnRef idx="2">
+            <a:schemeClr val="accent1">
+              <a:shade val="50000"/>
+            </a:schemeClr>
+          </a:lnRef>
+          <a:fillRef idx="1">
+            <a:schemeClr val="accent1"/>
+          </a:fillRef>
+          <a:effectRef idx="0">
+            <a:schemeClr val="accent1"/>
+          </a:effectRef>
+          <a:fontRef idx="minor">
+            <a:schemeClr val="lt1"/>
+          </a:fontRef>
+        </p:style>
+        <p:txBody>
+          <a:bodyPr rtlCol="0" anchor="ctr"/>
+          <a:lstStyle/>
+          <a:p>
+            <a:pPr algn="ctr"/>
+            <a:r>
+              <a:rPr lang="fr-FR" sz="1400" dirty="0" smtClean="0">
+                <a:solidFill>
+                  <a:srgbClr val="00B050"/>
+                </a:solidFill>
+              </a:rPr>
+              <a:t>1</a:t>
+            </a:r>
+            <a:endParaRPr lang="fr-FR" sz="1400" dirty="0">
+              <a:solidFill>
+                <a:srgbClr val="00B050"/>
+              </a:solidFill>
+            </a:endParaRPr>
+          </a:p>
+        </p:txBody>
+      </p:sp>
+      <p:grpSp>
+        <p:nvGrpSpPr>
+          <p:cNvPr id="89" name="Groupe 88"/>
+          <p:cNvGrpSpPr/>
+          <p:nvPr/>
+        </p:nvGrpSpPr>
+        <p:grpSpPr>
+          <a:xfrm>
+            <a:off x="927100" y="2362200"/>
+            <a:ext cx="360000" cy="360000"/>
+            <a:chOff x="927100" y="2362200"/>
+            <a:chExt cx="360000" cy="360000"/>
+          </a:xfrm>
+        </p:grpSpPr>
+        <p:cxnSp>
+          <p:nvCxnSpPr>
+            <p:cNvPr id="85" name="Connecteur droit avec flèche 84"/>
+            <p:cNvCxnSpPr/>
+            <p:nvPr/>
+          </p:nvCxnSpPr>
+          <p:spPr>
+            <a:xfrm>
+              <a:off x="927100" y="2717800"/>
+              <a:ext cx="360000" cy="0"/>
+            </a:xfrm>
+            <a:prstGeom prst="straightConnector1">
+              <a:avLst/>
+            </a:prstGeom>
+            <a:ln w="12700">
+              <a:tailEnd type="stealth" w="sm" len="med"/>
+            </a:ln>
+          </p:spPr>
+          <p:style>
+            <a:lnRef idx="1">
+              <a:schemeClr val="accent1"/>
+            </a:lnRef>
+            <a:fillRef idx="0">
+              <a:schemeClr val="accent1"/>
+            </a:fillRef>
+            <a:effectRef idx="0">
+              <a:schemeClr val="accent1"/>
+            </a:effectRef>
+            <a:fontRef idx="minor">
+              <a:schemeClr val="tx1"/>
+            </a:fontRef>
+          </p:style>
+        </p:cxnSp>
+        <p:cxnSp>
+          <p:nvCxnSpPr>
+            <p:cNvPr id="88" name="Connecteur droit avec flèche 87"/>
+            <p:cNvCxnSpPr/>
+            <p:nvPr/>
+          </p:nvCxnSpPr>
+          <p:spPr>
+            <a:xfrm rot="16200000">
+              <a:off x="747100" y="2542200"/>
+              <a:ext cx="360000" cy="0"/>
+            </a:xfrm>
+            <a:prstGeom prst="straightConnector1">
+              <a:avLst/>
+            </a:prstGeom>
+            <a:ln w="12700">
+              <a:tailEnd type="stealth" w="sm" len="med"/>
+            </a:ln>
+          </p:spPr>
+          <p:style>
+            <a:lnRef idx="1">
+              <a:schemeClr val="accent1"/>
+            </a:lnRef>
+            <a:fillRef idx="0">
+              <a:schemeClr val="accent1"/>
+            </a:fillRef>
+            <a:effectRef idx="0">
+              <a:schemeClr val="accent1"/>
+            </a:effectRef>
+            <a:fontRef idx="minor">
+              <a:schemeClr val="tx1"/>
+            </a:fontRef>
+          </p:style>
+        </p:cxnSp>
+      </p:grpSp>
+      <p:graphicFrame>
+        <p:nvGraphicFramePr>
+          <p:cNvPr id="90" name="Objet 89"/>
+          <p:cNvGraphicFramePr>
+            <a:graphicFrameLocks noChangeAspect="1"/>
+          </p:cNvGraphicFramePr>
+          <p:nvPr/>
+        </p:nvGraphicFramePr>
+        <p:xfrm>
+          <a:off x="1193800" y="2495550"/>
+          <a:ext cx="127000" cy="228600"/>
+        </p:xfrm>
+        <a:graphic>
+          <a:graphicData uri="http://schemas.openxmlformats.org/presentationml/2006/ole">
+            <p:oleObj spid="_x0000_s1026" name="Équation" r:id="rId3" imgW="126720" imgH="228600" progId="Equation.3">
+              <p:embed/>
+            </p:oleObj>
+          </a:graphicData>
+        </a:graphic>
+      </p:graphicFrame>
+      <p:graphicFrame>
+        <p:nvGraphicFramePr>
+          <p:cNvPr id="91" name="Objet 90"/>
+          <p:cNvGraphicFramePr>
+            <a:graphicFrameLocks noChangeAspect="1"/>
+          </p:cNvGraphicFramePr>
+          <p:nvPr/>
+        </p:nvGraphicFramePr>
+        <p:xfrm>
+          <a:off x="787400" y="2171700"/>
+          <a:ext cx="139700" cy="254000"/>
+        </p:xfrm>
+        <a:graphic>
+          <a:graphicData uri="http://schemas.openxmlformats.org/presentationml/2006/ole">
+            <p:oleObj spid="_x0000_s1027" name="Équation" r:id="rId4" imgW="139680" imgH="253800" progId="Equation.3">
+              <p:embed/>
+            </p:oleObj>
+          </a:graphicData>
+        </a:graphic>
+      </p:graphicFrame>
+      <p:sp>
+        <p:nvSpPr>
+          <p:cNvPr id="92" name="ZoneTexte 91"/>
+          <p:cNvSpPr txBox="1"/>
+          <p:nvPr/>
+        </p:nvSpPr>
+        <p:spPr>
+          <a:xfrm>
+            <a:off x="1682750" y="1562100"/>
+            <a:ext cx="311150" cy="261610"/>
+          </a:xfrm>
+          <a:prstGeom prst="rect">
+            <a:avLst/>
+          </a:prstGeom>
+          <a:noFill/>
+        </p:spPr>
+        <p:txBody>
+          <a:bodyPr wrap="square" rtlCol="0">
+            <a:spAutoFit/>
+          </a:bodyPr>
+          <a:lstStyle/>
+          <a:p>
+            <a:pPr algn="ctr"/>
+            <a:r>
+              <a:rPr lang="fr-FR" sz="1100" i="1" dirty="0" smtClean="0"/>
+              <a:t>A</a:t>
+            </a:r>
+            <a:endParaRPr lang="fr-FR" i="1" dirty="0"/>
+          </a:p>
+        </p:txBody>
+      </p:sp>
+      <p:sp>
+        <p:nvSpPr>
+          <p:cNvPr id="93" name="ZoneTexte 92"/>
+          <p:cNvSpPr txBox="1"/>
+          <p:nvPr/>
+        </p:nvSpPr>
+        <p:spPr>
+          <a:xfrm>
+            <a:off x="2349500" y="1562100"/>
+            <a:ext cx="266700" cy="261610"/>
+          </a:xfrm>
+          <a:prstGeom prst="rect">
+            <a:avLst/>
+          </a:prstGeom>
+          <a:noFill/>
+        </p:spPr>
+        <p:txBody>
+          <a:bodyPr wrap="square" rtlCol="0">
+            <a:spAutoFit/>
+          </a:bodyPr>
+          <a:lstStyle/>
+          <a:p>
+            <a:pPr algn="ctr"/>
+            <a:r>
+              <a:rPr lang="fr-FR" sz="1100" i="1" dirty="0" smtClean="0"/>
+              <a:t>B</a:t>
+            </a:r>
+            <a:endParaRPr lang="fr-FR" i="1" dirty="0"/>
+          </a:p>
+        </p:txBody>
+      </p:sp>
+      <p:sp>
+        <p:nvSpPr>
+          <p:cNvPr id="94" name="ZoneTexte 93"/>
+          <p:cNvSpPr txBox="1"/>
+          <p:nvPr/>
+        </p:nvSpPr>
+        <p:spPr>
+          <a:xfrm>
+            <a:off x="3194050" y="1562100"/>
+            <a:ext cx="266700" cy="261610"/>
+          </a:xfrm>
+          <a:prstGeom prst="rect">
+            <a:avLst/>
+          </a:prstGeom>
+          <a:noFill/>
+        </p:spPr>
+        <p:txBody>
+          <a:bodyPr wrap="square" rtlCol="0">
+            <a:spAutoFit/>
+          </a:bodyPr>
+          <a:lstStyle/>
+          <a:p>
+            <a:pPr algn="ctr"/>
+            <a:r>
+              <a:rPr lang="fr-FR" sz="1100" i="1" dirty="0" smtClean="0"/>
+              <a:t>C</a:t>
+            </a:r>
+            <a:endParaRPr lang="fr-FR" i="1" dirty="0"/>
+          </a:p>
+        </p:txBody>
+      </p:sp>
+      <p:sp>
+        <p:nvSpPr>
+          <p:cNvPr id="95" name="ZoneTexte 94"/>
+          <p:cNvSpPr txBox="1"/>
+          <p:nvPr/>
+        </p:nvSpPr>
+        <p:spPr>
+          <a:xfrm>
+            <a:off x="2335211" y="2632080"/>
+            <a:ext cx="311150" cy="261610"/>
+          </a:xfrm>
+          <a:prstGeom prst="rect">
+            <a:avLst/>
+          </a:prstGeom>
+          <a:noFill/>
+        </p:spPr>
+        <p:txBody>
+          <a:bodyPr wrap="square" rtlCol="0">
+            <a:spAutoFit/>
+          </a:bodyPr>
+          <a:lstStyle/>
+          <a:p>
+            <a:pPr algn="ctr"/>
+            <a:r>
+              <a:rPr lang="fr-FR" sz="1100" i="1" dirty="0" smtClean="0"/>
+              <a:t>A</a:t>
+            </a:r>
+            <a:endParaRPr lang="fr-FR" i="1" dirty="0"/>
+          </a:p>
+        </p:txBody>
+      </p:sp>
+      <p:sp>
+        <p:nvSpPr>
+          <p:cNvPr id="96" name="ZoneTexte 95"/>
+          <p:cNvSpPr txBox="1"/>
+          <p:nvPr/>
+        </p:nvSpPr>
+        <p:spPr>
+          <a:xfrm>
+            <a:off x="4171950" y="1473200"/>
+            <a:ext cx="1689100" cy="246221"/>
+          </a:xfrm>
+          <a:prstGeom prst="rect">
+            <a:avLst/>
+          </a:prstGeom>
+          <a:noFill/>
+        </p:spPr>
+        <p:txBody>
+          <a:bodyPr wrap="square" rtlCol="0">
+            <a:spAutoFit/>
+          </a:bodyPr>
+          <a:lstStyle/>
+          <a:p>
+            <a:pPr algn="ctr"/>
+            <a:r>
+              <a:rPr lang="fr-FR" sz="1000" i="1" dirty="0" smtClean="0"/>
+              <a:t>Sphère plan normale (</a:t>
+            </a:r>
+            <a:r>
+              <a:rPr lang="fr-FR" sz="1000" i="1" dirty="0" err="1" smtClean="0"/>
+              <a:t>A,x</a:t>
+            </a:r>
+            <a:r>
+              <a:rPr lang="fr-FR" sz="1000" i="1" dirty="0" smtClean="0"/>
+              <a:t>)  </a:t>
+            </a:r>
+            <a:endParaRPr lang="fr-FR" sz="1400" i="1" dirty="0"/>
+          </a:p>
+        </p:txBody>
+      </p:sp>
+      <p:sp>
+        <p:nvSpPr>
+          <p:cNvPr id="98" name="ZoneTexte 97"/>
+          <p:cNvSpPr txBox="1"/>
+          <p:nvPr/>
+        </p:nvSpPr>
+        <p:spPr>
+          <a:xfrm>
+            <a:off x="4083050" y="2362200"/>
+            <a:ext cx="1822450" cy="246221"/>
+          </a:xfrm>
+          <a:prstGeom prst="rect">
+            <a:avLst/>
+          </a:prstGeom>
+          <a:noFill/>
+        </p:spPr>
+        <p:txBody>
+          <a:bodyPr wrap="square" rtlCol="0">
+            <a:spAutoFit/>
+          </a:bodyPr>
+          <a:lstStyle/>
+          <a:p>
+            <a:pPr algn="ctr"/>
+            <a:r>
+              <a:rPr lang="fr-FR" sz="1000" i="1" dirty="0" smtClean="0"/>
+              <a:t>Sphère cylindre direction (</a:t>
+            </a:r>
+            <a:r>
+              <a:rPr lang="fr-FR" sz="1000" i="1" dirty="0" err="1" smtClean="0"/>
+              <a:t>C,x</a:t>
+            </a:r>
+            <a:r>
+              <a:rPr lang="fr-FR" sz="1000" i="1" dirty="0" smtClean="0"/>
+              <a:t>)  </a:t>
+            </a:r>
+            <a:endParaRPr lang="fr-FR" sz="1400" i="1" dirty="0"/>
+          </a:p>
+        </p:txBody>
+      </p:sp>
+      <p:sp>
+        <p:nvSpPr>
+          <p:cNvPr id="100" name="Arc 99"/>
+          <p:cNvSpPr/>
+          <p:nvPr/>
+        </p:nvSpPr>
+        <p:spPr>
+          <a:xfrm flipV="1">
+            <a:off x="3972419" y="2806700"/>
+            <a:ext cx="2020993" cy="488950"/>
+          </a:xfrm>
+          <a:prstGeom prst="arc">
+            <a:avLst>
+              <a:gd name="adj1" fmla="val 10958171"/>
+              <a:gd name="adj2" fmla="val 21434662"/>
+            </a:avLst>
+          </a:prstGeom>
+        </p:spPr>
+        <p:style>
+          <a:lnRef idx="1">
+            <a:schemeClr val="accent1"/>
+          </a:lnRef>
+          <a:fillRef idx="0">
+            <a:schemeClr val="accent1"/>
+          </a:fillRef>
+          <a:effectRef idx="0">
+            <a:schemeClr val="accent1"/>
+          </a:effectRef>
+          <a:fontRef idx="minor">
+            <a:schemeClr val="tx1"/>
+          </a:fontRef>
+        </p:style>
+        <p:txBody>
+          <a:bodyPr rtlCol="0" anchor="ctr"/>
+          <a:lstStyle/>
+          <a:p>
+            <a:pPr algn="ctr"/>
+            <a:endParaRPr lang="fr-FR"/>
+          </a:p>
+        </p:txBody>
+      </p:sp>
+      <p:sp>
+        <p:nvSpPr>
+          <p:cNvPr id="102" name="Ellipse 101"/>
+          <p:cNvSpPr/>
+          <p:nvPr/>
+        </p:nvSpPr>
+        <p:spPr>
+          <a:xfrm>
+            <a:off x="3859812" y="3028950"/>
+            <a:ext cx="245400" cy="245400"/>
+          </a:xfrm>
+          <a:prstGeom prst="ellipse">
+            <a:avLst/>
+          </a:prstGeom>
+          <a:solidFill>
+            <a:schemeClr val="bg1"/>
+          </a:solidFill>
+          <a:ln w="12700">
+            <a:solidFill>
+              <a:srgbClr val="7030A0"/>
+            </a:solidFill>
+          </a:ln>
+        </p:spPr>
+        <p:style>
+          <a:lnRef idx="2">
+            <a:schemeClr val="accent1">
+              <a:shade val="50000"/>
+            </a:schemeClr>
+          </a:lnRef>
+          <a:fillRef idx="1">
+            <a:schemeClr val="accent1"/>
+          </a:fillRef>
+          <a:effectRef idx="0">
+            <a:schemeClr val="accent1"/>
+          </a:effectRef>
+          <a:fontRef idx="minor">
+            <a:schemeClr val="lt1"/>
+          </a:fontRef>
+        </p:style>
+        <p:txBody>
+          <a:bodyPr rtlCol="0" anchor="ctr"/>
+          <a:lstStyle/>
+          <a:p>
+            <a:pPr algn="ctr"/>
+            <a:r>
+              <a:rPr lang="fr-FR" sz="1400" dirty="0" smtClean="0">
+                <a:solidFill>
+                  <a:srgbClr val="7030A0"/>
+                </a:solidFill>
+              </a:rPr>
+              <a:t>0</a:t>
+            </a:r>
+            <a:endParaRPr lang="fr-FR" sz="1400" dirty="0">
+              <a:solidFill>
+                <a:srgbClr val="7030A0"/>
+              </a:solidFill>
+            </a:endParaRPr>
+          </a:p>
+        </p:txBody>
+      </p:sp>
+      <p:sp>
+        <p:nvSpPr>
+          <p:cNvPr id="103" name="Ellipse 102"/>
+          <p:cNvSpPr/>
+          <p:nvPr/>
+        </p:nvSpPr>
+        <p:spPr>
+          <a:xfrm>
+            <a:off x="5860062" y="3028950"/>
+            <a:ext cx="245400" cy="245400"/>
+          </a:xfrm>
+          <a:prstGeom prst="ellipse">
+            <a:avLst/>
+          </a:prstGeom>
+          <a:solidFill>
+            <a:schemeClr val="bg1"/>
+          </a:solidFill>
+          <a:ln w="12700">
+            <a:solidFill>
+              <a:srgbClr val="00B050"/>
+            </a:solidFill>
+          </a:ln>
+        </p:spPr>
+        <p:style>
+          <a:lnRef idx="2">
+            <a:schemeClr val="accent1">
+              <a:shade val="50000"/>
+            </a:schemeClr>
+          </a:lnRef>
+          <a:fillRef idx="1">
+            <a:schemeClr val="accent1"/>
+          </a:fillRef>
+          <a:effectRef idx="0">
+            <a:schemeClr val="accent1"/>
+          </a:effectRef>
+          <a:fontRef idx="minor">
+            <a:schemeClr val="lt1"/>
+          </a:fontRef>
+        </p:style>
+        <p:txBody>
+          <a:bodyPr rtlCol="0" anchor="ctr"/>
+          <a:lstStyle/>
+          <a:p>
+            <a:pPr algn="ctr"/>
+            <a:r>
+              <a:rPr lang="fr-FR" sz="1400" dirty="0" smtClean="0">
+                <a:solidFill>
+                  <a:srgbClr val="00B050"/>
+                </a:solidFill>
+              </a:rPr>
+              <a:t>1</a:t>
+            </a:r>
+            <a:endParaRPr lang="fr-FR" sz="1400" dirty="0">
+              <a:solidFill>
+                <a:srgbClr val="00B050"/>
+              </a:solidFill>
+            </a:endParaRPr>
+          </a:p>
+        </p:txBody>
+      </p:sp>
+      <p:sp>
+        <p:nvSpPr>
+          <p:cNvPr id="105" name="ZoneTexte 104"/>
+          <p:cNvSpPr txBox="1"/>
+          <p:nvPr/>
+        </p:nvSpPr>
+        <p:spPr>
+          <a:xfrm>
+            <a:off x="4038600" y="3073400"/>
+            <a:ext cx="1822450" cy="246221"/>
+          </a:xfrm>
+          <a:prstGeom prst="rect">
+            <a:avLst/>
+          </a:prstGeom>
+          <a:noFill/>
+        </p:spPr>
+        <p:txBody>
+          <a:bodyPr wrap="square" rtlCol="0">
+            <a:spAutoFit/>
+          </a:bodyPr>
+          <a:lstStyle/>
+          <a:p>
+            <a:pPr algn="ctr"/>
+            <a:r>
+              <a:rPr lang="fr-FR" sz="1000" i="1" dirty="0" smtClean="0"/>
+              <a:t>Pivot d’axe (</a:t>
+            </a:r>
+            <a:r>
+              <a:rPr lang="fr-FR" sz="1000" i="1" dirty="0" err="1" smtClean="0"/>
+              <a:t>A,x</a:t>
+            </a:r>
+            <a:r>
+              <a:rPr lang="fr-FR" sz="1000" i="1" dirty="0" smtClean="0"/>
+              <a:t>)  </a:t>
+            </a:r>
+            <a:endParaRPr lang="fr-FR" sz="1400" i="1" dirty="0"/>
+          </a:p>
+        </p:txBody>
+      </p:sp>
     </p:spTree>
     <p:extLst>
       <p:ext uri="{BB962C8B-B14F-4D97-AF65-F5344CB8AC3E}">
-        <p14:creationId xmlns:p14="http://schemas.microsoft.com/office/powerpoint/2010/main" val="4018768149"/>
+        <p14:creationId xmlns:p14="http://schemas.microsoft.com/office/powerpoint/2010/main" xmlns="" val="4018768149"/>
       </p:ext>
     </p:extLst>
   </p:cSld>
@@ -4048,8 +5891,8 @@
           </p:style>
         </p:cxnSp>
       </p:grpSp>
-      <mc:AlternateContent xmlns:mc="http://schemas.openxmlformats.org/markup-compatibility/2006" xmlns:a14="http://schemas.microsoft.com/office/drawing/2010/main">
-        <mc:Choice Requires="a14">
+      <mc:AlternateContent xmlns:mc="http://schemas.openxmlformats.org/markup-compatibility/2006">
+        <mc:Choice xmlns:a14="http://schemas.microsoft.com/office/drawing/2010/main" xmlns="" Requires="a14">
           <p:sp>
             <p:nvSpPr>
               <p:cNvPr id="9" name="ZoneTexte 8"/>
@@ -4124,7 +5967,7 @@
             </p:txBody>
           </p:sp>
         </mc:Choice>
-        <mc:Fallback xmlns="">
+        <mc:Fallback>
           <p:sp>
             <p:nvSpPr>
               <p:cNvPr id="9" name="ZoneTexte 8"/>
@@ -4163,8 +6006,8 @@
           </p:sp>
         </mc:Fallback>
       </mc:AlternateContent>
-      <mc:AlternateContent xmlns:mc="http://schemas.openxmlformats.org/markup-compatibility/2006" xmlns:a14="http://schemas.microsoft.com/office/drawing/2010/main">
-        <mc:Choice Requires="a14">
+      <mc:AlternateContent xmlns:mc="http://schemas.openxmlformats.org/markup-compatibility/2006">
+        <mc:Choice xmlns:a14="http://schemas.microsoft.com/office/drawing/2010/main" xmlns="" Requires="a14">
           <p:sp>
             <p:nvSpPr>
               <p:cNvPr id="10" name="ZoneTexte 9"/>
@@ -4239,7 +6082,7 @@
             </p:txBody>
           </p:sp>
         </mc:Choice>
-        <mc:Fallback xmlns="">
+        <mc:Fallback>
           <p:sp>
             <p:nvSpPr>
               <p:cNvPr id="10" name="ZoneTexte 9"/>
@@ -4736,8 +6579,8 @@
           </a:fontRef>
         </p:style>
       </p:cxnSp>
-      <mc:AlternateContent xmlns:mc="http://schemas.openxmlformats.org/markup-compatibility/2006" xmlns:a14="http://schemas.microsoft.com/office/drawing/2010/main">
-        <mc:Choice Requires="a14">
+      <mc:AlternateContent xmlns:mc="http://schemas.openxmlformats.org/markup-compatibility/2006">
+        <mc:Choice xmlns:a14="http://schemas.microsoft.com/office/drawing/2010/main" xmlns="" Requires="a14">
           <p:sp>
             <p:nvSpPr>
               <p:cNvPr id="41" name="ZoneTexte 40"/>
@@ -4800,7 +6643,7 @@
             </p:txBody>
           </p:sp>
         </mc:Choice>
-        <mc:Fallback xmlns="">
+        <mc:Fallback>
           <p:sp>
             <p:nvSpPr>
               <p:cNvPr id="41" name="ZoneTexte 40"/>
@@ -4839,8 +6682,8 @@
           </p:sp>
         </mc:Fallback>
       </mc:AlternateContent>
-      <mc:AlternateContent xmlns:mc="http://schemas.openxmlformats.org/markup-compatibility/2006" xmlns:a14="http://schemas.microsoft.com/office/drawing/2010/main">
-        <mc:Choice Requires="a14">
+      <mc:AlternateContent xmlns:mc="http://schemas.openxmlformats.org/markup-compatibility/2006">
+        <mc:Choice xmlns:a14="http://schemas.microsoft.com/office/drawing/2010/main" xmlns="" Requires="a14">
           <p:sp>
             <p:nvSpPr>
               <p:cNvPr id="46" name="ZoneTexte 45"/>
@@ -4915,7 +6758,7 @@
             </p:txBody>
           </p:sp>
         </mc:Choice>
-        <mc:Fallback xmlns="">
+        <mc:Fallback>
           <p:sp>
             <p:nvSpPr>
               <p:cNvPr id="46" name="ZoneTexte 45"/>
@@ -4990,8 +6833,8 @@
           </a:fontRef>
         </p:style>
       </p:cxnSp>
-      <mc:AlternateContent xmlns:mc="http://schemas.openxmlformats.org/markup-compatibility/2006" xmlns:a14="http://schemas.microsoft.com/office/drawing/2010/main">
-        <mc:Choice Requires="a14">
+      <mc:AlternateContent xmlns:mc="http://schemas.openxmlformats.org/markup-compatibility/2006">
+        <mc:Choice xmlns:a14="http://schemas.microsoft.com/office/drawing/2010/main" xmlns="" Requires="a14">
           <p:sp>
             <p:nvSpPr>
               <p:cNvPr id="55" name="ZoneTexte 54"/>
@@ -5066,7 +6909,7 @@
             </p:txBody>
           </p:sp>
         </mc:Choice>
-        <mc:Fallback xmlns="">
+        <mc:Fallback>
           <p:sp>
             <p:nvSpPr>
               <p:cNvPr id="55" name="ZoneTexte 54"/>
@@ -5694,8 +7537,8 @@
           </a:fontRef>
         </p:style>
       </p:cxnSp>
-      <mc:AlternateContent xmlns:mc="http://schemas.openxmlformats.org/markup-compatibility/2006" xmlns:a14="http://schemas.microsoft.com/office/drawing/2010/main">
-        <mc:Choice Requires="a14">
+      <mc:AlternateContent xmlns:mc="http://schemas.openxmlformats.org/markup-compatibility/2006">
+        <mc:Choice xmlns:a14="http://schemas.microsoft.com/office/drawing/2010/main" xmlns="" Requires="a14">
           <p:sp>
             <p:nvSpPr>
               <p:cNvPr id="106" name="ZoneTexte 105"/>
@@ -5770,7 +7613,7 @@
             </p:txBody>
           </p:sp>
         </mc:Choice>
-        <mc:Fallback xmlns="">
+        <mc:Fallback>
           <p:sp>
             <p:nvSpPr>
               <p:cNvPr id="106" name="ZoneTexte 105"/>
@@ -5887,8 +7730,8 @@
           </a:p>
         </p:txBody>
       </p:sp>
-      <mc:AlternateContent xmlns:mc="http://schemas.openxmlformats.org/markup-compatibility/2006" xmlns:a14="http://schemas.microsoft.com/office/drawing/2010/main">
-        <mc:Choice Requires="a14">
+      <mc:AlternateContent xmlns:mc="http://schemas.openxmlformats.org/markup-compatibility/2006">
+        <mc:Choice xmlns:a14="http://schemas.microsoft.com/office/drawing/2010/main" xmlns="" Requires="a14">
           <p:sp>
             <p:nvSpPr>
               <p:cNvPr id="109" name="ZoneTexte 108"/>
@@ -5951,7 +7794,7 @@
             </p:txBody>
           </p:sp>
         </mc:Choice>
-        <mc:Fallback xmlns="">
+        <mc:Fallback>
           <p:sp>
             <p:nvSpPr>
               <p:cNvPr id="109" name="ZoneTexte 108"/>
@@ -5990,8 +7833,8 @@
           </p:sp>
         </mc:Fallback>
       </mc:AlternateContent>
-      <mc:AlternateContent xmlns:mc="http://schemas.openxmlformats.org/markup-compatibility/2006" xmlns:a14="http://schemas.microsoft.com/office/drawing/2010/main">
-        <mc:Choice Requires="a14">
+      <mc:AlternateContent xmlns:mc="http://schemas.openxmlformats.org/markup-compatibility/2006">
+        <mc:Choice xmlns:a14="http://schemas.microsoft.com/office/drawing/2010/main" xmlns="" Requires="a14">
           <p:sp>
             <p:nvSpPr>
               <p:cNvPr id="110" name="ZoneTexte 109"/>
@@ -6035,7 +7878,7 @@
             </p:txBody>
           </p:sp>
         </mc:Choice>
-        <mc:Fallback xmlns="">
+        <mc:Fallback>
           <p:sp>
             <p:nvSpPr>
               <p:cNvPr id="110" name="ZoneTexte 109"/>
@@ -6077,7 +7920,7 @@
     </p:spTree>
     <p:extLst>
       <p:ext uri="{BB962C8B-B14F-4D97-AF65-F5344CB8AC3E}">
-        <p14:creationId xmlns:p14="http://schemas.microsoft.com/office/powerpoint/2010/main" val="954322426"/>
+        <p14:creationId xmlns:p14="http://schemas.microsoft.com/office/powerpoint/2010/main" xmlns="" val="954322426"/>
       </p:ext>
     </p:extLst>
   </p:cSld>
@@ -6116,7 +7959,7 @@
           <a:blip r:embed="rId2">
             <a:extLst>
               <a:ext uri="{28A0092B-C50C-407E-A947-70E740481C1C}">
-                <a14:useLocalDpi xmlns:a14="http://schemas.microsoft.com/office/drawing/2010/main" val="0"/>
+                <a14:useLocalDpi xmlns:a14="http://schemas.microsoft.com/office/drawing/2010/main" xmlns="" val="0"/>
               </a:ext>
             </a:extLst>
           </a:blip>
@@ -6137,7 +7980,7 @@
     </p:spTree>
     <p:extLst>
       <p:ext uri="{BB962C8B-B14F-4D97-AF65-F5344CB8AC3E}">
-        <p14:creationId xmlns:p14="http://schemas.microsoft.com/office/powerpoint/2010/main" val="2531318778"/>
+        <p14:creationId xmlns:p14="http://schemas.microsoft.com/office/powerpoint/2010/main" xmlns="" val="2531318778"/>
       </p:ext>
     </p:extLst>
   </p:cSld>
@@ -6176,7 +8019,7 @@
           <a:blip r:embed="rId2">
             <a:extLst>
               <a:ext uri="{28A0092B-C50C-407E-A947-70E740481C1C}">
-                <a14:useLocalDpi xmlns:a14="http://schemas.microsoft.com/office/drawing/2010/main" val="0"/>
+                <a14:useLocalDpi xmlns:a14="http://schemas.microsoft.com/office/drawing/2010/main" xmlns="" val="0"/>
               </a:ext>
             </a:extLst>
           </a:blip>
@@ -8223,7 +10066,7 @@
     </p:spTree>
     <p:extLst>
       <p:ext uri="{BB962C8B-B14F-4D97-AF65-F5344CB8AC3E}">
-        <p14:creationId xmlns:p14="http://schemas.microsoft.com/office/powerpoint/2010/main" val="3082938470"/>
+        <p14:creationId xmlns:p14="http://schemas.microsoft.com/office/powerpoint/2010/main" xmlns="" val="3082938470"/>
       </p:ext>
     </p:extLst>
   </p:cSld>
@@ -8250,8 +10093,8 @@
           <a:chExt cx="0" cy="0"/>
         </a:xfrm>
       </p:grpSpPr>
-      <mc:AlternateContent xmlns:mc="http://schemas.openxmlformats.org/markup-compatibility/2006" xmlns:a14="http://schemas.microsoft.com/office/drawing/2010/main">
-        <mc:Choice Requires="a14">
+      <mc:AlternateContent xmlns:mc="http://schemas.openxmlformats.org/markup-compatibility/2006">
+        <mc:Choice xmlns:a14="http://schemas.microsoft.com/office/drawing/2010/main" xmlns="" Requires="a14">
           <p:sp>
             <p:nvSpPr>
               <p:cNvPr id="69" name="ZoneTexte 68"/>
@@ -8314,7 +10157,7 @@
             </p:txBody>
           </p:sp>
         </mc:Choice>
-        <mc:Fallback xmlns="">
+        <mc:Fallback>
           <p:sp>
             <p:nvSpPr>
               <p:cNvPr id="69" name="ZoneTexte 68"/>
@@ -8474,7 +10317,7 @@
           <a:blip r:embed="rId4">
             <a:extLst>
               <a:ext uri="{28A0092B-C50C-407E-A947-70E740481C1C}">
-                <a14:useLocalDpi xmlns:a14="http://schemas.microsoft.com/office/drawing/2010/main" val="0"/>
+                <a14:useLocalDpi xmlns:a14="http://schemas.microsoft.com/office/drawing/2010/main" xmlns="" val="0"/>
               </a:ext>
             </a:extLst>
           </a:blip>
@@ -10564,8 +12407,8 @@
           </a:p>
         </p:txBody>
       </p:sp>
-      <mc:AlternateContent xmlns:mc="http://schemas.openxmlformats.org/markup-compatibility/2006" xmlns:a14="http://schemas.microsoft.com/office/drawing/2010/main">
-        <mc:Choice Requires="a14">
+      <mc:AlternateContent xmlns:mc="http://schemas.openxmlformats.org/markup-compatibility/2006">
+        <mc:Choice xmlns:a14="http://schemas.microsoft.com/office/drawing/2010/main" xmlns="" Requires="a14">
           <p:sp>
             <p:nvSpPr>
               <p:cNvPr id="71" name="ZoneTexte 70"/>
@@ -10628,7 +12471,7 @@
             </p:txBody>
           </p:sp>
         </mc:Choice>
-        <mc:Fallback xmlns="">
+        <mc:Fallback>
           <p:sp>
             <p:nvSpPr>
               <p:cNvPr id="71" name="ZoneTexte 70"/>
@@ -10667,8 +12510,8 @@
           </p:sp>
         </mc:Fallback>
       </mc:AlternateContent>
-      <mc:AlternateContent xmlns:mc="http://schemas.openxmlformats.org/markup-compatibility/2006" xmlns:a14="http://schemas.microsoft.com/office/drawing/2010/main">
-        <mc:Choice Requires="a14">
+      <mc:AlternateContent xmlns:mc="http://schemas.openxmlformats.org/markup-compatibility/2006">
+        <mc:Choice xmlns:a14="http://schemas.microsoft.com/office/drawing/2010/main" xmlns="" Requires="a14">
           <p:sp>
             <p:nvSpPr>
               <p:cNvPr id="75" name="ZoneTexte 74"/>
@@ -10731,7 +12574,7 @@
             </p:txBody>
           </p:sp>
         </mc:Choice>
-        <mc:Fallback xmlns="">
+        <mc:Fallback>
           <p:sp>
             <p:nvSpPr>
               <p:cNvPr id="75" name="ZoneTexte 74"/>
@@ -10770,8 +12613,8 @@
           </p:sp>
         </mc:Fallback>
       </mc:AlternateContent>
-      <mc:AlternateContent xmlns:mc="http://schemas.openxmlformats.org/markup-compatibility/2006" xmlns:a14="http://schemas.microsoft.com/office/drawing/2010/main">
-        <mc:Choice Requires="a14">
+      <mc:AlternateContent xmlns:mc="http://schemas.openxmlformats.org/markup-compatibility/2006">
+        <mc:Choice xmlns:a14="http://schemas.microsoft.com/office/drawing/2010/main" xmlns="" Requires="a14">
           <p:sp>
             <p:nvSpPr>
               <p:cNvPr id="76" name="ZoneTexte 75"/>
@@ -10834,7 +12677,7 @@
             </p:txBody>
           </p:sp>
         </mc:Choice>
-        <mc:Fallback xmlns="">
+        <mc:Fallback>
           <p:sp>
             <p:nvSpPr>
               <p:cNvPr id="76" name="ZoneTexte 75"/>
@@ -10873,8 +12716,8 @@
           </p:sp>
         </mc:Fallback>
       </mc:AlternateContent>
-      <mc:AlternateContent xmlns:mc="http://schemas.openxmlformats.org/markup-compatibility/2006" xmlns:a14="http://schemas.microsoft.com/office/drawing/2010/main">
-        <mc:Choice Requires="a14">
+      <mc:AlternateContent xmlns:mc="http://schemas.openxmlformats.org/markup-compatibility/2006">
+        <mc:Choice xmlns:a14="http://schemas.microsoft.com/office/drawing/2010/main" xmlns="" Requires="a14">
           <p:sp>
             <p:nvSpPr>
               <p:cNvPr id="78" name="ZoneTexte 77"/>
@@ -10937,7 +12780,7 @@
             </p:txBody>
           </p:sp>
         </mc:Choice>
-        <mc:Fallback xmlns="">
+        <mc:Fallback>
           <p:sp>
             <p:nvSpPr>
               <p:cNvPr id="78" name="ZoneTexte 77"/>
@@ -10976,8 +12819,8 @@
           </p:sp>
         </mc:Fallback>
       </mc:AlternateContent>
-      <mc:AlternateContent xmlns:mc="http://schemas.openxmlformats.org/markup-compatibility/2006" xmlns:a14="http://schemas.microsoft.com/office/drawing/2010/main">
-        <mc:Choice Requires="a14">
+      <mc:AlternateContent xmlns:mc="http://schemas.openxmlformats.org/markup-compatibility/2006">
+        <mc:Choice xmlns:a14="http://schemas.microsoft.com/office/drawing/2010/main" xmlns="" Requires="a14">
           <p:sp>
             <p:nvSpPr>
               <p:cNvPr id="79" name="ZoneTexte 78"/>
@@ -11040,7 +12883,7 @@
             </p:txBody>
           </p:sp>
         </mc:Choice>
-        <mc:Fallback xmlns="">
+        <mc:Fallback>
           <p:sp>
             <p:nvSpPr>
               <p:cNvPr id="79" name="ZoneTexte 78"/>
@@ -11079,8 +12922,8 @@
           </p:sp>
         </mc:Fallback>
       </mc:AlternateContent>
-      <mc:AlternateContent xmlns:mc="http://schemas.openxmlformats.org/markup-compatibility/2006" xmlns:a14="http://schemas.microsoft.com/office/drawing/2010/main">
-        <mc:Choice Requires="a14">
+      <mc:AlternateContent xmlns:mc="http://schemas.openxmlformats.org/markup-compatibility/2006">
+        <mc:Choice xmlns:a14="http://schemas.microsoft.com/office/drawing/2010/main" xmlns="" Requires="a14">
           <p:sp>
             <p:nvSpPr>
               <p:cNvPr id="81" name="ZoneTexte 80"/>
@@ -11143,7 +12986,7 @@
             </p:txBody>
           </p:sp>
         </mc:Choice>
-        <mc:Fallback xmlns="">
+        <mc:Fallback>
           <p:sp>
             <p:nvSpPr>
               <p:cNvPr id="81" name="ZoneTexte 80"/>
@@ -11182,8 +13025,8 @@
           </p:sp>
         </mc:Fallback>
       </mc:AlternateContent>
-      <mc:AlternateContent xmlns:mc="http://schemas.openxmlformats.org/markup-compatibility/2006" xmlns:a14="http://schemas.microsoft.com/office/drawing/2010/main">
-        <mc:Choice Requires="a14">
+      <mc:AlternateContent xmlns:mc="http://schemas.openxmlformats.org/markup-compatibility/2006">
+        <mc:Choice xmlns:a14="http://schemas.microsoft.com/office/drawing/2010/main" xmlns="" Requires="a14">
           <p:sp>
             <p:nvSpPr>
               <p:cNvPr id="82" name="ZoneTexte 81"/>
@@ -11246,7 +13089,7 @@
             </p:txBody>
           </p:sp>
         </mc:Choice>
-        <mc:Fallback xmlns="">
+        <mc:Fallback>
           <p:sp>
             <p:nvSpPr>
               <p:cNvPr id="82" name="ZoneTexte 81"/>
@@ -11285,8 +13128,8 @@
           </p:sp>
         </mc:Fallback>
       </mc:AlternateContent>
-      <mc:AlternateContent xmlns:mc="http://schemas.openxmlformats.org/markup-compatibility/2006" xmlns:a14="http://schemas.microsoft.com/office/drawing/2010/main">
-        <mc:Choice Requires="a14">
+      <mc:AlternateContent xmlns:mc="http://schemas.openxmlformats.org/markup-compatibility/2006">
+        <mc:Choice xmlns:a14="http://schemas.microsoft.com/office/drawing/2010/main" xmlns="" Requires="a14">
           <p:sp>
             <p:nvSpPr>
               <p:cNvPr id="85" name="ZoneTexte 84"/>
@@ -11330,7 +13173,7 @@
             </p:txBody>
           </p:sp>
         </mc:Choice>
-        <mc:Fallback xmlns="">
+        <mc:Fallback>
           <p:sp>
             <p:nvSpPr>
               <p:cNvPr id="85" name="ZoneTexte 84"/>
@@ -11369,8 +13212,8 @@
           </p:sp>
         </mc:Fallback>
       </mc:AlternateContent>
-      <mc:AlternateContent xmlns:mc="http://schemas.openxmlformats.org/markup-compatibility/2006" xmlns:a14="http://schemas.microsoft.com/office/drawing/2010/main">
-        <mc:Choice Requires="a14">
+      <mc:AlternateContent xmlns:mc="http://schemas.openxmlformats.org/markup-compatibility/2006">
+        <mc:Choice xmlns:a14="http://schemas.microsoft.com/office/drawing/2010/main" xmlns="" Requires="a14">
           <p:sp>
             <p:nvSpPr>
               <p:cNvPr id="88" name="ZoneTexte 87"/>
@@ -11414,7 +13257,7 @@
             </p:txBody>
           </p:sp>
         </mc:Choice>
-        <mc:Fallback xmlns="">
+        <mc:Fallback>
           <p:sp>
             <p:nvSpPr>
               <p:cNvPr id="88" name="ZoneTexte 87"/>
@@ -11453,8 +13296,8 @@
           </p:sp>
         </mc:Fallback>
       </mc:AlternateContent>
-      <mc:AlternateContent xmlns:mc="http://schemas.openxmlformats.org/markup-compatibility/2006" xmlns:a14="http://schemas.microsoft.com/office/drawing/2010/main">
-        <mc:Choice Requires="a14">
+      <mc:AlternateContent xmlns:mc="http://schemas.openxmlformats.org/markup-compatibility/2006">
+        <mc:Choice xmlns:a14="http://schemas.microsoft.com/office/drawing/2010/main" xmlns="" Requires="a14">
           <p:sp>
             <p:nvSpPr>
               <p:cNvPr id="89" name="ZoneTexte 88"/>
@@ -11504,7 +13347,7 @@
             </p:txBody>
           </p:sp>
         </mc:Choice>
-        <mc:Fallback xmlns="">
+        <mc:Fallback>
           <p:sp>
             <p:nvSpPr>
               <p:cNvPr id="89" name="ZoneTexte 88"/>
@@ -11543,8 +13386,8 @@
           </p:sp>
         </mc:Fallback>
       </mc:AlternateContent>
-      <mc:AlternateContent xmlns:mc="http://schemas.openxmlformats.org/markup-compatibility/2006" xmlns:a14="http://schemas.microsoft.com/office/drawing/2010/main">
-        <mc:Choice Requires="a14">
+      <mc:AlternateContent xmlns:mc="http://schemas.openxmlformats.org/markup-compatibility/2006">
+        <mc:Choice xmlns:a14="http://schemas.microsoft.com/office/drawing/2010/main" xmlns="" Requires="a14">
           <p:sp>
             <p:nvSpPr>
               <p:cNvPr id="90" name="ZoneTexte 89"/>
@@ -11619,7 +13462,7 @@
             </p:txBody>
           </p:sp>
         </mc:Choice>
-        <mc:Fallback xmlns="">
+        <mc:Fallback>
           <p:sp>
             <p:nvSpPr>
               <p:cNvPr id="90" name="ZoneTexte 89"/>
@@ -11749,8 +13592,8 @@
           </p:style>
         </p:cxnSp>
       </p:grpSp>
-      <mc:AlternateContent xmlns:mc="http://schemas.openxmlformats.org/markup-compatibility/2006" xmlns:a14="http://schemas.microsoft.com/office/drawing/2010/main">
-        <mc:Choice Requires="a14">
+      <mc:AlternateContent xmlns:mc="http://schemas.openxmlformats.org/markup-compatibility/2006">
+        <mc:Choice xmlns:a14="http://schemas.microsoft.com/office/drawing/2010/main" xmlns="" Requires="a14">
           <p:sp>
             <p:nvSpPr>
               <p:cNvPr id="100" name="ZoneTexte 99"/>
@@ -11825,7 +13668,7 @@
             </p:txBody>
           </p:sp>
         </mc:Choice>
-        <mc:Fallback xmlns="">
+        <mc:Fallback>
           <p:sp>
             <p:nvSpPr>
               <p:cNvPr id="100" name="ZoneTexte 99"/>
@@ -11864,8 +13707,8 @@
           </p:sp>
         </mc:Fallback>
       </mc:AlternateContent>
-      <mc:AlternateContent xmlns:mc="http://schemas.openxmlformats.org/markup-compatibility/2006" xmlns:a14="http://schemas.microsoft.com/office/drawing/2010/main">
-        <mc:Choice Requires="a14">
+      <mc:AlternateContent xmlns:mc="http://schemas.openxmlformats.org/markup-compatibility/2006">
+        <mc:Choice xmlns:a14="http://schemas.microsoft.com/office/drawing/2010/main" xmlns="" Requires="a14">
           <p:sp>
             <p:nvSpPr>
               <p:cNvPr id="101" name="ZoneTexte 100"/>
@@ -11940,7 +13783,7 @@
             </p:txBody>
           </p:sp>
         </mc:Choice>
-        <mc:Fallback xmlns="">
+        <mc:Fallback>
           <p:sp>
             <p:nvSpPr>
               <p:cNvPr id="101" name="ZoneTexte 100"/>
@@ -12070,8 +13913,8 @@
           </p:style>
         </p:cxnSp>
       </p:grpSp>
-      <mc:AlternateContent xmlns:mc="http://schemas.openxmlformats.org/markup-compatibility/2006" xmlns:a14="http://schemas.microsoft.com/office/drawing/2010/main">
-        <mc:Choice Requires="a14">
+      <mc:AlternateContent xmlns:mc="http://schemas.openxmlformats.org/markup-compatibility/2006">
+        <mc:Choice xmlns:a14="http://schemas.microsoft.com/office/drawing/2010/main" xmlns="" Requires="a14">
           <p:sp>
             <p:nvSpPr>
               <p:cNvPr id="107" name="ZoneTexte 106"/>
@@ -12146,7 +13989,7 @@
             </p:txBody>
           </p:sp>
         </mc:Choice>
-        <mc:Fallback xmlns="">
+        <mc:Fallback>
           <p:sp>
             <p:nvSpPr>
               <p:cNvPr id="107" name="ZoneTexte 106"/>
@@ -12188,7 +14031,7 @@
     </p:spTree>
     <p:extLst>
       <p:ext uri="{BB962C8B-B14F-4D97-AF65-F5344CB8AC3E}">
-        <p14:creationId xmlns:p14="http://schemas.microsoft.com/office/powerpoint/2010/main" val="3655864990"/>
+        <p14:creationId xmlns:p14="http://schemas.microsoft.com/office/powerpoint/2010/main" xmlns="" val="3655864990"/>
       </p:ext>
     </p:extLst>
   </p:cSld>
@@ -12289,8 +14132,8 @@
           </a:fontRef>
         </p:style>
       </p:cxnSp>
-      <mc:AlternateContent xmlns:mc="http://schemas.openxmlformats.org/markup-compatibility/2006" xmlns:a14="http://schemas.microsoft.com/office/drawing/2010/main">
-        <mc:Choice Requires="a14">
+      <mc:AlternateContent xmlns:mc="http://schemas.openxmlformats.org/markup-compatibility/2006">
+        <mc:Choice xmlns:a14="http://schemas.microsoft.com/office/drawing/2010/main" xmlns="" Requires="a14">
           <p:sp>
             <p:nvSpPr>
               <p:cNvPr id="69" name="ZoneTexte 68"/>
@@ -12353,7 +14196,7 @@
             </p:txBody>
           </p:sp>
         </mc:Choice>
-        <mc:Fallback xmlns="">
+        <mc:Fallback>
           <p:sp>
             <p:nvSpPr>
               <p:cNvPr id="69" name="ZoneTexte 68"/>
@@ -13123,8 +14966,8 @@
           </a:p>
         </p:txBody>
       </p:sp>
-      <mc:AlternateContent xmlns:mc="http://schemas.openxmlformats.org/markup-compatibility/2006" xmlns:a14="http://schemas.microsoft.com/office/drawing/2010/main">
-        <mc:Choice Requires="a14">
+      <mc:AlternateContent xmlns:mc="http://schemas.openxmlformats.org/markup-compatibility/2006">
+        <mc:Choice xmlns:a14="http://schemas.microsoft.com/office/drawing/2010/main" xmlns="" Requires="a14">
           <p:sp>
             <p:nvSpPr>
               <p:cNvPr id="76" name="ZoneTexte 75"/>
@@ -13187,7 +15030,7 @@
             </p:txBody>
           </p:sp>
         </mc:Choice>
-        <mc:Fallback xmlns="">
+        <mc:Fallback>
           <p:sp>
             <p:nvSpPr>
               <p:cNvPr id="76" name="ZoneTexte 75"/>
@@ -13226,8 +15069,8 @@
           </p:sp>
         </mc:Fallback>
       </mc:AlternateContent>
-      <mc:AlternateContent xmlns:mc="http://schemas.openxmlformats.org/markup-compatibility/2006" xmlns:a14="http://schemas.microsoft.com/office/drawing/2010/main">
-        <mc:Choice Requires="a14">
+      <mc:AlternateContent xmlns:mc="http://schemas.openxmlformats.org/markup-compatibility/2006">
+        <mc:Choice xmlns:a14="http://schemas.microsoft.com/office/drawing/2010/main" xmlns="" Requires="a14">
           <p:sp>
             <p:nvSpPr>
               <p:cNvPr id="78" name="ZoneTexte 77"/>
@@ -13290,7 +15133,7 @@
             </p:txBody>
           </p:sp>
         </mc:Choice>
-        <mc:Fallback xmlns="">
+        <mc:Fallback>
           <p:sp>
             <p:nvSpPr>
               <p:cNvPr id="78" name="ZoneTexte 77"/>
@@ -13329,8 +15172,8 @@
           </p:sp>
         </mc:Fallback>
       </mc:AlternateContent>
-      <mc:AlternateContent xmlns:mc="http://schemas.openxmlformats.org/markup-compatibility/2006" xmlns:a14="http://schemas.microsoft.com/office/drawing/2010/main">
-        <mc:Choice Requires="a14">
+      <mc:AlternateContent xmlns:mc="http://schemas.openxmlformats.org/markup-compatibility/2006">
+        <mc:Choice xmlns:a14="http://schemas.microsoft.com/office/drawing/2010/main" xmlns="" Requires="a14">
           <p:sp>
             <p:nvSpPr>
               <p:cNvPr id="82" name="ZoneTexte 81"/>
@@ -13393,7 +15236,7 @@
             </p:txBody>
           </p:sp>
         </mc:Choice>
-        <mc:Fallback xmlns="">
+        <mc:Fallback>
           <p:sp>
             <p:nvSpPr>
               <p:cNvPr id="82" name="ZoneTexte 81"/>
@@ -13432,8 +15275,8 @@
           </p:sp>
         </mc:Fallback>
       </mc:AlternateContent>
-      <mc:AlternateContent xmlns:mc="http://schemas.openxmlformats.org/markup-compatibility/2006" xmlns:a14="http://schemas.microsoft.com/office/drawing/2010/main">
-        <mc:Choice Requires="a14">
+      <mc:AlternateContent xmlns:mc="http://schemas.openxmlformats.org/markup-compatibility/2006">
+        <mc:Choice xmlns:a14="http://schemas.microsoft.com/office/drawing/2010/main" xmlns="" Requires="a14">
           <p:sp>
             <p:nvSpPr>
               <p:cNvPr id="85" name="ZoneTexte 84"/>
@@ -13477,7 +15320,7 @@
             </p:txBody>
           </p:sp>
         </mc:Choice>
-        <mc:Fallback xmlns="">
+        <mc:Fallback>
           <p:sp>
             <p:nvSpPr>
               <p:cNvPr id="85" name="ZoneTexte 84"/>
@@ -13516,8 +15359,8 @@
           </p:sp>
         </mc:Fallback>
       </mc:AlternateContent>
-      <mc:AlternateContent xmlns:mc="http://schemas.openxmlformats.org/markup-compatibility/2006" xmlns:a14="http://schemas.microsoft.com/office/drawing/2010/main">
-        <mc:Choice Requires="a14">
+      <mc:AlternateContent xmlns:mc="http://schemas.openxmlformats.org/markup-compatibility/2006">
+        <mc:Choice xmlns:a14="http://schemas.microsoft.com/office/drawing/2010/main" xmlns="" Requires="a14">
           <p:sp>
             <p:nvSpPr>
               <p:cNvPr id="89" name="ZoneTexte 88"/>
@@ -13567,7 +15410,7 @@
             </p:txBody>
           </p:sp>
         </mc:Choice>
-        <mc:Fallback xmlns="">
+        <mc:Fallback>
           <p:sp>
             <p:nvSpPr>
               <p:cNvPr id="89" name="ZoneTexte 88"/>
@@ -13606,8 +15449,8 @@
           </p:sp>
         </mc:Fallback>
       </mc:AlternateContent>
-      <mc:AlternateContent xmlns:mc="http://schemas.openxmlformats.org/markup-compatibility/2006" xmlns:a14="http://schemas.microsoft.com/office/drawing/2010/main">
-        <mc:Choice Requires="a14">
+      <mc:AlternateContent xmlns:mc="http://schemas.openxmlformats.org/markup-compatibility/2006">
+        <mc:Choice xmlns:a14="http://schemas.microsoft.com/office/drawing/2010/main" xmlns="" Requires="a14">
           <p:sp>
             <p:nvSpPr>
               <p:cNvPr id="101" name="ZoneTexte 100"/>
@@ -13682,7 +15525,7 @@
             </p:txBody>
           </p:sp>
         </mc:Choice>
-        <mc:Fallback xmlns="">
+        <mc:Fallback>
           <p:sp>
             <p:nvSpPr>
               <p:cNvPr id="101" name="ZoneTexte 100"/>
@@ -13812,8 +15655,8 @@
           </p:style>
         </p:cxnSp>
       </p:grpSp>
-      <mc:AlternateContent xmlns:mc="http://schemas.openxmlformats.org/markup-compatibility/2006" xmlns:a14="http://schemas.microsoft.com/office/drawing/2010/main">
-        <mc:Choice Requires="a14">
+      <mc:AlternateContent xmlns:mc="http://schemas.openxmlformats.org/markup-compatibility/2006">
+        <mc:Choice xmlns:a14="http://schemas.microsoft.com/office/drawing/2010/main" xmlns="" Requires="a14">
           <p:sp>
             <p:nvSpPr>
               <p:cNvPr id="107" name="ZoneTexte 106"/>
@@ -13888,7 +15731,7 @@
             </p:txBody>
           </p:sp>
         </mc:Choice>
-        <mc:Fallback xmlns="">
+        <mc:Fallback>
           <p:sp>
             <p:nvSpPr>
               <p:cNvPr id="107" name="ZoneTexte 106"/>
@@ -13972,8 +15815,8 @@
           </a:p>
         </p:txBody>
       </p:sp>
-      <mc:AlternateContent xmlns:mc="http://schemas.openxmlformats.org/markup-compatibility/2006" xmlns:a14="http://schemas.microsoft.com/office/drawing/2010/main">
-        <mc:Choice Requires="a14">
+      <mc:AlternateContent xmlns:mc="http://schemas.openxmlformats.org/markup-compatibility/2006">
+        <mc:Choice xmlns:a14="http://schemas.microsoft.com/office/drawing/2010/main" xmlns="" Requires="a14">
           <p:sp>
             <p:nvSpPr>
               <p:cNvPr id="111" name="ZoneTexte 110"/>
@@ -14034,7 +15877,7 @@
             </p:txBody>
           </p:sp>
         </mc:Choice>
-        <mc:Fallback xmlns="">
+        <mc:Fallback>
           <p:sp>
             <p:nvSpPr>
               <p:cNvPr id="111" name="ZoneTexte 110"/>
@@ -14118,8 +15961,8 @@
           </a:p>
         </p:txBody>
       </p:sp>
-      <mc:AlternateContent xmlns:mc="http://schemas.openxmlformats.org/markup-compatibility/2006" xmlns:a14="http://schemas.microsoft.com/office/drawing/2010/main">
-        <mc:Choice Requires="a14">
+      <mc:AlternateContent xmlns:mc="http://schemas.openxmlformats.org/markup-compatibility/2006">
+        <mc:Choice xmlns:a14="http://schemas.microsoft.com/office/drawing/2010/main" xmlns="" Requires="a14">
           <p:sp>
             <p:nvSpPr>
               <p:cNvPr id="115" name="ZoneTexte 114"/>
@@ -14181,7 +16024,7 @@
             </p:txBody>
           </p:sp>
         </mc:Choice>
-        <mc:Fallback xmlns="">
+        <mc:Fallback>
           <p:sp>
             <p:nvSpPr>
               <p:cNvPr id="115" name="ZoneTexte 114"/>
@@ -14220,8 +16063,8 @@
           </p:sp>
         </mc:Fallback>
       </mc:AlternateContent>
-      <mc:AlternateContent xmlns:mc="http://schemas.openxmlformats.org/markup-compatibility/2006" xmlns:a14="http://schemas.microsoft.com/office/drawing/2010/main">
-        <mc:Choice Requires="a14">
+      <mc:AlternateContent xmlns:mc="http://schemas.openxmlformats.org/markup-compatibility/2006">
+        <mc:Choice xmlns:a14="http://schemas.microsoft.com/office/drawing/2010/main" xmlns="" Requires="a14">
           <p:sp>
             <p:nvSpPr>
               <p:cNvPr id="120" name="ZoneTexte 119"/>
@@ -14265,7 +16108,7 @@
             </p:txBody>
           </p:sp>
         </mc:Choice>
-        <mc:Fallback xmlns="">
+        <mc:Fallback>
           <p:sp>
             <p:nvSpPr>
               <p:cNvPr id="120" name="ZoneTexte 119"/>
@@ -14304,8 +16147,8 @@
           </p:sp>
         </mc:Fallback>
       </mc:AlternateContent>
-      <mc:AlternateContent xmlns:mc="http://schemas.openxmlformats.org/markup-compatibility/2006" xmlns:a14="http://schemas.microsoft.com/office/drawing/2010/main">
-        <mc:Choice Requires="a14">
+      <mc:AlternateContent xmlns:mc="http://schemas.openxmlformats.org/markup-compatibility/2006">
+        <mc:Choice xmlns:a14="http://schemas.microsoft.com/office/drawing/2010/main" xmlns="" Requires="a14">
           <p:sp>
             <p:nvSpPr>
               <p:cNvPr id="121" name="ZoneTexte 120"/>
@@ -14349,7 +16192,7 @@
             </p:txBody>
           </p:sp>
         </mc:Choice>
-        <mc:Fallback xmlns="">
+        <mc:Fallback>
           <p:sp>
             <p:nvSpPr>
               <p:cNvPr id="121" name="ZoneTexte 120"/>
@@ -14433,8 +16276,8 @@
           </a:p>
         </p:txBody>
       </p:sp>
-      <mc:AlternateContent xmlns:mc="http://schemas.openxmlformats.org/markup-compatibility/2006" xmlns:a14="http://schemas.microsoft.com/office/drawing/2010/main">
-        <mc:Choice Requires="a14">
+      <mc:AlternateContent xmlns:mc="http://schemas.openxmlformats.org/markup-compatibility/2006">
+        <mc:Choice xmlns:a14="http://schemas.microsoft.com/office/drawing/2010/main" xmlns="" Requires="a14">
           <p:sp>
             <p:nvSpPr>
               <p:cNvPr id="123" name="ZoneTexte 122"/>
@@ -14496,7 +16339,7 @@
             </p:txBody>
           </p:sp>
         </mc:Choice>
-        <mc:Fallback xmlns="">
+        <mc:Fallback>
           <p:sp>
             <p:nvSpPr>
               <p:cNvPr id="123" name="ZoneTexte 122"/>
@@ -14535,8 +16378,8 @@
           </p:sp>
         </mc:Fallback>
       </mc:AlternateContent>
-      <mc:AlternateContent xmlns:mc="http://schemas.openxmlformats.org/markup-compatibility/2006" xmlns:a14="http://schemas.microsoft.com/office/drawing/2010/main">
-        <mc:Choice Requires="a14">
+      <mc:AlternateContent xmlns:mc="http://schemas.openxmlformats.org/markup-compatibility/2006">
+        <mc:Choice xmlns:a14="http://schemas.microsoft.com/office/drawing/2010/main" xmlns="" Requires="a14">
           <p:sp>
             <p:nvSpPr>
               <p:cNvPr id="42" name="ZoneTexte 41"/>
@@ -14611,7 +16454,7 @@
             </p:txBody>
           </p:sp>
         </mc:Choice>
-        <mc:Fallback xmlns="">
+        <mc:Fallback>
           <p:sp>
             <p:nvSpPr>
               <p:cNvPr id="42" name="ZoneTexte 41"/>
@@ -14650,8 +16493,8 @@
           </p:sp>
         </mc:Fallback>
       </mc:AlternateContent>
-      <mc:AlternateContent xmlns:mc="http://schemas.openxmlformats.org/markup-compatibility/2006" xmlns:a14="http://schemas.microsoft.com/office/drawing/2010/main">
-        <mc:Choice Requires="a14">
+      <mc:AlternateContent xmlns:mc="http://schemas.openxmlformats.org/markup-compatibility/2006">
+        <mc:Choice xmlns:a14="http://schemas.microsoft.com/office/drawing/2010/main" xmlns="" Requires="a14">
           <p:sp>
             <p:nvSpPr>
               <p:cNvPr id="43" name="ZoneTexte 42"/>
@@ -14726,7 +16569,7 @@
             </p:txBody>
           </p:sp>
         </mc:Choice>
-        <mc:Fallback xmlns="">
+        <mc:Fallback>
           <p:sp>
             <p:nvSpPr>
               <p:cNvPr id="43" name="ZoneTexte 42"/>
@@ -14887,8 +16730,8 @@
           </a:fontRef>
         </p:style>
       </p:cxnSp>
-      <mc:AlternateContent xmlns:mc="http://schemas.openxmlformats.org/markup-compatibility/2006" xmlns:a14="http://schemas.microsoft.com/office/drawing/2010/main">
-        <mc:Choice Requires="a14">
+      <mc:AlternateContent xmlns:mc="http://schemas.openxmlformats.org/markup-compatibility/2006">
+        <mc:Choice xmlns:a14="http://schemas.microsoft.com/office/drawing/2010/main" xmlns="" Requires="a14">
           <p:sp>
             <p:nvSpPr>
               <p:cNvPr id="51" name="ZoneTexte 50"/>
@@ -14963,7 +16806,7 @@
             </p:txBody>
           </p:sp>
         </mc:Choice>
-        <mc:Fallback xmlns="">
+        <mc:Fallback>
           <p:sp>
             <p:nvSpPr>
               <p:cNvPr id="51" name="ZoneTexte 50"/>
@@ -15047,8 +16890,8 @@
           </a:p>
         </p:txBody>
       </p:sp>
-      <mc:AlternateContent xmlns:mc="http://schemas.openxmlformats.org/markup-compatibility/2006" xmlns:a14="http://schemas.microsoft.com/office/drawing/2010/main">
-        <mc:Choice Requires="a14">
+      <mc:AlternateContent xmlns:mc="http://schemas.openxmlformats.org/markup-compatibility/2006">
+        <mc:Choice xmlns:a14="http://schemas.microsoft.com/office/drawing/2010/main" xmlns="" Requires="a14">
           <p:sp>
             <p:nvSpPr>
               <p:cNvPr id="53" name="ZoneTexte 52"/>
@@ -15110,7 +16953,7 @@
             </p:txBody>
           </p:sp>
         </mc:Choice>
-        <mc:Fallback xmlns="">
+        <mc:Fallback>
           <p:sp>
             <p:nvSpPr>
               <p:cNvPr id="53" name="ZoneTexte 52"/>
@@ -15152,7 +16995,7 @@
     </p:spTree>
     <p:extLst>
       <p:ext uri="{BB962C8B-B14F-4D97-AF65-F5344CB8AC3E}">
-        <p14:creationId xmlns:p14="http://schemas.microsoft.com/office/powerpoint/2010/main" val="3159968154"/>
+        <p14:creationId xmlns:p14="http://schemas.microsoft.com/office/powerpoint/2010/main" xmlns="" val="3159968154"/>
       </p:ext>
     </p:extLst>
   </p:cSld>
@@ -15179,8 +17022,8 @@
           <a:chExt cx="0" cy="0"/>
         </a:xfrm>
       </p:grpSpPr>
-      <mc:AlternateContent xmlns:mc="http://schemas.openxmlformats.org/markup-compatibility/2006" xmlns:a14="http://schemas.microsoft.com/office/drawing/2010/main">
-        <mc:Choice Requires="a14">
+      <mc:AlternateContent xmlns:mc="http://schemas.openxmlformats.org/markup-compatibility/2006">
+        <mc:Choice xmlns:a14="http://schemas.microsoft.com/office/drawing/2010/main" xmlns="" Requires="a14">
           <p:sp>
             <p:nvSpPr>
               <p:cNvPr id="5" name="ZoneTexte 4"/>
@@ -15255,7 +17098,7 @@
             </p:txBody>
           </p:sp>
         </mc:Choice>
-        <mc:Fallback xmlns="">
+        <mc:Fallback>
           <p:sp>
             <p:nvSpPr>
               <p:cNvPr id="5" name="ZoneTexte 4"/>
@@ -15472,8 +17315,8 @@
           </p:style>
         </p:cxnSp>
       </p:grpSp>
-      <mc:AlternateContent xmlns:mc="http://schemas.openxmlformats.org/markup-compatibility/2006" xmlns:a14="http://schemas.microsoft.com/office/drawing/2010/main">
-        <mc:Choice Requires="a14">
+      <mc:AlternateContent xmlns:mc="http://schemas.openxmlformats.org/markup-compatibility/2006">
+        <mc:Choice xmlns:a14="http://schemas.microsoft.com/office/drawing/2010/main" xmlns="" Requires="a14">
           <p:sp>
             <p:nvSpPr>
               <p:cNvPr id="14" name="ZoneTexte 13"/>
@@ -15548,7 +17391,7 @@
             </p:txBody>
           </p:sp>
         </mc:Choice>
-        <mc:Fallback xmlns="">
+        <mc:Fallback>
           <p:sp>
             <p:nvSpPr>
               <p:cNvPr id="14" name="ZoneTexte 13"/>
@@ -15587,8 +17430,8 @@
           </p:sp>
         </mc:Fallback>
       </mc:AlternateContent>
-      <mc:AlternateContent xmlns:mc="http://schemas.openxmlformats.org/markup-compatibility/2006" xmlns:a14="http://schemas.microsoft.com/office/drawing/2010/main">
-        <mc:Choice Requires="a14">
+      <mc:AlternateContent xmlns:mc="http://schemas.openxmlformats.org/markup-compatibility/2006">
+        <mc:Choice xmlns:a14="http://schemas.microsoft.com/office/drawing/2010/main" xmlns="" Requires="a14">
           <p:sp>
             <p:nvSpPr>
               <p:cNvPr id="15" name="ZoneTexte 14"/>
@@ -15663,7 +17506,7 @@
             </p:txBody>
           </p:sp>
         </mc:Choice>
-        <mc:Fallback xmlns="">
+        <mc:Fallback>
           <p:sp>
             <p:nvSpPr>
               <p:cNvPr id="15" name="ZoneTexte 14"/>
@@ -15702,8 +17545,8 @@
           </p:sp>
         </mc:Fallback>
       </mc:AlternateContent>
-      <mc:AlternateContent xmlns:mc="http://schemas.openxmlformats.org/markup-compatibility/2006" xmlns:a14="http://schemas.microsoft.com/office/drawing/2010/main">
-        <mc:Choice Requires="a14">
+      <mc:AlternateContent xmlns:mc="http://schemas.openxmlformats.org/markup-compatibility/2006">
+        <mc:Choice xmlns:a14="http://schemas.microsoft.com/office/drawing/2010/main" xmlns="" Requires="a14">
           <p:sp>
             <p:nvSpPr>
               <p:cNvPr id="16" name="ZoneTexte 15"/>
@@ -15778,7 +17621,7 @@
             </p:txBody>
           </p:sp>
         </mc:Choice>
-        <mc:Fallback xmlns="">
+        <mc:Fallback>
           <p:sp>
             <p:nvSpPr>
               <p:cNvPr id="16" name="ZoneTexte 15"/>
@@ -15817,8 +17660,8 @@
           </p:sp>
         </mc:Fallback>
       </mc:AlternateContent>
-      <mc:AlternateContent xmlns:mc="http://schemas.openxmlformats.org/markup-compatibility/2006" xmlns:a14="http://schemas.microsoft.com/office/drawing/2010/main">
-        <mc:Choice Requires="a14">
+      <mc:AlternateContent xmlns:mc="http://schemas.openxmlformats.org/markup-compatibility/2006">
+        <mc:Choice xmlns:a14="http://schemas.microsoft.com/office/drawing/2010/main" xmlns="" Requires="a14">
           <p:sp>
             <p:nvSpPr>
               <p:cNvPr id="17" name="ZoneTexte 16"/>
@@ -15893,7 +17736,7 @@
             </p:txBody>
           </p:sp>
         </mc:Choice>
-        <mc:Fallback xmlns="">
+        <mc:Fallback>
           <p:sp>
             <p:nvSpPr>
               <p:cNvPr id="17" name="ZoneTexte 16"/>
@@ -16106,8 +17949,8 @@
           </p:style>
         </p:cxnSp>
       </p:grpSp>
-      <mc:AlternateContent xmlns:mc="http://schemas.openxmlformats.org/markup-compatibility/2006" xmlns:a14="http://schemas.microsoft.com/office/drawing/2010/main">
-        <mc:Choice Requires="a14">
+      <mc:AlternateContent xmlns:mc="http://schemas.openxmlformats.org/markup-compatibility/2006">
+        <mc:Choice xmlns:a14="http://schemas.microsoft.com/office/drawing/2010/main" xmlns="" Requires="a14">
           <p:sp>
             <p:nvSpPr>
               <p:cNvPr id="24" name="ZoneTexte 23"/>
@@ -16182,7 +18025,7 @@
             </p:txBody>
           </p:sp>
         </mc:Choice>
-        <mc:Fallback xmlns="">
+        <mc:Fallback>
           <p:sp>
             <p:nvSpPr>
               <p:cNvPr id="24" name="ZoneTexte 23"/>
@@ -16221,8 +18064,8 @@
           </p:sp>
         </mc:Fallback>
       </mc:AlternateContent>
-      <mc:AlternateContent xmlns:mc="http://schemas.openxmlformats.org/markup-compatibility/2006" xmlns:a14="http://schemas.microsoft.com/office/drawing/2010/main">
-        <mc:Choice Requires="a14">
+      <mc:AlternateContent xmlns:mc="http://schemas.openxmlformats.org/markup-compatibility/2006">
+        <mc:Choice xmlns:a14="http://schemas.microsoft.com/office/drawing/2010/main" xmlns="" Requires="a14">
           <p:sp>
             <p:nvSpPr>
               <p:cNvPr id="25" name="ZoneTexte 24"/>
@@ -16297,7 +18140,7 @@
             </p:txBody>
           </p:sp>
         </mc:Choice>
-        <mc:Fallback xmlns="">
+        <mc:Fallback>
           <p:sp>
             <p:nvSpPr>
               <p:cNvPr id="25" name="ZoneTexte 24"/>
@@ -16336,8 +18179,8 @@
           </p:sp>
         </mc:Fallback>
       </mc:AlternateContent>
-      <mc:AlternateContent xmlns:mc="http://schemas.openxmlformats.org/markup-compatibility/2006" xmlns:a14="http://schemas.microsoft.com/office/drawing/2010/main">
-        <mc:Choice Requires="a14">
+      <mc:AlternateContent xmlns:mc="http://schemas.openxmlformats.org/markup-compatibility/2006">
+        <mc:Choice xmlns:a14="http://schemas.microsoft.com/office/drawing/2010/main" xmlns="" Requires="a14">
           <p:sp>
             <p:nvSpPr>
               <p:cNvPr id="26" name="ZoneTexte 25"/>
@@ -16412,7 +18255,7 @@
             </p:txBody>
           </p:sp>
         </mc:Choice>
-        <mc:Fallback xmlns="">
+        <mc:Fallback>
           <p:sp>
             <p:nvSpPr>
               <p:cNvPr id="26" name="ZoneTexte 25"/>
@@ -16451,8 +18294,8 @@
           </p:sp>
         </mc:Fallback>
       </mc:AlternateContent>
-      <mc:AlternateContent xmlns:mc="http://schemas.openxmlformats.org/markup-compatibility/2006" xmlns:a14="http://schemas.microsoft.com/office/drawing/2010/main">
-        <mc:Choice Requires="a14">
+      <mc:AlternateContent xmlns:mc="http://schemas.openxmlformats.org/markup-compatibility/2006">
+        <mc:Choice xmlns:a14="http://schemas.microsoft.com/office/drawing/2010/main" xmlns="" Requires="a14">
           <p:sp>
             <p:nvSpPr>
               <p:cNvPr id="27" name="ZoneTexte 26"/>
@@ -16527,7 +18370,7 @@
             </p:txBody>
           </p:sp>
         </mc:Choice>
-        <mc:Fallback xmlns="">
+        <mc:Fallback>
           <p:sp>
             <p:nvSpPr>
               <p:cNvPr id="27" name="ZoneTexte 26"/>
@@ -16740,8 +18583,8 @@
           </p:style>
         </p:cxnSp>
       </p:grpSp>
-      <mc:AlternateContent xmlns:mc="http://schemas.openxmlformats.org/markup-compatibility/2006" xmlns:a14="http://schemas.microsoft.com/office/drawing/2010/main">
-        <mc:Choice Requires="a14">
+      <mc:AlternateContent xmlns:mc="http://schemas.openxmlformats.org/markup-compatibility/2006">
+        <mc:Choice xmlns:a14="http://schemas.microsoft.com/office/drawing/2010/main" xmlns="" Requires="a14">
           <p:sp>
             <p:nvSpPr>
               <p:cNvPr id="34" name="ZoneTexte 33"/>
@@ -16816,7 +18659,7 @@
             </p:txBody>
           </p:sp>
         </mc:Choice>
-        <mc:Fallback xmlns="">
+        <mc:Fallback>
           <p:sp>
             <p:nvSpPr>
               <p:cNvPr id="34" name="ZoneTexte 33"/>
@@ -16855,8 +18698,8 @@
           </p:sp>
         </mc:Fallback>
       </mc:AlternateContent>
-      <mc:AlternateContent xmlns:mc="http://schemas.openxmlformats.org/markup-compatibility/2006" xmlns:a14="http://schemas.microsoft.com/office/drawing/2010/main">
-        <mc:Choice Requires="a14">
+      <mc:AlternateContent xmlns:mc="http://schemas.openxmlformats.org/markup-compatibility/2006">
+        <mc:Choice xmlns:a14="http://schemas.microsoft.com/office/drawing/2010/main" xmlns="" Requires="a14">
           <p:sp>
             <p:nvSpPr>
               <p:cNvPr id="35" name="ZoneTexte 34"/>
@@ -16931,7 +18774,7 @@
             </p:txBody>
           </p:sp>
         </mc:Choice>
-        <mc:Fallback xmlns="">
+        <mc:Fallback>
           <p:sp>
             <p:nvSpPr>
               <p:cNvPr id="35" name="ZoneTexte 34"/>
@@ -16970,8 +18813,8 @@
           </p:sp>
         </mc:Fallback>
       </mc:AlternateContent>
-      <mc:AlternateContent xmlns:mc="http://schemas.openxmlformats.org/markup-compatibility/2006" xmlns:a14="http://schemas.microsoft.com/office/drawing/2010/main">
-        <mc:Choice Requires="a14">
+      <mc:AlternateContent xmlns:mc="http://schemas.openxmlformats.org/markup-compatibility/2006">
+        <mc:Choice xmlns:a14="http://schemas.microsoft.com/office/drawing/2010/main" xmlns="" Requires="a14">
           <p:sp>
             <p:nvSpPr>
               <p:cNvPr id="36" name="ZoneTexte 35"/>
@@ -17046,7 +18889,7 @@
             </p:txBody>
           </p:sp>
         </mc:Choice>
-        <mc:Fallback xmlns="">
+        <mc:Fallback>
           <p:sp>
             <p:nvSpPr>
               <p:cNvPr id="36" name="ZoneTexte 35"/>
@@ -17085,8 +18928,8 @@
           </p:sp>
         </mc:Fallback>
       </mc:AlternateContent>
-      <mc:AlternateContent xmlns:mc="http://schemas.openxmlformats.org/markup-compatibility/2006" xmlns:a14="http://schemas.microsoft.com/office/drawing/2010/main">
-        <mc:Choice Requires="a14">
+      <mc:AlternateContent xmlns:mc="http://schemas.openxmlformats.org/markup-compatibility/2006">
+        <mc:Choice xmlns:a14="http://schemas.microsoft.com/office/drawing/2010/main" xmlns="" Requires="a14">
           <p:sp>
             <p:nvSpPr>
               <p:cNvPr id="37" name="ZoneTexte 36"/>
@@ -17161,7 +19004,7 @@
             </p:txBody>
           </p:sp>
         </mc:Choice>
-        <mc:Fallback xmlns="">
+        <mc:Fallback>
           <p:sp>
             <p:nvSpPr>
               <p:cNvPr id="37" name="ZoneTexte 36"/>
@@ -17378,8 +19221,8 @@
           </p:style>
         </p:cxnSp>
       </p:grpSp>
-      <mc:AlternateContent xmlns:mc="http://schemas.openxmlformats.org/markup-compatibility/2006" xmlns:a14="http://schemas.microsoft.com/office/drawing/2010/main">
-        <mc:Choice Requires="a14">
+      <mc:AlternateContent xmlns:mc="http://schemas.openxmlformats.org/markup-compatibility/2006">
+        <mc:Choice xmlns:a14="http://schemas.microsoft.com/office/drawing/2010/main" xmlns="" Requires="a14">
           <p:sp>
             <p:nvSpPr>
               <p:cNvPr id="44" name="ZoneTexte 43"/>
@@ -17454,7 +19297,7 @@
             </p:txBody>
           </p:sp>
         </mc:Choice>
-        <mc:Fallback xmlns="">
+        <mc:Fallback>
           <p:sp>
             <p:nvSpPr>
               <p:cNvPr id="44" name="ZoneTexte 43"/>
@@ -17493,8 +19336,8 @@
           </p:sp>
         </mc:Fallback>
       </mc:AlternateContent>
-      <mc:AlternateContent xmlns:mc="http://schemas.openxmlformats.org/markup-compatibility/2006" xmlns:a14="http://schemas.microsoft.com/office/drawing/2010/main">
-        <mc:Choice Requires="a14">
+      <mc:AlternateContent xmlns:mc="http://schemas.openxmlformats.org/markup-compatibility/2006">
+        <mc:Choice xmlns:a14="http://schemas.microsoft.com/office/drawing/2010/main" xmlns="" Requires="a14">
           <p:sp>
             <p:nvSpPr>
               <p:cNvPr id="45" name="ZoneTexte 44"/>
@@ -17612,7 +19455,7 @@
             </p:txBody>
           </p:sp>
         </mc:Choice>
-        <mc:Fallback xmlns="">
+        <mc:Fallback>
           <p:sp>
             <p:nvSpPr>
               <p:cNvPr id="45" name="ZoneTexte 44"/>
@@ -17651,8 +19494,8 @@
           </p:sp>
         </mc:Fallback>
       </mc:AlternateContent>
-      <mc:AlternateContent xmlns:mc="http://schemas.openxmlformats.org/markup-compatibility/2006" xmlns:a14="http://schemas.microsoft.com/office/drawing/2010/main">
-        <mc:Choice Requires="a14">
+      <mc:AlternateContent xmlns:mc="http://schemas.openxmlformats.org/markup-compatibility/2006">
+        <mc:Choice xmlns:a14="http://schemas.microsoft.com/office/drawing/2010/main" xmlns="" Requires="a14">
           <p:sp>
             <p:nvSpPr>
               <p:cNvPr id="46" name="ZoneTexte 45"/>
@@ -17727,7 +19570,7 @@
             </p:txBody>
           </p:sp>
         </mc:Choice>
-        <mc:Fallback xmlns="">
+        <mc:Fallback>
           <p:sp>
             <p:nvSpPr>
               <p:cNvPr id="46" name="ZoneTexte 45"/>
@@ -17946,8 +19789,8 @@
           </a:p>
         </p:txBody>
       </p:sp>
-      <mc:AlternateContent xmlns:mc="http://schemas.openxmlformats.org/markup-compatibility/2006" xmlns:a14="http://schemas.microsoft.com/office/drawing/2010/main">
-        <mc:Choice Requires="a14">
+      <mc:AlternateContent xmlns:mc="http://schemas.openxmlformats.org/markup-compatibility/2006">
+        <mc:Choice xmlns:a14="http://schemas.microsoft.com/office/drawing/2010/main" xmlns="" Requires="a14">
           <p:sp>
             <p:nvSpPr>
               <p:cNvPr id="51" name="ZoneTexte 50"/>
@@ -18008,7 +19851,7 @@
             </p:txBody>
           </p:sp>
         </mc:Choice>
-        <mc:Fallback xmlns="">
+        <mc:Fallback>
           <p:sp>
             <p:nvSpPr>
               <p:cNvPr id="51" name="ZoneTexte 50"/>
@@ -18047,8 +19890,8 @@
           </p:sp>
         </mc:Fallback>
       </mc:AlternateContent>
-      <mc:AlternateContent xmlns:mc="http://schemas.openxmlformats.org/markup-compatibility/2006" xmlns:a14="http://schemas.microsoft.com/office/drawing/2010/main">
-        <mc:Choice Requires="a14">
+      <mc:AlternateContent xmlns:mc="http://schemas.openxmlformats.org/markup-compatibility/2006">
+        <mc:Choice xmlns:a14="http://schemas.microsoft.com/office/drawing/2010/main" xmlns="" Requires="a14">
           <p:sp>
             <p:nvSpPr>
               <p:cNvPr id="52" name="ZoneTexte 51"/>
@@ -18110,7 +19953,7 @@
             </p:txBody>
           </p:sp>
         </mc:Choice>
-        <mc:Fallback xmlns="">
+        <mc:Fallback>
           <p:sp>
             <p:nvSpPr>
               <p:cNvPr id="52" name="ZoneTexte 51"/>
@@ -18149,8 +19992,8 @@
           </p:sp>
         </mc:Fallback>
       </mc:AlternateContent>
-      <mc:AlternateContent xmlns:mc="http://schemas.openxmlformats.org/markup-compatibility/2006" xmlns:a14="http://schemas.microsoft.com/office/drawing/2010/main">
-        <mc:Choice Requires="a14">
+      <mc:AlternateContent xmlns:mc="http://schemas.openxmlformats.org/markup-compatibility/2006">
+        <mc:Choice xmlns:a14="http://schemas.microsoft.com/office/drawing/2010/main" xmlns="" Requires="a14">
           <p:sp>
             <p:nvSpPr>
               <p:cNvPr id="53" name="ZoneTexte 52"/>
@@ -18212,7 +20055,7 @@
             </p:txBody>
           </p:sp>
         </mc:Choice>
-        <mc:Fallback xmlns="">
+        <mc:Fallback>
           <p:sp>
             <p:nvSpPr>
               <p:cNvPr id="53" name="ZoneTexte 52"/>
@@ -18251,8 +20094,8 @@
           </p:sp>
         </mc:Fallback>
       </mc:AlternateContent>
-      <mc:AlternateContent xmlns:mc="http://schemas.openxmlformats.org/markup-compatibility/2006" xmlns:a14="http://schemas.microsoft.com/office/drawing/2010/main">
-        <mc:Choice Requires="a14">
+      <mc:AlternateContent xmlns:mc="http://schemas.openxmlformats.org/markup-compatibility/2006">
+        <mc:Choice xmlns:a14="http://schemas.microsoft.com/office/drawing/2010/main" xmlns="" Requires="a14">
           <p:sp>
             <p:nvSpPr>
               <p:cNvPr id="55" name="ZoneTexte 54"/>
@@ -18314,7 +20157,7 @@
             </p:txBody>
           </p:sp>
         </mc:Choice>
-        <mc:Fallback xmlns="">
+        <mc:Fallback>
           <p:sp>
             <p:nvSpPr>
               <p:cNvPr id="55" name="ZoneTexte 54"/>
@@ -18353,8 +20196,8 @@
           </p:sp>
         </mc:Fallback>
       </mc:AlternateContent>
-      <mc:AlternateContent xmlns:mc="http://schemas.openxmlformats.org/markup-compatibility/2006" xmlns:a14="http://schemas.microsoft.com/office/drawing/2010/main">
-        <mc:Choice Requires="a14">
+      <mc:AlternateContent xmlns:mc="http://schemas.openxmlformats.org/markup-compatibility/2006">
+        <mc:Choice xmlns:a14="http://schemas.microsoft.com/office/drawing/2010/main" xmlns="" Requires="a14">
           <p:sp>
             <p:nvSpPr>
               <p:cNvPr id="56" name="ZoneTexte 55"/>
@@ -18526,7 +20369,7 @@
             </p:txBody>
           </p:sp>
         </mc:Choice>
-        <mc:Fallback xmlns="">
+        <mc:Fallback>
           <p:sp>
             <p:nvSpPr>
               <p:cNvPr id="56" name="ZoneTexte 55"/>
@@ -18565,8 +20408,8 @@
           </p:sp>
         </mc:Fallback>
       </mc:AlternateContent>
-      <mc:AlternateContent xmlns:mc="http://schemas.openxmlformats.org/markup-compatibility/2006" xmlns:a14="http://schemas.microsoft.com/office/drawing/2010/main">
-        <mc:Choice Requires="a14">
+      <mc:AlternateContent xmlns:mc="http://schemas.openxmlformats.org/markup-compatibility/2006">
+        <mc:Choice xmlns:a14="http://schemas.microsoft.com/office/drawing/2010/main" xmlns="" Requires="a14">
           <p:sp>
             <p:nvSpPr>
               <p:cNvPr id="54" name="ZoneTexte 53"/>
@@ -18684,7 +20527,7 @@
             </p:txBody>
           </p:sp>
         </mc:Choice>
-        <mc:Fallback xmlns="">
+        <mc:Fallback>
           <p:sp>
             <p:nvSpPr>
               <p:cNvPr id="54" name="ZoneTexte 53"/>
@@ -18723,8 +20566,8 @@
           </p:sp>
         </mc:Fallback>
       </mc:AlternateContent>
-      <mc:AlternateContent xmlns:mc="http://schemas.openxmlformats.org/markup-compatibility/2006" xmlns:a14="http://schemas.microsoft.com/office/drawing/2010/main">
-        <mc:Choice Requires="a14">
+      <mc:AlternateContent xmlns:mc="http://schemas.openxmlformats.org/markup-compatibility/2006">
+        <mc:Choice xmlns:a14="http://schemas.microsoft.com/office/drawing/2010/main" xmlns="" Requires="a14">
           <p:sp>
             <p:nvSpPr>
               <p:cNvPr id="57" name="ZoneTexte 56"/>
@@ -18842,7 +20685,7 @@
             </p:txBody>
           </p:sp>
         </mc:Choice>
-        <mc:Fallback xmlns="">
+        <mc:Fallback>
           <p:sp>
             <p:nvSpPr>
               <p:cNvPr id="57" name="ZoneTexte 56"/>
@@ -18881,8 +20724,8 @@
           </p:sp>
         </mc:Fallback>
       </mc:AlternateContent>
-      <mc:AlternateContent xmlns:mc="http://schemas.openxmlformats.org/markup-compatibility/2006" xmlns:a14="http://schemas.microsoft.com/office/drawing/2010/main">
-        <mc:Choice Requires="a14">
+      <mc:AlternateContent xmlns:mc="http://schemas.openxmlformats.org/markup-compatibility/2006">
+        <mc:Choice xmlns:a14="http://schemas.microsoft.com/office/drawing/2010/main" xmlns="" Requires="a14">
           <p:sp>
             <p:nvSpPr>
               <p:cNvPr id="58" name="ZoneTexte 57"/>
@@ -19000,7 +20843,7 @@
             </p:txBody>
           </p:sp>
         </mc:Choice>
-        <mc:Fallback xmlns="">
+        <mc:Fallback>
           <p:sp>
             <p:nvSpPr>
               <p:cNvPr id="58" name="ZoneTexte 57"/>
@@ -19039,8 +20882,8 @@
           </p:sp>
         </mc:Fallback>
       </mc:AlternateContent>
-      <mc:AlternateContent xmlns:mc="http://schemas.openxmlformats.org/markup-compatibility/2006" xmlns:a14="http://schemas.microsoft.com/office/drawing/2010/main">
-        <mc:Choice Requires="a14">
+      <mc:AlternateContent xmlns:mc="http://schemas.openxmlformats.org/markup-compatibility/2006">
+        <mc:Choice xmlns:a14="http://schemas.microsoft.com/office/drawing/2010/main" xmlns="" Requires="a14">
           <p:sp>
             <p:nvSpPr>
               <p:cNvPr id="59" name="ZoneTexte 58"/>
@@ -19115,7 +20958,7 @@
             </p:txBody>
           </p:sp>
         </mc:Choice>
-        <mc:Fallback xmlns="">
+        <mc:Fallback>
           <p:sp>
             <p:nvSpPr>
               <p:cNvPr id="59" name="ZoneTexte 58"/>
@@ -19157,7 +21000,7 @@
     </p:spTree>
     <p:extLst>
       <p:ext uri="{BB962C8B-B14F-4D97-AF65-F5344CB8AC3E}">
-        <p14:creationId xmlns:p14="http://schemas.microsoft.com/office/powerpoint/2010/main" val="1343257717"/>
+        <p14:creationId xmlns:p14="http://schemas.microsoft.com/office/powerpoint/2010/main" xmlns="" val="1343257717"/>
       </p:ext>
     </p:extLst>
   </p:cSld>
@@ -19184,8 +21027,8 @@
           <a:chExt cx="0" cy="0"/>
         </a:xfrm>
       </p:grpSpPr>
-      <mc:AlternateContent xmlns:mc="http://schemas.openxmlformats.org/markup-compatibility/2006" xmlns:a14="http://schemas.microsoft.com/office/drawing/2010/main">
-        <mc:Choice Requires="a14">
+      <mc:AlternateContent xmlns:mc="http://schemas.openxmlformats.org/markup-compatibility/2006">
+        <mc:Choice xmlns:a14="http://schemas.microsoft.com/office/drawing/2010/main" xmlns="" Requires="a14">
           <p:sp>
             <p:nvSpPr>
               <p:cNvPr id="4" name="ZoneTexte 3"/>
@@ -19260,7 +21103,7 @@
             </p:txBody>
           </p:sp>
         </mc:Choice>
-        <mc:Fallback xmlns="">
+        <mc:Fallback>
           <p:sp>
             <p:nvSpPr>
               <p:cNvPr id="4" name="ZoneTexte 3"/>
@@ -19477,8 +21320,8 @@
           </p:style>
         </p:cxnSp>
       </p:grpSp>
-      <mc:AlternateContent xmlns:mc="http://schemas.openxmlformats.org/markup-compatibility/2006" xmlns:a14="http://schemas.microsoft.com/office/drawing/2010/main">
-        <mc:Choice Requires="a14">
+      <mc:AlternateContent xmlns:mc="http://schemas.openxmlformats.org/markup-compatibility/2006">
+        <mc:Choice xmlns:a14="http://schemas.microsoft.com/office/drawing/2010/main" xmlns="" Requires="a14">
           <p:sp>
             <p:nvSpPr>
               <p:cNvPr id="11" name="ZoneTexte 10"/>
@@ -19553,7 +21396,7 @@
             </p:txBody>
           </p:sp>
         </mc:Choice>
-        <mc:Fallback xmlns="">
+        <mc:Fallback>
           <p:sp>
             <p:nvSpPr>
               <p:cNvPr id="11" name="ZoneTexte 10"/>
@@ -19592,8 +21435,8 @@
           </p:sp>
         </mc:Fallback>
       </mc:AlternateContent>
-      <mc:AlternateContent xmlns:mc="http://schemas.openxmlformats.org/markup-compatibility/2006" xmlns:a14="http://schemas.microsoft.com/office/drawing/2010/main">
-        <mc:Choice Requires="a14">
+      <mc:AlternateContent xmlns:mc="http://schemas.openxmlformats.org/markup-compatibility/2006">
+        <mc:Choice xmlns:a14="http://schemas.microsoft.com/office/drawing/2010/main" xmlns="" Requires="a14">
           <p:sp>
             <p:nvSpPr>
               <p:cNvPr id="12" name="ZoneTexte 11"/>
@@ -19668,7 +21511,7 @@
             </p:txBody>
           </p:sp>
         </mc:Choice>
-        <mc:Fallback xmlns="">
+        <mc:Fallback>
           <p:sp>
             <p:nvSpPr>
               <p:cNvPr id="12" name="ZoneTexte 11"/>
@@ -19707,8 +21550,8 @@
           </p:sp>
         </mc:Fallback>
       </mc:AlternateContent>
-      <mc:AlternateContent xmlns:mc="http://schemas.openxmlformats.org/markup-compatibility/2006" xmlns:a14="http://schemas.microsoft.com/office/drawing/2010/main">
-        <mc:Choice Requires="a14">
+      <mc:AlternateContent xmlns:mc="http://schemas.openxmlformats.org/markup-compatibility/2006">
+        <mc:Choice xmlns:a14="http://schemas.microsoft.com/office/drawing/2010/main" xmlns="" Requires="a14">
           <p:sp>
             <p:nvSpPr>
               <p:cNvPr id="13" name="ZoneTexte 12"/>
@@ -19783,7 +21626,7 @@
             </p:txBody>
           </p:sp>
         </mc:Choice>
-        <mc:Fallback xmlns="">
+        <mc:Fallback>
           <p:sp>
             <p:nvSpPr>
               <p:cNvPr id="13" name="ZoneTexte 12"/>
@@ -19867,8 +21710,8 @@
           </a:p>
         </p:txBody>
       </p:sp>
-      <mc:AlternateContent xmlns:mc="http://schemas.openxmlformats.org/markup-compatibility/2006" xmlns:a14="http://schemas.microsoft.com/office/drawing/2010/main">
-        <mc:Choice Requires="a14">
+      <mc:AlternateContent xmlns:mc="http://schemas.openxmlformats.org/markup-compatibility/2006">
+        <mc:Choice xmlns:a14="http://schemas.microsoft.com/office/drawing/2010/main" xmlns="" Requires="a14">
           <p:sp>
             <p:nvSpPr>
               <p:cNvPr id="48" name="ZoneTexte 47"/>
@@ -19929,7 +21772,7 @@
             </p:txBody>
           </p:sp>
         </mc:Choice>
-        <mc:Fallback xmlns="">
+        <mc:Fallback>
           <p:sp>
             <p:nvSpPr>
               <p:cNvPr id="48" name="ZoneTexte 47"/>
@@ -19968,8 +21811,8 @@
           </p:sp>
         </mc:Fallback>
       </mc:AlternateContent>
-      <mc:AlternateContent xmlns:mc="http://schemas.openxmlformats.org/markup-compatibility/2006" xmlns:a14="http://schemas.microsoft.com/office/drawing/2010/main">
-        <mc:Choice Requires="a14">
+      <mc:AlternateContent xmlns:mc="http://schemas.openxmlformats.org/markup-compatibility/2006">
+        <mc:Choice xmlns:a14="http://schemas.microsoft.com/office/drawing/2010/main" xmlns="" Requires="a14">
           <p:sp>
             <p:nvSpPr>
               <p:cNvPr id="53" name="ZoneTexte 52"/>
@@ -20087,7 +21930,7 @@
             </p:txBody>
           </p:sp>
         </mc:Choice>
-        <mc:Fallback xmlns="">
+        <mc:Fallback>
           <p:sp>
             <p:nvSpPr>
               <p:cNvPr id="53" name="ZoneTexte 52"/>
@@ -20129,7 +21972,7 @@
     </p:spTree>
     <p:extLst>
       <p:ext uri="{BB962C8B-B14F-4D97-AF65-F5344CB8AC3E}">
-        <p14:creationId xmlns:p14="http://schemas.microsoft.com/office/powerpoint/2010/main" val="3987935948"/>
+        <p14:creationId xmlns:p14="http://schemas.microsoft.com/office/powerpoint/2010/main" xmlns="" val="3987935948"/>
       </p:ext>
     </p:extLst>
   </p:cSld>
@@ -20156,8 +21999,8 @@
           <a:chExt cx="0" cy="0"/>
         </a:xfrm>
       </p:grpSpPr>
-      <mc:AlternateContent xmlns:mc="http://schemas.openxmlformats.org/markup-compatibility/2006" xmlns:a14="http://schemas.microsoft.com/office/drawing/2010/main">
-        <mc:Choice Requires="a14">
+      <mc:AlternateContent xmlns:mc="http://schemas.openxmlformats.org/markup-compatibility/2006">
+        <mc:Choice xmlns:a14="http://schemas.microsoft.com/office/drawing/2010/main" xmlns="" Requires="a14">
           <p:sp>
             <p:nvSpPr>
               <p:cNvPr id="14" name="ZoneTexte 13"/>
@@ -20232,7 +22075,7 @@
             </p:txBody>
           </p:sp>
         </mc:Choice>
-        <mc:Fallback xmlns="">
+        <mc:Fallback>
           <p:sp>
             <p:nvSpPr>
               <p:cNvPr id="14" name="ZoneTexte 13"/>
@@ -20445,8 +22288,8 @@
           </p:style>
         </p:cxnSp>
       </p:grpSp>
-      <mc:AlternateContent xmlns:mc="http://schemas.openxmlformats.org/markup-compatibility/2006" xmlns:a14="http://schemas.microsoft.com/office/drawing/2010/main">
-        <mc:Choice Requires="a14">
+      <mc:AlternateContent xmlns:mc="http://schemas.openxmlformats.org/markup-compatibility/2006">
+        <mc:Choice xmlns:a14="http://schemas.microsoft.com/office/drawing/2010/main" xmlns="" Requires="a14">
           <p:sp>
             <p:nvSpPr>
               <p:cNvPr id="21" name="ZoneTexte 20"/>
@@ -20521,7 +22364,7 @@
             </p:txBody>
           </p:sp>
         </mc:Choice>
-        <mc:Fallback xmlns="">
+        <mc:Fallback>
           <p:sp>
             <p:nvSpPr>
               <p:cNvPr id="21" name="ZoneTexte 20"/>
@@ -20560,8 +22403,8 @@
           </p:sp>
         </mc:Fallback>
       </mc:AlternateContent>
-      <mc:AlternateContent xmlns:mc="http://schemas.openxmlformats.org/markup-compatibility/2006" xmlns:a14="http://schemas.microsoft.com/office/drawing/2010/main">
-        <mc:Choice Requires="a14">
+      <mc:AlternateContent xmlns:mc="http://schemas.openxmlformats.org/markup-compatibility/2006">
+        <mc:Choice xmlns:a14="http://schemas.microsoft.com/office/drawing/2010/main" xmlns="" Requires="a14">
           <p:sp>
             <p:nvSpPr>
               <p:cNvPr id="22" name="ZoneTexte 21"/>
@@ -20636,7 +22479,7 @@
             </p:txBody>
           </p:sp>
         </mc:Choice>
-        <mc:Fallback xmlns="">
+        <mc:Fallback>
           <p:sp>
             <p:nvSpPr>
               <p:cNvPr id="22" name="ZoneTexte 21"/>
@@ -20675,8 +22518,8 @@
           </p:sp>
         </mc:Fallback>
       </mc:AlternateContent>
-      <mc:AlternateContent xmlns:mc="http://schemas.openxmlformats.org/markup-compatibility/2006" xmlns:a14="http://schemas.microsoft.com/office/drawing/2010/main">
-        <mc:Choice Requires="a14">
+      <mc:AlternateContent xmlns:mc="http://schemas.openxmlformats.org/markup-compatibility/2006">
+        <mc:Choice xmlns:a14="http://schemas.microsoft.com/office/drawing/2010/main" xmlns="" Requires="a14">
           <p:sp>
             <p:nvSpPr>
               <p:cNvPr id="23" name="ZoneTexte 22"/>
@@ -20751,7 +22594,7 @@
             </p:txBody>
           </p:sp>
         </mc:Choice>
-        <mc:Fallback xmlns="">
+        <mc:Fallback>
           <p:sp>
             <p:nvSpPr>
               <p:cNvPr id="23" name="ZoneTexte 22"/>
@@ -20835,8 +22678,8 @@
           </a:p>
         </p:txBody>
       </p:sp>
-      <mc:AlternateContent xmlns:mc="http://schemas.openxmlformats.org/markup-compatibility/2006" xmlns:a14="http://schemas.microsoft.com/office/drawing/2010/main">
-        <mc:Choice Requires="a14">
+      <mc:AlternateContent xmlns:mc="http://schemas.openxmlformats.org/markup-compatibility/2006">
+        <mc:Choice xmlns:a14="http://schemas.microsoft.com/office/drawing/2010/main" xmlns="" Requires="a14">
           <p:sp>
             <p:nvSpPr>
               <p:cNvPr id="49" name="ZoneTexte 48"/>
@@ -20898,7 +22741,7 @@
             </p:txBody>
           </p:sp>
         </mc:Choice>
-        <mc:Fallback xmlns="">
+        <mc:Fallback>
           <p:sp>
             <p:nvSpPr>
               <p:cNvPr id="49" name="ZoneTexte 48"/>
@@ -20937,8 +22780,8 @@
           </p:sp>
         </mc:Fallback>
       </mc:AlternateContent>
-      <mc:AlternateContent xmlns:mc="http://schemas.openxmlformats.org/markup-compatibility/2006" xmlns:a14="http://schemas.microsoft.com/office/drawing/2010/main">
-        <mc:Choice Requires="a14">
+      <mc:AlternateContent xmlns:mc="http://schemas.openxmlformats.org/markup-compatibility/2006">
+        <mc:Choice xmlns:a14="http://schemas.microsoft.com/office/drawing/2010/main" xmlns="" Requires="a14">
           <p:sp>
             <p:nvSpPr>
               <p:cNvPr id="54" name="ZoneTexte 53"/>
@@ -21056,7 +22899,7 @@
             </p:txBody>
           </p:sp>
         </mc:Choice>
-        <mc:Fallback xmlns="">
+        <mc:Fallback>
           <p:sp>
             <p:nvSpPr>
               <p:cNvPr id="54" name="ZoneTexte 53"/>
@@ -21098,7 +22941,7 @@
     </p:spTree>
     <p:extLst>
       <p:ext uri="{BB962C8B-B14F-4D97-AF65-F5344CB8AC3E}">
-        <p14:creationId xmlns:p14="http://schemas.microsoft.com/office/powerpoint/2010/main" val="1228224438"/>
+        <p14:creationId xmlns:p14="http://schemas.microsoft.com/office/powerpoint/2010/main" xmlns="" val="1228224438"/>
       </p:ext>
     </p:extLst>
   </p:cSld>
@@ -21125,8 +22968,8 @@
           <a:chExt cx="0" cy="0"/>
         </a:xfrm>
       </p:grpSpPr>
-      <mc:AlternateContent xmlns:mc="http://schemas.openxmlformats.org/markup-compatibility/2006" xmlns:a14="http://schemas.microsoft.com/office/drawing/2010/main">
-        <mc:Choice Requires="a14">
+      <mc:AlternateContent xmlns:mc="http://schemas.openxmlformats.org/markup-compatibility/2006">
+        <mc:Choice xmlns:a14="http://schemas.microsoft.com/office/drawing/2010/main" xmlns="" Requires="a14">
           <p:sp>
             <p:nvSpPr>
               <p:cNvPr id="24" name="ZoneTexte 23"/>
@@ -21201,7 +23044,7 @@
             </p:txBody>
           </p:sp>
         </mc:Choice>
-        <mc:Fallback xmlns="">
+        <mc:Fallback>
           <p:sp>
             <p:nvSpPr>
               <p:cNvPr id="24" name="ZoneTexte 23"/>
@@ -21414,8 +23257,8 @@
           </p:style>
         </p:cxnSp>
       </p:grpSp>
-      <mc:AlternateContent xmlns:mc="http://schemas.openxmlformats.org/markup-compatibility/2006" xmlns:a14="http://schemas.microsoft.com/office/drawing/2010/main">
-        <mc:Choice Requires="a14">
+      <mc:AlternateContent xmlns:mc="http://schemas.openxmlformats.org/markup-compatibility/2006">
+        <mc:Choice xmlns:a14="http://schemas.microsoft.com/office/drawing/2010/main" xmlns="" Requires="a14">
           <p:sp>
             <p:nvSpPr>
               <p:cNvPr id="31" name="ZoneTexte 30"/>
@@ -21490,7 +23333,7 @@
             </p:txBody>
           </p:sp>
         </mc:Choice>
-        <mc:Fallback xmlns="">
+        <mc:Fallback>
           <p:sp>
             <p:nvSpPr>
               <p:cNvPr id="31" name="ZoneTexte 30"/>
@@ -21529,8 +23372,8 @@
           </p:sp>
         </mc:Fallback>
       </mc:AlternateContent>
-      <mc:AlternateContent xmlns:mc="http://schemas.openxmlformats.org/markup-compatibility/2006" xmlns:a14="http://schemas.microsoft.com/office/drawing/2010/main">
-        <mc:Choice Requires="a14">
+      <mc:AlternateContent xmlns:mc="http://schemas.openxmlformats.org/markup-compatibility/2006">
+        <mc:Choice xmlns:a14="http://schemas.microsoft.com/office/drawing/2010/main" xmlns="" Requires="a14">
           <p:sp>
             <p:nvSpPr>
               <p:cNvPr id="32" name="ZoneTexte 31"/>
@@ -21605,7 +23448,7 @@
             </p:txBody>
           </p:sp>
         </mc:Choice>
-        <mc:Fallback xmlns="">
+        <mc:Fallback>
           <p:sp>
             <p:nvSpPr>
               <p:cNvPr id="32" name="ZoneTexte 31"/>
@@ -21644,8 +23487,8 @@
           </p:sp>
         </mc:Fallback>
       </mc:AlternateContent>
-      <mc:AlternateContent xmlns:mc="http://schemas.openxmlformats.org/markup-compatibility/2006" xmlns:a14="http://schemas.microsoft.com/office/drawing/2010/main">
-        <mc:Choice Requires="a14">
+      <mc:AlternateContent xmlns:mc="http://schemas.openxmlformats.org/markup-compatibility/2006">
+        <mc:Choice xmlns:a14="http://schemas.microsoft.com/office/drawing/2010/main" xmlns="" Requires="a14">
           <p:sp>
             <p:nvSpPr>
               <p:cNvPr id="33" name="ZoneTexte 32"/>
@@ -21720,7 +23563,7 @@
             </p:txBody>
           </p:sp>
         </mc:Choice>
-        <mc:Fallback xmlns="">
+        <mc:Fallback>
           <p:sp>
             <p:nvSpPr>
               <p:cNvPr id="33" name="ZoneTexte 32"/>
@@ -21804,8 +23647,8 @@
           </a:p>
         </p:txBody>
       </p:sp>
-      <mc:AlternateContent xmlns:mc="http://schemas.openxmlformats.org/markup-compatibility/2006" xmlns:a14="http://schemas.microsoft.com/office/drawing/2010/main">
-        <mc:Choice Requires="a14">
+      <mc:AlternateContent xmlns:mc="http://schemas.openxmlformats.org/markup-compatibility/2006">
+        <mc:Choice xmlns:a14="http://schemas.microsoft.com/office/drawing/2010/main" xmlns="" Requires="a14">
           <p:sp>
             <p:nvSpPr>
               <p:cNvPr id="50" name="ZoneTexte 49"/>
@@ -21867,7 +23710,7 @@
             </p:txBody>
           </p:sp>
         </mc:Choice>
-        <mc:Fallback xmlns="">
+        <mc:Fallback>
           <p:sp>
             <p:nvSpPr>
               <p:cNvPr id="50" name="ZoneTexte 49"/>
@@ -21906,8 +23749,8 @@
           </p:sp>
         </mc:Fallback>
       </mc:AlternateContent>
-      <mc:AlternateContent xmlns:mc="http://schemas.openxmlformats.org/markup-compatibility/2006" xmlns:a14="http://schemas.microsoft.com/office/drawing/2010/main">
-        <mc:Choice Requires="a14">
+      <mc:AlternateContent xmlns:mc="http://schemas.openxmlformats.org/markup-compatibility/2006">
+        <mc:Choice xmlns:a14="http://schemas.microsoft.com/office/drawing/2010/main" xmlns="" Requires="a14">
           <p:sp>
             <p:nvSpPr>
               <p:cNvPr id="55" name="ZoneTexte 54"/>
@@ -22025,7 +23868,7 @@
             </p:txBody>
           </p:sp>
         </mc:Choice>
-        <mc:Fallback xmlns="">
+        <mc:Fallback>
           <p:sp>
             <p:nvSpPr>
               <p:cNvPr id="55" name="ZoneTexte 54"/>
@@ -22067,7 +23910,7 @@
     </p:spTree>
     <p:extLst>
       <p:ext uri="{BB962C8B-B14F-4D97-AF65-F5344CB8AC3E}">
-        <p14:creationId xmlns:p14="http://schemas.microsoft.com/office/powerpoint/2010/main" val="1228224438"/>
+        <p14:creationId xmlns:p14="http://schemas.microsoft.com/office/powerpoint/2010/main" xmlns="" val="1228224438"/>
       </p:ext>
     </p:extLst>
   </p:cSld>
@@ -22094,8 +23937,8 @@
           <a:chExt cx="0" cy="0"/>
         </a:xfrm>
       </p:grpSpPr>
-      <mc:AlternateContent xmlns:mc="http://schemas.openxmlformats.org/markup-compatibility/2006" xmlns:a14="http://schemas.microsoft.com/office/drawing/2010/main">
-        <mc:Choice Requires="a14">
+      <mc:AlternateContent xmlns:mc="http://schemas.openxmlformats.org/markup-compatibility/2006">
+        <mc:Choice xmlns:a14="http://schemas.microsoft.com/office/drawing/2010/main" xmlns="" Requires="a14">
           <p:sp>
             <p:nvSpPr>
               <p:cNvPr id="34" name="ZoneTexte 33"/>
@@ -22170,7 +24013,7 @@
             </p:txBody>
           </p:sp>
         </mc:Choice>
-        <mc:Fallback xmlns="">
+        <mc:Fallback>
           <p:sp>
             <p:nvSpPr>
               <p:cNvPr id="34" name="ZoneTexte 33"/>
@@ -22387,8 +24230,8 @@
           </p:style>
         </p:cxnSp>
       </p:grpSp>
-      <mc:AlternateContent xmlns:mc="http://schemas.openxmlformats.org/markup-compatibility/2006" xmlns:a14="http://schemas.microsoft.com/office/drawing/2010/main">
-        <mc:Choice Requires="a14">
+      <mc:AlternateContent xmlns:mc="http://schemas.openxmlformats.org/markup-compatibility/2006">
+        <mc:Choice xmlns:a14="http://schemas.microsoft.com/office/drawing/2010/main" xmlns="" Requires="a14">
           <p:sp>
             <p:nvSpPr>
               <p:cNvPr id="41" name="ZoneTexte 40"/>
@@ -22463,7 +24306,7 @@
             </p:txBody>
           </p:sp>
         </mc:Choice>
-        <mc:Fallback xmlns="">
+        <mc:Fallback>
           <p:sp>
             <p:nvSpPr>
               <p:cNvPr id="41" name="ZoneTexte 40"/>
@@ -22502,8 +24345,8 @@
           </p:sp>
         </mc:Fallback>
       </mc:AlternateContent>
-      <mc:AlternateContent xmlns:mc="http://schemas.openxmlformats.org/markup-compatibility/2006" xmlns:a14="http://schemas.microsoft.com/office/drawing/2010/main">
-        <mc:Choice Requires="a14">
+      <mc:AlternateContent xmlns:mc="http://schemas.openxmlformats.org/markup-compatibility/2006">
+        <mc:Choice xmlns:a14="http://schemas.microsoft.com/office/drawing/2010/main" xmlns="" Requires="a14">
           <p:sp>
             <p:nvSpPr>
               <p:cNvPr id="42" name="ZoneTexte 41"/>
@@ -22621,7 +24464,7 @@
             </p:txBody>
           </p:sp>
         </mc:Choice>
-        <mc:Fallback xmlns="">
+        <mc:Fallback>
           <p:sp>
             <p:nvSpPr>
               <p:cNvPr id="42" name="ZoneTexte 41"/>
@@ -22660,8 +24503,8 @@
           </p:sp>
         </mc:Fallback>
       </mc:AlternateContent>
-      <mc:AlternateContent xmlns:mc="http://schemas.openxmlformats.org/markup-compatibility/2006" xmlns:a14="http://schemas.microsoft.com/office/drawing/2010/main">
-        <mc:Choice Requires="a14">
+      <mc:AlternateContent xmlns:mc="http://schemas.openxmlformats.org/markup-compatibility/2006">
+        <mc:Choice xmlns:a14="http://schemas.microsoft.com/office/drawing/2010/main" xmlns="" Requires="a14">
           <p:sp>
             <p:nvSpPr>
               <p:cNvPr id="43" name="ZoneTexte 42"/>
@@ -22736,7 +24579,7 @@
             </p:txBody>
           </p:sp>
         </mc:Choice>
-        <mc:Fallback xmlns="">
+        <mc:Fallback>
           <p:sp>
             <p:nvSpPr>
               <p:cNvPr id="43" name="ZoneTexte 42"/>
@@ -22820,8 +24663,8 @@
           </a:p>
         </p:txBody>
       </p:sp>
-      <mc:AlternateContent xmlns:mc="http://schemas.openxmlformats.org/markup-compatibility/2006" xmlns:a14="http://schemas.microsoft.com/office/drawing/2010/main">
-        <mc:Choice Requires="a14">
+      <mc:AlternateContent xmlns:mc="http://schemas.openxmlformats.org/markup-compatibility/2006">
+        <mc:Choice xmlns:a14="http://schemas.microsoft.com/office/drawing/2010/main" xmlns="" Requires="a14">
           <p:sp>
             <p:nvSpPr>
               <p:cNvPr id="51" name="ZoneTexte 50"/>
@@ -22883,7 +24726,7 @@
             </p:txBody>
           </p:sp>
         </mc:Choice>
-        <mc:Fallback xmlns="">
+        <mc:Fallback>
           <p:sp>
             <p:nvSpPr>
               <p:cNvPr id="51" name="ZoneTexte 50"/>
@@ -22922,8 +24765,8 @@
           </p:sp>
         </mc:Fallback>
       </mc:AlternateContent>
-      <mc:AlternateContent xmlns:mc="http://schemas.openxmlformats.org/markup-compatibility/2006" xmlns:a14="http://schemas.microsoft.com/office/drawing/2010/main">
-        <mc:Choice Requires="a14">
+      <mc:AlternateContent xmlns:mc="http://schemas.openxmlformats.org/markup-compatibility/2006">
+        <mc:Choice xmlns:a14="http://schemas.microsoft.com/office/drawing/2010/main" xmlns="" Requires="a14">
           <p:sp>
             <p:nvSpPr>
               <p:cNvPr id="52" name="ZoneTexte 51"/>
@@ -23076,7 +24919,7 @@
             </p:txBody>
           </p:sp>
         </mc:Choice>
-        <mc:Fallback xmlns="">
+        <mc:Fallback>
           <p:sp>
             <p:nvSpPr>
               <p:cNvPr id="52" name="ZoneTexte 51"/>
@@ -23115,8 +24958,8 @@
           </p:sp>
         </mc:Fallback>
       </mc:AlternateContent>
-      <mc:AlternateContent xmlns:mc="http://schemas.openxmlformats.org/markup-compatibility/2006" xmlns:a14="http://schemas.microsoft.com/office/drawing/2010/main">
-        <mc:Choice Requires="a14">
+      <mc:AlternateContent xmlns:mc="http://schemas.openxmlformats.org/markup-compatibility/2006">
+        <mc:Choice xmlns:a14="http://schemas.microsoft.com/office/drawing/2010/main" xmlns="" Requires="a14">
           <p:sp>
             <p:nvSpPr>
               <p:cNvPr id="56" name="ZoneTexte 55"/>
@@ -23191,7 +25034,7 @@
             </p:txBody>
           </p:sp>
         </mc:Choice>
-        <mc:Fallback xmlns="">
+        <mc:Fallback>
           <p:sp>
             <p:nvSpPr>
               <p:cNvPr id="56" name="ZoneTexte 55"/>
@@ -23233,7 +25076,7 @@
     </p:spTree>
     <p:extLst>
       <p:ext uri="{BB962C8B-B14F-4D97-AF65-F5344CB8AC3E}">
-        <p14:creationId xmlns:p14="http://schemas.microsoft.com/office/powerpoint/2010/main" val="1228224438"/>
+        <p14:creationId xmlns:p14="http://schemas.microsoft.com/office/powerpoint/2010/main" xmlns="" val="1228224438"/>
       </p:ext>
     </p:extLst>
   </p:cSld>
@@ -24347,8 +26190,8 @@
           </a:p>
         </p:txBody>
       </p:sp>
-      <mc:AlternateContent xmlns:mc="http://schemas.openxmlformats.org/markup-compatibility/2006" xmlns:a14="http://schemas.microsoft.com/office/drawing/2010/main">
-        <mc:Choice Requires="a14">
+      <mc:AlternateContent xmlns:mc="http://schemas.openxmlformats.org/markup-compatibility/2006">
+        <mc:Choice xmlns:a14="http://schemas.microsoft.com/office/drawing/2010/main" xmlns="" Requires="a14">
           <p:sp>
             <p:nvSpPr>
               <p:cNvPr id="43" name="ZoneTexte 42"/>
@@ -24423,7 +26266,7 @@
             </p:txBody>
           </p:sp>
         </mc:Choice>
-        <mc:Fallback xmlns="">
+        <mc:Fallback>
           <p:sp>
             <p:nvSpPr>
               <p:cNvPr id="43" name="ZoneTexte 42"/>
@@ -24462,8 +26305,8 @@
           </p:sp>
         </mc:Fallback>
       </mc:AlternateContent>
-      <mc:AlternateContent xmlns:mc="http://schemas.openxmlformats.org/markup-compatibility/2006" xmlns:a14="http://schemas.microsoft.com/office/drawing/2010/main">
-        <mc:Choice Requires="a14">
+      <mc:AlternateContent xmlns:mc="http://schemas.openxmlformats.org/markup-compatibility/2006">
+        <mc:Choice xmlns:a14="http://schemas.microsoft.com/office/drawing/2010/main" xmlns="" Requires="a14">
           <p:sp>
             <p:nvSpPr>
               <p:cNvPr id="45" name="ZoneTexte 44"/>
@@ -24538,7 +26381,7 @@
             </p:txBody>
           </p:sp>
         </mc:Choice>
-        <mc:Fallback xmlns="">
+        <mc:Fallback>
           <p:sp>
             <p:nvSpPr>
               <p:cNvPr id="45" name="ZoneTexte 44"/>
@@ -24577,8 +26420,8 @@
           </p:sp>
         </mc:Fallback>
       </mc:AlternateContent>
-      <mc:AlternateContent xmlns:mc="http://schemas.openxmlformats.org/markup-compatibility/2006" xmlns:a14="http://schemas.microsoft.com/office/drawing/2010/main">
-        <mc:Choice Requires="a14">
+      <mc:AlternateContent xmlns:mc="http://schemas.openxmlformats.org/markup-compatibility/2006">
+        <mc:Choice xmlns:a14="http://schemas.microsoft.com/office/drawing/2010/main" xmlns="" Requires="a14">
           <p:sp>
             <p:nvSpPr>
               <p:cNvPr id="46" name="ZoneTexte 45"/>
@@ -24653,7 +26496,7 @@
             </p:txBody>
           </p:sp>
         </mc:Choice>
-        <mc:Fallback xmlns="">
+        <mc:Fallback>
           <p:sp>
             <p:nvSpPr>
               <p:cNvPr id="46" name="ZoneTexte 45"/>
@@ -24692,8 +26535,8 @@
           </p:sp>
         </mc:Fallback>
       </mc:AlternateContent>
-      <mc:AlternateContent xmlns:mc="http://schemas.openxmlformats.org/markup-compatibility/2006" xmlns:a14="http://schemas.microsoft.com/office/drawing/2010/main">
-        <mc:Choice Requires="a14">
+      <mc:AlternateContent xmlns:mc="http://schemas.openxmlformats.org/markup-compatibility/2006">
+        <mc:Choice xmlns:a14="http://schemas.microsoft.com/office/drawing/2010/main" xmlns="" Requires="a14">
           <p:sp>
             <p:nvSpPr>
               <p:cNvPr id="47" name="ZoneTexte 46"/>
@@ -24768,7 +26611,7 @@
             </p:txBody>
           </p:sp>
         </mc:Choice>
-        <mc:Fallback xmlns="">
+        <mc:Fallback>
           <p:sp>
             <p:nvSpPr>
               <p:cNvPr id="47" name="ZoneTexte 46"/>
@@ -24807,8 +26650,8 @@
           </p:sp>
         </mc:Fallback>
       </mc:AlternateContent>
-      <mc:AlternateContent xmlns:mc="http://schemas.openxmlformats.org/markup-compatibility/2006" xmlns:a14="http://schemas.microsoft.com/office/drawing/2010/main">
-        <mc:Choice Requires="a14">
+      <mc:AlternateContent xmlns:mc="http://schemas.openxmlformats.org/markup-compatibility/2006">
+        <mc:Choice xmlns:a14="http://schemas.microsoft.com/office/drawing/2010/main" xmlns="" Requires="a14">
           <p:sp>
             <p:nvSpPr>
               <p:cNvPr id="48" name="ZoneTexte 47"/>
@@ -24883,7 +26726,7 @@
             </p:txBody>
           </p:sp>
         </mc:Choice>
-        <mc:Fallback xmlns="">
+        <mc:Fallback>
           <p:sp>
             <p:nvSpPr>
               <p:cNvPr id="48" name="ZoneTexte 47"/>
@@ -24922,8 +26765,8 @@
           </p:sp>
         </mc:Fallback>
       </mc:AlternateContent>
-      <mc:AlternateContent xmlns:mc="http://schemas.openxmlformats.org/markup-compatibility/2006" xmlns:a14="http://schemas.microsoft.com/office/drawing/2010/main">
-        <mc:Choice Requires="a14">
+      <mc:AlternateContent xmlns:mc="http://schemas.openxmlformats.org/markup-compatibility/2006">
+        <mc:Choice xmlns:a14="http://schemas.microsoft.com/office/drawing/2010/main" xmlns="" Requires="a14">
           <p:sp>
             <p:nvSpPr>
               <p:cNvPr id="49" name="ZoneTexte 48"/>
@@ -24998,7 +26841,7 @@
             </p:txBody>
           </p:sp>
         </mc:Choice>
-        <mc:Fallback xmlns="">
+        <mc:Fallback>
           <p:sp>
             <p:nvSpPr>
               <p:cNvPr id="49" name="ZoneTexte 48"/>
@@ -25037,8 +26880,8 @@
           </p:sp>
         </mc:Fallback>
       </mc:AlternateContent>
-      <mc:AlternateContent xmlns:mc="http://schemas.openxmlformats.org/markup-compatibility/2006" xmlns:a14="http://schemas.microsoft.com/office/drawing/2010/main">
-        <mc:Choice Requires="a14">
+      <mc:AlternateContent xmlns:mc="http://schemas.openxmlformats.org/markup-compatibility/2006">
+        <mc:Choice xmlns:a14="http://schemas.microsoft.com/office/drawing/2010/main" xmlns="" Requires="a14">
           <p:sp>
             <p:nvSpPr>
               <p:cNvPr id="50" name="ZoneTexte 49"/>
@@ -25113,7 +26956,7 @@
             </p:txBody>
           </p:sp>
         </mc:Choice>
-        <mc:Fallback xmlns="">
+        <mc:Fallback>
           <p:sp>
             <p:nvSpPr>
               <p:cNvPr id="50" name="ZoneTexte 49"/>
@@ -25152,8 +26995,8 @@
           </p:sp>
         </mc:Fallback>
       </mc:AlternateContent>
-      <mc:AlternateContent xmlns:mc="http://schemas.openxmlformats.org/markup-compatibility/2006" xmlns:a14="http://schemas.microsoft.com/office/drawing/2010/main">
-        <mc:Choice Requires="a14">
+      <mc:AlternateContent xmlns:mc="http://schemas.openxmlformats.org/markup-compatibility/2006">
+        <mc:Choice xmlns:a14="http://schemas.microsoft.com/office/drawing/2010/main" xmlns="" Requires="a14">
           <p:sp>
             <p:nvSpPr>
               <p:cNvPr id="42" name="ZoneTexte 41"/>
@@ -25228,7 +27071,7 @@
             </p:txBody>
           </p:sp>
         </mc:Choice>
-        <mc:Fallback xmlns="">
+        <mc:Fallback>
           <p:sp>
             <p:nvSpPr>
               <p:cNvPr id="42" name="ZoneTexte 41"/>
@@ -25270,7 +27113,7 @@
     </p:spTree>
     <p:extLst>
       <p:ext uri="{BB962C8B-B14F-4D97-AF65-F5344CB8AC3E}">
-        <p14:creationId xmlns:p14="http://schemas.microsoft.com/office/powerpoint/2010/main" val="3185331038"/>
+        <p14:creationId xmlns:p14="http://schemas.microsoft.com/office/powerpoint/2010/main" xmlns="" val="3185331038"/>
       </p:ext>
     </p:extLst>
   </p:cSld>
@@ -25309,7 +27152,7 @@
           <a:blip r:embed="rId2">
             <a:extLst>
               <a:ext uri="{28A0092B-C50C-407E-A947-70E740481C1C}">
-                <a14:useLocalDpi xmlns:a14="http://schemas.microsoft.com/office/drawing/2010/main" val="0"/>
+                <a14:useLocalDpi xmlns:a14="http://schemas.microsoft.com/office/drawing/2010/main" xmlns="" val="0"/>
               </a:ext>
             </a:extLst>
           </a:blip>
@@ -25331,14 +27174,14 @@
           <a:effectLst/>
           <a:extLst>
             <a:ext uri="{909E8E84-426E-40DD-AFC4-6F175D3DCCD1}">
-              <a14:hiddenFill xmlns:a14="http://schemas.microsoft.com/office/drawing/2010/main">
+              <a14:hiddenFill xmlns:a14="http://schemas.microsoft.com/office/drawing/2010/main" xmlns="">
                 <a:solidFill>
                   <a:schemeClr val="accent1"/>
                 </a:solidFill>
               </a14:hiddenFill>
             </a:ext>
             <a:ext uri="{91240B29-F687-4F45-9708-019B960494DF}">
-              <a14:hiddenLine xmlns:a14="http://schemas.microsoft.com/office/drawing/2010/main" w="9525">
+              <a14:hiddenLine xmlns:a14="http://schemas.microsoft.com/office/drawing/2010/main" xmlns="" w="9525">
                 <a:solidFill>
                   <a:schemeClr val="tx1"/>
                 </a:solidFill>
@@ -25348,7 +27191,7 @@
               </a14:hiddenLine>
             </a:ext>
             <a:ext uri="{AF507438-7753-43E0-B8FC-AC1667EBCBE1}">
-              <a14:hiddenEffects xmlns:a14="http://schemas.microsoft.com/office/drawing/2010/main">
+              <a14:hiddenEffects xmlns:a14="http://schemas.microsoft.com/office/drawing/2010/main" xmlns="">
                 <a:effectLst>
                   <a:outerShdw dist="35921" dir="2700000" algn="ctr" rotWithShape="0">
                     <a:schemeClr val="bg2"/>
@@ -25371,7 +27214,7 @@
           <a:blip r:embed="rId3">
             <a:extLst>
               <a:ext uri="{28A0092B-C50C-407E-A947-70E740481C1C}">
-                <a14:useLocalDpi xmlns:a14="http://schemas.microsoft.com/office/drawing/2010/main" val="0"/>
+                <a14:useLocalDpi xmlns:a14="http://schemas.microsoft.com/office/drawing/2010/main" xmlns="" val="0"/>
               </a:ext>
             </a:extLst>
           </a:blip>
@@ -25395,14 +27238,14 @@
           <a:effectLst/>
           <a:extLst>
             <a:ext uri="{909E8E84-426E-40DD-AFC4-6F175D3DCCD1}">
-              <a14:hiddenFill xmlns:a14="http://schemas.microsoft.com/office/drawing/2010/main">
+              <a14:hiddenFill xmlns:a14="http://schemas.microsoft.com/office/drawing/2010/main" xmlns="">
                 <a:solidFill>
                   <a:schemeClr val="accent1"/>
                 </a:solidFill>
               </a14:hiddenFill>
             </a:ext>
             <a:ext uri="{91240B29-F687-4F45-9708-019B960494DF}">
-              <a14:hiddenLine xmlns:a14="http://schemas.microsoft.com/office/drawing/2010/main" w="9525">
+              <a14:hiddenLine xmlns:a14="http://schemas.microsoft.com/office/drawing/2010/main" xmlns="" w="9525">
                 <a:solidFill>
                   <a:schemeClr val="tx1"/>
                 </a:solidFill>
@@ -25412,7 +27255,7 @@
               </a14:hiddenLine>
             </a:ext>
             <a:ext uri="{AF507438-7753-43E0-B8FC-AC1667EBCBE1}">
-              <a14:hiddenEffects xmlns:a14="http://schemas.microsoft.com/office/drawing/2010/main">
+              <a14:hiddenEffects xmlns:a14="http://schemas.microsoft.com/office/drawing/2010/main" xmlns="">
                 <a:effectLst>
                   <a:outerShdw dist="35921" dir="2700000" algn="ctr" rotWithShape="0">
                     <a:schemeClr val="bg2"/>
@@ -25471,7 +27314,7 @@
     </p:spTree>
     <p:extLst>
       <p:ext uri="{BB962C8B-B14F-4D97-AF65-F5344CB8AC3E}">
-        <p14:creationId xmlns:p14="http://schemas.microsoft.com/office/powerpoint/2010/main" val="3983247283"/>
+        <p14:creationId xmlns:p14="http://schemas.microsoft.com/office/powerpoint/2010/main" xmlns="" val="3983247283"/>
       </p:ext>
     </p:extLst>
   </p:cSld>
@@ -25510,7 +27353,7 @@
           <a:blip r:embed="rId2">
             <a:extLst>
               <a:ext uri="{28A0092B-C50C-407E-A947-70E740481C1C}">
-                <a14:useLocalDpi xmlns:a14="http://schemas.microsoft.com/office/drawing/2010/main" val="0"/>
+                <a14:useLocalDpi xmlns:a14="http://schemas.microsoft.com/office/drawing/2010/main" xmlns="" val="0"/>
               </a:ext>
             </a:extLst>
           </a:blip>
@@ -25534,14 +27377,14 @@
           <a:effectLst/>
           <a:extLst>
             <a:ext uri="{909E8E84-426E-40DD-AFC4-6F175D3DCCD1}">
-              <a14:hiddenFill xmlns:a14="http://schemas.microsoft.com/office/drawing/2010/main">
+              <a14:hiddenFill xmlns:a14="http://schemas.microsoft.com/office/drawing/2010/main" xmlns="">
                 <a:solidFill>
                   <a:schemeClr val="accent1"/>
                 </a:solidFill>
               </a14:hiddenFill>
             </a:ext>
             <a:ext uri="{91240B29-F687-4F45-9708-019B960494DF}">
-              <a14:hiddenLine xmlns:a14="http://schemas.microsoft.com/office/drawing/2010/main" w="9525">
+              <a14:hiddenLine xmlns:a14="http://schemas.microsoft.com/office/drawing/2010/main" xmlns="" w="9525">
                 <a:solidFill>
                   <a:schemeClr val="tx1"/>
                 </a:solidFill>
@@ -25551,7 +27394,7 @@
               </a14:hiddenLine>
             </a:ext>
             <a:ext uri="{AF507438-7753-43E0-B8FC-AC1667EBCBE1}">
-              <a14:hiddenEffects xmlns:a14="http://schemas.microsoft.com/office/drawing/2010/main">
+              <a14:hiddenEffects xmlns:a14="http://schemas.microsoft.com/office/drawing/2010/main" xmlns="">
                 <a:effectLst>
                   <a:outerShdw dist="35921" dir="2700000" algn="ctr" rotWithShape="0">
                     <a:schemeClr val="bg2"/>
@@ -25754,8 +27597,8 @@
           </a:p>
         </p:txBody>
       </p:sp>
-      <mc:AlternateContent xmlns:mc="http://schemas.openxmlformats.org/markup-compatibility/2006" xmlns:a14="http://schemas.microsoft.com/office/drawing/2010/main">
-        <mc:Choice Requires="a14">
+      <mc:AlternateContent xmlns:mc="http://schemas.openxmlformats.org/markup-compatibility/2006">
+        <mc:Choice xmlns:a14="http://schemas.microsoft.com/office/drawing/2010/main" xmlns="" Requires="a14">
           <p:sp>
             <p:nvSpPr>
               <p:cNvPr id="5" name="ZoneTexte 4"/>
@@ -25799,7 +27642,7 @@
             </p:txBody>
           </p:sp>
         </mc:Choice>
-        <mc:Fallback xmlns="">
+        <mc:Fallback>
           <p:sp>
             <p:nvSpPr>
               <p:cNvPr id="5" name="ZoneTexte 4"/>
@@ -25838,8 +27681,8 @@
           </p:sp>
         </mc:Fallback>
       </mc:AlternateContent>
-      <mc:AlternateContent xmlns:mc="http://schemas.openxmlformats.org/markup-compatibility/2006" xmlns:a14="http://schemas.microsoft.com/office/drawing/2010/main">
-        <mc:Choice Requires="a14">
+      <mc:AlternateContent xmlns:mc="http://schemas.openxmlformats.org/markup-compatibility/2006">
+        <mc:Choice xmlns:a14="http://schemas.microsoft.com/office/drawing/2010/main" xmlns="" Requires="a14">
           <p:sp>
             <p:nvSpPr>
               <p:cNvPr id="10" name="ZoneTexte 9"/>
@@ -25883,7 +27726,7 @@
             </p:txBody>
           </p:sp>
         </mc:Choice>
-        <mc:Fallback xmlns="">
+        <mc:Fallback>
           <p:sp>
             <p:nvSpPr>
               <p:cNvPr id="10" name="ZoneTexte 9"/>
@@ -25922,8 +27765,8 @@
           </p:sp>
         </mc:Fallback>
       </mc:AlternateContent>
-      <mc:AlternateContent xmlns:mc="http://schemas.openxmlformats.org/markup-compatibility/2006" xmlns:a14="http://schemas.microsoft.com/office/drawing/2010/main">
-        <mc:Choice Requires="a14">
+      <mc:AlternateContent xmlns:mc="http://schemas.openxmlformats.org/markup-compatibility/2006">
+        <mc:Choice xmlns:a14="http://schemas.microsoft.com/office/drawing/2010/main" xmlns="" Requires="a14">
           <p:sp>
             <p:nvSpPr>
               <p:cNvPr id="11" name="ZoneTexte 10"/>
@@ -25986,7 +27829,7 @@
             </p:txBody>
           </p:sp>
         </mc:Choice>
-        <mc:Fallback xmlns="">
+        <mc:Fallback>
           <p:sp>
             <p:nvSpPr>
               <p:cNvPr id="11" name="ZoneTexte 10"/>
@@ -26025,8 +27868,8 @@
           </p:sp>
         </mc:Fallback>
       </mc:AlternateContent>
-      <mc:AlternateContent xmlns:mc="http://schemas.openxmlformats.org/markup-compatibility/2006" xmlns:a14="http://schemas.microsoft.com/office/drawing/2010/main">
-        <mc:Choice Requires="a14">
+      <mc:AlternateContent xmlns:mc="http://schemas.openxmlformats.org/markup-compatibility/2006">
+        <mc:Choice xmlns:a14="http://schemas.microsoft.com/office/drawing/2010/main" xmlns="" Requires="a14">
           <p:sp>
             <p:nvSpPr>
               <p:cNvPr id="12" name="ZoneTexte 11"/>
@@ -26089,7 +27932,7 @@
             </p:txBody>
           </p:sp>
         </mc:Choice>
-        <mc:Fallback xmlns="">
+        <mc:Fallback>
           <p:sp>
             <p:nvSpPr>
               <p:cNvPr id="12" name="ZoneTexte 11"/>
@@ -26128,8 +27971,8 @@
           </p:sp>
         </mc:Fallback>
       </mc:AlternateContent>
-      <mc:AlternateContent xmlns:mc="http://schemas.openxmlformats.org/markup-compatibility/2006" xmlns:a14="http://schemas.microsoft.com/office/drawing/2010/main">
-        <mc:Choice Requires="a14">
+      <mc:AlternateContent xmlns:mc="http://schemas.openxmlformats.org/markup-compatibility/2006">
+        <mc:Choice xmlns:a14="http://schemas.microsoft.com/office/drawing/2010/main" xmlns="" Requires="a14">
           <p:sp>
             <p:nvSpPr>
               <p:cNvPr id="13" name="ZoneTexte 12"/>
@@ -26192,7 +28035,7 @@
             </p:txBody>
           </p:sp>
         </mc:Choice>
-        <mc:Fallback xmlns="">
+        <mc:Fallback>
           <p:sp>
             <p:nvSpPr>
               <p:cNvPr id="13" name="ZoneTexte 12"/>
@@ -26234,7 +28077,7 @@
     </p:spTree>
     <p:extLst>
       <p:ext uri="{BB962C8B-B14F-4D97-AF65-F5344CB8AC3E}">
-        <p14:creationId xmlns:p14="http://schemas.microsoft.com/office/powerpoint/2010/main" val="1687443947"/>
+        <p14:creationId xmlns:p14="http://schemas.microsoft.com/office/powerpoint/2010/main" xmlns="" val="1687443947"/>
       </p:ext>
     </p:extLst>
   </p:cSld>
@@ -27910,7 +29753,7 @@
     </p:spTree>
     <p:extLst>
       <p:ext uri="{BB962C8B-B14F-4D97-AF65-F5344CB8AC3E}">
-        <p14:creationId xmlns:p14="http://schemas.microsoft.com/office/powerpoint/2010/main" val="104411029"/>
+        <p14:creationId xmlns:p14="http://schemas.microsoft.com/office/powerpoint/2010/main" xmlns="" val="104411029"/>
       </p:ext>
     </p:extLst>
   </p:cSld>
@@ -28055,8 +29898,8 @@
           </a:fontRef>
         </p:style>
       </p:cxnSp>
-      <mc:AlternateContent xmlns:mc="http://schemas.openxmlformats.org/markup-compatibility/2006" xmlns:a14="http://schemas.microsoft.com/office/drawing/2010/main">
-        <mc:Choice Requires="a14">
+      <mc:AlternateContent xmlns:mc="http://schemas.openxmlformats.org/markup-compatibility/2006">
+        <mc:Choice xmlns:a14="http://schemas.microsoft.com/office/drawing/2010/main" xmlns="" Requires="a14">
           <p:sp>
             <p:nvSpPr>
               <p:cNvPr id="13" name="ZoneTexte 12"/>
@@ -28100,7 +29943,7 @@
             </p:txBody>
           </p:sp>
         </mc:Choice>
-        <mc:Fallback xmlns="">
+        <mc:Fallback>
           <p:sp>
             <p:nvSpPr>
               <p:cNvPr id="13" name="ZoneTexte 12"/>
@@ -28139,8 +29982,8 @@
           </p:sp>
         </mc:Fallback>
       </mc:AlternateContent>
-      <mc:AlternateContent xmlns:mc="http://schemas.openxmlformats.org/markup-compatibility/2006" xmlns:a14="http://schemas.microsoft.com/office/drawing/2010/main">
-        <mc:Choice Requires="a14">
+      <mc:AlternateContent xmlns:mc="http://schemas.openxmlformats.org/markup-compatibility/2006">
+        <mc:Choice xmlns:a14="http://schemas.microsoft.com/office/drawing/2010/main" xmlns="" Requires="a14">
           <p:sp>
             <p:nvSpPr>
               <p:cNvPr id="14" name="ZoneTexte 13"/>
@@ -28228,7 +30071,7 @@
             </p:txBody>
           </p:sp>
         </mc:Choice>
-        <mc:Fallback xmlns="">
+        <mc:Fallback>
           <p:sp>
             <p:nvSpPr>
               <p:cNvPr id="14" name="ZoneTexte 13"/>
@@ -28385,8 +30228,8 @@
           </a:fontRef>
         </p:style>
       </p:cxnSp>
-      <mc:AlternateContent xmlns:mc="http://schemas.openxmlformats.org/markup-compatibility/2006" xmlns:a14="http://schemas.microsoft.com/office/drawing/2010/main">
-        <mc:Choice Requires="a14">
+      <mc:AlternateContent xmlns:mc="http://schemas.openxmlformats.org/markup-compatibility/2006">
+        <mc:Choice xmlns:a14="http://schemas.microsoft.com/office/drawing/2010/main" xmlns="" Requires="a14">
           <p:sp>
             <p:nvSpPr>
               <p:cNvPr id="19" name="ZoneTexte 18"/>
@@ -28430,7 +30273,7 @@
             </p:txBody>
           </p:sp>
         </mc:Choice>
-        <mc:Fallback xmlns="">
+        <mc:Fallback>
           <p:sp>
             <p:nvSpPr>
               <p:cNvPr id="19" name="ZoneTexte 18"/>
@@ -28469,8 +30312,8 @@
           </p:sp>
         </mc:Fallback>
       </mc:AlternateContent>
-      <mc:AlternateContent xmlns:mc="http://schemas.openxmlformats.org/markup-compatibility/2006" xmlns:a14="http://schemas.microsoft.com/office/drawing/2010/main">
-        <mc:Choice Requires="a14">
+      <mc:AlternateContent xmlns:mc="http://schemas.openxmlformats.org/markup-compatibility/2006">
+        <mc:Choice xmlns:a14="http://schemas.microsoft.com/office/drawing/2010/main" xmlns="" Requires="a14">
           <p:sp>
             <p:nvSpPr>
               <p:cNvPr id="20" name="ZoneTexte 19"/>
@@ -28582,7 +30425,7 @@
             </p:txBody>
           </p:sp>
         </mc:Choice>
-        <mc:Fallback xmlns="">
+        <mc:Fallback>
           <p:sp>
             <p:nvSpPr>
               <p:cNvPr id="20" name="ZoneTexte 19"/>
@@ -28621,8 +30464,8 @@
           </p:sp>
         </mc:Fallback>
       </mc:AlternateContent>
-      <mc:AlternateContent xmlns:mc="http://schemas.openxmlformats.org/markup-compatibility/2006" xmlns:a14="http://schemas.microsoft.com/office/drawing/2010/main">
-        <mc:Choice Requires="a14">
+      <mc:AlternateContent xmlns:mc="http://schemas.openxmlformats.org/markup-compatibility/2006">
+        <mc:Choice xmlns:a14="http://schemas.microsoft.com/office/drawing/2010/main" xmlns="" Requires="a14">
           <p:sp>
             <p:nvSpPr>
               <p:cNvPr id="23" name="ZoneTexte 22"/>
@@ -28741,7 +30584,7 @@
             </p:txBody>
           </p:sp>
         </mc:Choice>
-        <mc:Fallback xmlns="">
+        <mc:Fallback>
           <p:sp>
             <p:nvSpPr>
               <p:cNvPr id="23" name="ZoneTexte 22"/>
@@ -28898,8 +30741,8 @@
           </a:fontRef>
         </p:style>
       </p:cxnSp>
-      <mc:AlternateContent xmlns:mc="http://schemas.openxmlformats.org/markup-compatibility/2006" xmlns:a14="http://schemas.microsoft.com/office/drawing/2010/main">
-        <mc:Choice Requires="a14">
+      <mc:AlternateContent xmlns:mc="http://schemas.openxmlformats.org/markup-compatibility/2006">
+        <mc:Choice xmlns:a14="http://schemas.microsoft.com/office/drawing/2010/main" xmlns="" Requires="a14">
           <p:sp>
             <p:nvSpPr>
               <p:cNvPr id="28" name="ZoneTexte 27"/>
@@ -28943,7 +30786,7 @@
             </p:txBody>
           </p:sp>
         </mc:Choice>
-        <mc:Fallback xmlns="">
+        <mc:Fallback>
           <p:sp>
             <p:nvSpPr>
               <p:cNvPr id="28" name="ZoneTexte 27"/>
@@ -28982,8 +30825,8 @@
           </p:sp>
         </mc:Fallback>
       </mc:AlternateContent>
-      <mc:AlternateContent xmlns:mc="http://schemas.openxmlformats.org/markup-compatibility/2006" xmlns:a14="http://schemas.microsoft.com/office/drawing/2010/main">
-        <mc:Choice Requires="a14">
+      <mc:AlternateContent xmlns:mc="http://schemas.openxmlformats.org/markup-compatibility/2006">
+        <mc:Choice xmlns:a14="http://schemas.microsoft.com/office/drawing/2010/main" xmlns="" Requires="a14">
           <p:sp>
             <p:nvSpPr>
               <p:cNvPr id="29" name="ZoneTexte 28"/>
@@ -29095,7 +30938,7 @@
             </p:txBody>
           </p:sp>
         </mc:Choice>
-        <mc:Fallback xmlns="">
+        <mc:Fallback>
           <p:sp>
             <p:nvSpPr>
               <p:cNvPr id="29" name="ZoneTexte 28"/>
@@ -29134,8 +30977,8 @@
           </p:sp>
         </mc:Fallback>
       </mc:AlternateContent>
-      <mc:AlternateContent xmlns:mc="http://schemas.openxmlformats.org/markup-compatibility/2006" xmlns:a14="http://schemas.microsoft.com/office/drawing/2010/main">
-        <mc:Choice Requires="a14">
+      <mc:AlternateContent xmlns:mc="http://schemas.openxmlformats.org/markup-compatibility/2006">
+        <mc:Choice xmlns:a14="http://schemas.microsoft.com/office/drawing/2010/main" xmlns="" Requires="a14">
           <p:sp>
             <p:nvSpPr>
               <p:cNvPr id="31" name="ZoneTexte 30"/>
@@ -29250,7 +31093,7 @@
             </p:txBody>
           </p:sp>
         </mc:Choice>
-        <mc:Fallback xmlns="">
+        <mc:Fallback>
           <p:sp>
             <p:nvSpPr>
               <p:cNvPr id="31" name="ZoneTexte 30"/>
@@ -29292,7 +31135,7 @@
     </p:spTree>
     <p:extLst>
       <p:ext uri="{BB962C8B-B14F-4D97-AF65-F5344CB8AC3E}">
-        <p14:creationId xmlns:p14="http://schemas.microsoft.com/office/powerpoint/2010/main" val="3316822272"/>
+        <p14:creationId xmlns:p14="http://schemas.microsoft.com/office/powerpoint/2010/main" xmlns="" val="3316822272"/>
       </p:ext>
     </p:extLst>
   </p:cSld>
@@ -29400,8 +31243,8 @@
           </p:style>
         </p:cxnSp>
       </p:grpSp>
-      <mc:AlternateContent xmlns:mc="http://schemas.openxmlformats.org/markup-compatibility/2006" xmlns:a14="http://schemas.microsoft.com/office/drawing/2010/main">
-        <mc:Choice Requires="a14">
+      <mc:AlternateContent xmlns:mc="http://schemas.openxmlformats.org/markup-compatibility/2006">
+        <mc:Choice xmlns:a14="http://schemas.microsoft.com/office/drawing/2010/main" xmlns="" Requires="a14">
           <p:sp>
             <p:nvSpPr>
               <p:cNvPr id="13" name="ZoneTexte 12"/>
@@ -29445,7 +31288,7 @@
             </p:txBody>
           </p:sp>
         </mc:Choice>
-        <mc:Fallback xmlns="">
+        <mc:Fallback>
           <p:sp>
             <p:nvSpPr>
               <p:cNvPr id="13" name="ZoneTexte 12"/>
@@ -29484,8 +31327,8 @@
           </p:sp>
         </mc:Fallback>
       </mc:AlternateContent>
-      <mc:AlternateContent xmlns:mc="http://schemas.openxmlformats.org/markup-compatibility/2006" xmlns:a14="http://schemas.microsoft.com/office/drawing/2010/main">
-        <mc:Choice Requires="a14">
+      <mc:AlternateContent xmlns:mc="http://schemas.openxmlformats.org/markup-compatibility/2006">
+        <mc:Choice xmlns:a14="http://schemas.microsoft.com/office/drawing/2010/main" xmlns="" Requires="a14">
           <p:sp>
             <p:nvSpPr>
               <p:cNvPr id="14" name="ZoneTexte 13"/>
@@ -29573,7 +31416,7 @@
             </p:txBody>
           </p:sp>
         </mc:Choice>
-        <mc:Fallback xmlns="">
+        <mc:Fallback>
           <p:sp>
             <p:nvSpPr>
               <p:cNvPr id="14" name="ZoneTexte 13"/>
@@ -29730,8 +31573,8 @@
           </a:fontRef>
         </p:style>
       </p:cxnSp>
-      <mc:AlternateContent xmlns:mc="http://schemas.openxmlformats.org/markup-compatibility/2006" xmlns:a14="http://schemas.microsoft.com/office/drawing/2010/main">
-        <mc:Choice Requires="a14">
+      <mc:AlternateContent xmlns:mc="http://schemas.openxmlformats.org/markup-compatibility/2006">
+        <mc:Choice xmlns:a14="http://schemas.microsoft.com/office/drawing/2010/main" xmlns="" Requires="a14">
           <p:sp>
             <p:nvSpPr>
               <p:cNvPr id="19" name="ZoneTexte 18"/>
@@ -29775,7 +31618,7 @@
             </p:txBody>
           </p:sp>
         </mc:Choice>
-        <mc:Fallback xmlns="">
+        <mc:Fallback>
           <p:sp>
             <p:nvSpPr>
               <p:cNvPr id="19" name="ZoneTexte 18"/>
@@ -29814,8 +31657,8 @@
           </p:sp>
         </mc:Fallback>
       </mc:AlternateContent>
-      <mc:AlternateContent xmlns:mc="http://schemas.openxmlformats.org/markup-compatibility/2006" xmlns:a14="http://schemas.microsoft.com/office/drawing/2010/main">
-        <mc:Choice Requires="a14">
+      <mc:AlternateContent xmlns:mc="http://schemas.openxmlformats.org/markup-compatibility/2006">
+        <mc:Choice xmlns:a14="http://schemas.microsoft.com/office/drawing/2010/main" xmlns="" Requires="a14">
           <p:sp>
             <p:nvSpPr>
               <p:cNvPr id="20" name="ZoneTexte 19"/>
@@ -29927,7 +31770,7 @@
             </p:txBody>
           </p:sp>
         </mc:Choice>
-        <mc:Fallback xmlns="">
+        <mc:Fallback>
           <p:sp>
             <p:nvSpPr>
               <p:cNvPr id="20" name="ZoneTexte 19"/>
@@ -29966,8 +31809,8 @@
           </p:sp>
         </mc:Fallback>
       </mc:AlternateContent>
-      <mc:AlternateContent xmlns:mc="http://schemas.openxmlformats.org/markup-compatibility/2006" xmlns:a14="http://schemas.microsoft.com/office/drawing/2010/main">
-        <mc:Choice Requires="a14">
+      <mc:AlternateContent xmlns:mc="http://schemas.openxmlformats.org/markup-compatibility/2006">
+        <mc:Choice xmlns:a14="http://schemas.microsoft.com/office/drawing/2010/main" xmlns="" Requires="a14">
           <p:sp>
             <p:nvSpPr>
               <p:cNvPr id="23" name="ZoneTexte 22"/>
@@ -30082,7 +31925,7 @@
             </p:txBody>
           </p:sp>
         </mc:Choice>
-        <mc:Fallback xmlns="">
+        <mc:Fallback>
           <p:sp>
             <p:nvSpPr>
               <p:cNvPr id="23" name="ZoneTexte 22"/>
@@ -30239,8 +32082,8 @@
           </a:fontRef>
         </p:style>
       </p:cxnSp>
-      <mc:AlternateContent xmlns:mc="http://schemas.openxmlformats.org/markup-compatibility/2006" xmlns:a14="http://schemas.microsoft.com/office/drawing/2010/main">
-        <mc:Choice Requires="a14">
+      <mc:AlternateContent xmlns:mc="http://schemas.openxmlformats.org/markup-compatibility/2006">
+        <mc:Choice xmlns:a14="http://schemas.microsoft.com/office/drawing/2010/main" xmlns="" Requires="a14">
           <p:sp>
             <p:nvSpPr>
               <p:cNvPr id="28" name="ZoneTexte 27"/>
@@ -30284,7 +32127,7 @@
             </p:txBody>
           </p:sp>
         </mc:Choice>
-        <mc:Fallback xmlns="">
+        <mc:Fallback>
           <p:sp>
             <p:nvSpPr>
               <p:cNvPr id="28" name="ZoneTexte 27"/>
@@ -30323,8 +32166,8 @@
           </p:sp>
         </mc:Fallback>
       </mc:AlternateContent>
-      <mc:AlternateContent xmlns:mc="http://schemas.openxmlformats.org/markup-compatibility/2006" xmlns:a14="http://schemas.microsoft.com/office/drawing/2010/main">
-        <mc:Choice Requires="a14">
+      <mc:AlternateContent xmlns:mc="http://schemas.openxmlformats.org/markup-compatibility/2006">
+        <mc:Choice xmlns:a14="http://schemas.microsoft.com/office/drawing/2010/main" xmlns="" Requires="a14">
           <p:sp>
             <p:nvSpPr>
               <p:cNvPr id="29" name="ZoneTexte 28"/>
@@ -30436,7 +32279,7 @@
             </p:txBody>
           </p:sp>
         </mc:Choice>
-        <mc:Fallback xmlns="">
+        <mc:Fallback>
           <p:sp>
             <p:nvSpPr>
               <p:cNvPr id="29" name="ZoneTexte 28"/>
@@ -31411,7 +33254,7 @@
     </p:spTree>
     <p:extLst>
       <p:ext uri="{BB962C8B-B14F-4D97-AF65-F5344CB8AC3E}">
-        <p14:creationId xmlns:p14="http://schemas.microsoft.com/office/powerpoint/2010/main" val="3521226639"/>
+        <p14:creationId xmlns:p14="http://schemas.microsoft.com/office/powerpoint/2010/main" xmlns="" val="3521226639"/>
       </p:ext>
     </p:extLst>
   </p:cSld>
@@ -32935,8 +34778,8 @@
           </a:fontRef>
         </p:style>
       </p:cxnSp>
-      <mc:AlternateContent xmlns:mc="http://schemas.openxmlformats.org/markup-compatibility/2006" xmlns:a14="http://schemas.microsoft.com/office/drawing/2010/main">
-        <mc:Choice Requires="a14">
+      <mc:AlternateContent xmlns:mc="http://schemas.openxmlformats.org/markup-compatibility/2006">
+        <mc:Choice xmlns:a14="http://schemas.microsoft.com/office/drawing/2010/main" xmlns="" Requires="a14">
           <p:sp>
             <p:nvSpPr>
               <p:cNvPr id="7" name="ZoneTexte 6"/>
@@ -33011,7 +34854,7 @@
             </p:txBody>
           </p:sp>
         </mc:Choice>
-        <mc:Fallback xmlns="">
+        <mc:Fallback>
           <p:sp>
             <p:nvSpPr>
               <p:cNvPr id="7" name="ZoneTexte 6"/>
@@ -33050,8 +34893,8 @@
           </p:sp>
         </mc:Fallback>
       </mc:AlternateContent>
-      <mc:AlternateContent xmlns:mc="http://schemas.openxmlformats.org/markup-compatibility/2006" xmlns:a14="http://schemas.microsoft.com/office/drawing/2010/main">
-        <mc:Choice Requires="a14">
+      <mc:AlternateContent xmlns:mc="http://schemas.openxmlformats.org/markup-compatibility/2006">
+        <mc:Choice xmlns:a14="http://schemas.microsoft.com/office/drawing/2010/main" xmlns="" Requires="a14">
           <p:sp>
             <p:nvSpPr>
               <p:cNvPr id="8" name="ZoneTexte 7"/>
@@ -33126,7 +34969,7 @@
             </p:txBody>
           </p:sp>
         </mc:Choice>
-        <mc:Fallback xmlns="">
+        <mc:Fallback>
           <p:sp>
             <p:nvSpPr>
               <p:cNvPr id="8" name="ZoneTexte 7"/>
@@ -33165,8 +35008,8 @@
           </p:sp>
         </mc:Fallback>
       </mc:AlternateContent>
-      <mc:AlternateContent xmlns:mc="http://schemas.openxmlformats.org/markup-compatibility/2006" xmlns:a14="http://schemas.microsoft.com/office/drawing/2010/main">
-        <mc:Choice Requires="a14">
+      <mc:AlternateContent xmlns:mc="http://schemas.openxmlformats.org/markup-compatibility/2006">
+        <mc:Choice xmlns:a14="http://schemas.microsoft.com/office/drawing/2010/main" xmlns="" Requires="a14">
           <p:sp>
             <p:nvSpPr>
               <p:cNvPr id="9" name="ZoneTexte 8"/>
@@ -33241,7 +35084,7 @@
             </p:txBody>
           </p:sp>
         </mc:Choice>
-        <mc:Fallback xmlns="">
+        <mc:Fallback>
           <p:sp>
             <p:nvSpPr>
               <p:cNvPr id="9" name="ZoneTexte 8"/>
@@ -33325,7 +35168,7 @@
           <a:blip r:embed="rId5" cstate="print">
             <a:extLst>
               <a:ext uri="{28A0092B-C50C-407E-A947-70E740481C1C}">
-                <a14:useLocalDpi xmlns:a14="http://schemas.microsoft.com/office/drawing/2010/main" val="0"/>
+                <a14:useLocalDpi xmlns:a14="http://schemas.microsoft.com/office/drawing/2010/main" xmlns="" val="0"/>
               </a:ext>
             </a:extLst>
           </a:blip>
@@ -33345,7 +35188,7 @@
           <a:noFill/>
           <a:extLst>
             <a:ext uri="{909E8E84-426E-40DD-AFC4-6F175D3DCCD1}">
-              <a14:hiddenFill xmlns:a14="http://schemas.microsoft.com/office/drawing/2010/main">
+              <a14:hiddenFill xmlns:a14="http://schemas.microsoft.com/office/drawing/2010/main" xmlns="">
                 <a:solidFill>
                   <a:srgbClr val="FFFFFF"/>
                 </a:solidFill>
@@ -33453,8 +35296,8 @@
           </a:fontRef>
         </p:style>
       </p:cxnSp>
-      <mc:AlternateContent xmlns:mc="http://schemas.openxmlformats.org/markup-compatibility/2006" xmlns:a14="http://schemas.microsoft.com/office/drawing/2010/main">
-        <mc:Choice Requires="a14">
+      <mc:AlternateContent xmlns:mc="http://schemas.openxmlformats.org/markup-compatibility/2006">
+        <mc:Choice xmlns:a14="http://schemas.microsoft.com/office/drawing/2010/main" xmlns="" Requires="a14">
           <p:sp>
             <p:nvSpPr>
               <p:cNvPr id="32" name="ZoneTexte 31"/>
@@ -33517,7 +35360,7 @@
             </p:txBody>
           </p:sp>
         </mc:Choice>
-        <mc:Fallback xmlns="">
+        <mc:Fallback>
           <p:sp>
             <p:nvSpPr>
               <p:cNvPr id="32" name="ZoneTexte 31"/>
@@ -33556,8 +35399,8 @@
           </p:sp>
         </mc:Fallback>
       </mc:AlternateContent>
-      <mc:AlternateContent xmlns:mc="http://schemas.openxmlformats.org/markup-compatibility/2006" xmlns:a14="http://schemas.microsoft.com/office/drawing/2010/main">
-        <mc:Choice Requires="a14">
+      <mc:AlternateContent xmlns:mc="http://schemas.openxmlformats.org/markup-compatibility/2006">
+        <mc:Choice xmlns:a14="http://schemas.microsoft.com/office/drawing/2010/main" xmlns="" Requires="a14">
           <p:sp>
             <p:nvSpPr>
               <p:cNvPr id="38" name="ZoneTexte 37"/>
@@ -33632,7 +35475,7 @@
             </p:txBody>
           </p:sp>
         </mc:Choice>
-        <mc:Fallback xmlns="">
+        <mc:Fallback>
           <p:sp>
             <p:nvSpPr>
               <p:cNvPr id="38" name="ZoneTexte 37"/>
@@ -33671,8 +35514,8 @@
           </p:sp>
         </mc:Fallback>
       </mc:AlternateContent>
-      <mc:AlternateContent xmlns:mc="http://schemas.openxmlformats.org/markup-compatibility/2006" xmlns:a14="http://schemas.microsoft.com/office/drawing/2010/main">
-        <mc:Choice Requires="a14">
+      <mc:AlternateContent xmlns:mc="http://schemas.openxmlformats.org/markup-compatibility/2006">
+        <mc:Choice xmlns:a14="http://schemas.microsoft.com/office/drawing/2010/main" xmlns="" Requires="a14">
           <p:sp>
             <p:nvSpPr>
               <p:cNvPr id="39" name="ZoneTexte 38"/>
@@ -33747,7 +35590,7 @@
             </p:txBody>
           </p:sp>
         </mc:Choice>
-        <mc:Fallback xmlns="">
+        <mc:Fallback>
           <p:sp>
             <p:nvSpPr>
               <p:cNvPr id="39" name="ZoneTexte 38"/>
@@ -33786,8 +35629,8 @@
           </p:sp>
         </mc:Fallback>
       </mc:AlternateContent>
-      <mc:AlternateContent xmlns:mc="http://schemas.openxmlformats.org/markup-compatibility/2006" xmlns:a14="http://schemas.microsoft.com/office/drawing/2010/main">
-        <mc:Choice Requires="a14">
+      <mc:AlternateContent xmlns:mc="http://schemas.openxmlformats.org/markup-compatibility/2006">
+        <mc:Choice xmlns:a14="http://schemas.microsoft.com/office/drawing/2010/main" xmlns="" Requires="a14">
           <p:sp>
             <p:nvSpPr>
               <p:cNvPr id="40" name="ZoneTexte 39"/>
@@ -33862,7 +35705,7 @@
             </p:txBody>
           </p:sp>
         </mc:Choice>
-        <mc:Fallback xmlns="">
+        <mc:Fallback>
           <p:sp>
             <p:nvSpPr>
               <p:cNvPr id="40" name="ZoneTexte 39"/>
@@ -33901,8 +35744,8 @@
           </p:sp>
         </mc:Fallback>
       </mc:AlternateContent>
-      <mc:AlternateContent xmlns:mc="http://schemas.openxmlformats.org/markup-compatibility/2006" xmlns:a14="http://schemas.microsoft.com/office/drawing/2010/main">
-        <mc:Choice Requires="a14">
+      <mc:AlternateContent xmlns:mc="http://schemas.openxmlformats.org/markup-compatibility/2006">
+        <mc:Choice xmlns:a14="http://schemas.microsoft.com/office/drawing/2010/main" xmlns="" Requires="a14">
           <p:sp>
             <p:nvSpPr>
               <p:cNvPr id="41" name="ZoneTexte 40"/>
@@ -33965,7 +35808,7 @@
             </p:txBody>
           </p:sp>
         </mc:Choice>
-        <mc:Fallback xmlns="">
+        <mc:Fallback>
           <p:sp>
             <p:nvSpPr>
               <p:cNvPr id="41" name="ZoneTexte 40"/>
@@ -34004,8 +35847,8 @@
           </p:sp>
         </mc:Fallback>
       </mc:AlternateContent>
-      <mc:AlternateContent xmlns:mc="http://schemas.openxmlformats.org/markup-compatibility/2006" xmlns:a14="http://schemas.microsoft.com/office/drawing/2010/main">
-        <mc:Choice Requires="a14">
+      <mc:AlternateContent xmlns:mc="http://schemas.openxmlformats.org/markup-compatibility/2006">
+        <mc:Choice xmlns:a14="http://schemas.microsoft.com/office/drawing/2010/main" xmlns="" Requires="a14">
           <p:sp>
             <p:nvSpPr>
               <p:cNvPr id="42" name="ZoneTexte 41"/>
@@ -34049,7 +35892,7 @@
             </p:txBody>
           </p:sp>
         </mc:Choice>
-        <mc:Fallback xmlns="">
+        <mc:Fallback>
           <p:sp>
             <p:nvSpPr>
               <p:cNvPr id="42" name="ZoneTexte 41"/>
@@ -34091,7 +35934,7 @@
     </p:spTree>
     <p:extLst>
       <p:ext uri="{BB962C8B-B14F-4D97-AF65-F5344CB8AC3E}">
-        <p14:creationId xmlns:p14="http://schemas.microsoft.com/office/powerpoint/2010/main" val="1773382607"/>
+        <p14:creationId xmlns:p14="http://schemas.microsoft.com/office/powerpoint/2010/main" xmlns="" val="1773382607"/>
       </p:ext>
     </p:extLst>
   </p:cSld>
@@ -34343,8 +36186,8 @@
             </a:p>
           </p:txBody>
         </p:sp>
-        <mc:AlternateContent xmlns:mc="http://schemas.openxmlformats.org/markup-compatibility/2006" xmlns:a14="http://schemas.microsoft.com/office/drawing/2010/main">
-          <mc:Choice Requires="a14">
+        <mc:AlternateContent xmlns:mc="http://schemas.openxmlformats.org/markup-compatibility/2006">
+          <mc:Choice xmlns:a14="http://schemas.microsoft.com/office/drawing/2010/main" xmlns="" Requires="a14">
             <p:sp>
               <p:nvSpPr>
                 <p:cNvPr id="43" name="ZoneTexte 42"/>
@@ -34419,7 +36262,7 @@
               </p:txBody>
             </p:sp>
           </mc:Choice>
-          <mc:Fallback xmlns="">
+          <mc:Fallback>
             <p:sp>
               <p:nvSpPr>
                 <p:cNvPr id="43" name="ZoneTexte 42"/>
@@ -34458,8 +36301,8 @@
             </p:sp>
           </mc:Fallback>
         </mc:AlternateContent>
-        <mc:AlternateContent xmlns:mc="http://schemas.openxmlformats.org/markup-compatibility/2006" xmlns:a14="http://schemas.microsoft.com/office/drawing/2010/main">
-          <mc:Choice Requires="a14">
+        <mc:AlternateContent xmlns:mc="http://schemas.openxmlformats.org/markup-compatibility/2006">
+          <mc:Choice xmlns:a14="http://schemas.microsoft.com/office/drawing/2010/main" xmlns="" Requires="a14">
             <p:sp>
               <p:nvSpPr>
                 <p:cNvPr id="45" name="ZoneTexte 44"/>
@@ -34534,7 +36377,7 @@
               </p:txBody>
             </p:sp>
           </mc:Choice>
-          <mc:Fallback xmlns="">
+          <mc:Fallback>
             <p:sp>
               <p:nvSpPr>
                 <p:cNvPr id="45" name="ZoneTexte 44"/>
@@ -34573,8 +36416,8 @@
             </p:sp>
           </mc:Fallback>
         </mc:AlternateContent>
-        <mc:AlternateContent xmlns:mc="http://schemas.openxmlformats.org/markup-compatibility/2006" xmlns:a14="http://schemas.microsoft.com/office/drawing/2010/main">
-          <mc:Choice Requires="a14">
+        <mc:AlternateContent xmlns:mc="http://schemas.openxmlformats.org/markup-compatibility/2006">
+          <mc:Choice xmlns:a14="http://schemas.microsoft.com/office/drawing/2010/main" xmlns="" Requires="a14">
             <p:sp>
               <p:nvSpPr>
                 <p:cNvPr id="46" name="ZoneTexte 45"/>
@@ -34649,7 +36492,7 @@
               </p:txBody>
             </p:sp>
           </mc:Choice>
-          <mc:Fallback xmlns="">
+          <mc:Fallback>
             <p:sp>
               <p:nvSpPr>
                 <p:cNvPr id="46" name="ZoneTexte 45"/>
@@ -34688,8 +36531,8 @@
             </p:sp>
           </mc:Fallback>
         </mc:AlternateContent>
-        <mc:AlternateContent xmlns:mc="http://schemas.openxmlformats.org/markup-compatibility/2006" xmlns:a14="http://schemas.microsoft.com/office/drawing/2010/main">
-          <mc:Choice Requires="a14">
+        <mc:AlternateContent xmlns:mc="http://schemas.openxmlformats.org/markup-compatibility/2006">
+          <mc:Choice xmlns:a14="http://schemas.microsoft.com/office/drawing/2010/main" xmlns="" Requires="a14">
             <p:sp>
               <p:nvSpPr>
                 <p:cNvPr id="44" name="ZoneTexte 43"/>
@@ -34764,7 +36607,7 @@
               </p:txBody>
             </p:sp>
           </mc:Choice>
-          <mc:Fallback xmlns="">
+          <mc:Fallback>
             <p:sp>
               <p:nvSpPr>
                 <p:cNvPr id="44" name="ZoneTexte 43"/>
@@ -34803,8 +36646,8 @@
             </p:sp>
           </mc:Fallback>
         </mc:AlternateContent>
-        <mc:AlternateContent xmlns:mc="http://schemas.openxmlformats.org/markup-compatibility/2006" xmlns:a14="http://schemas.microsoft.com/office/drawing/2010/main">
-          <mc:Choice Requires="a14">
+        <mc:AlternateContent xmlns:mc="http://schemas.openxmlformats.org/markup-compatibility/2006">
+          <mc:Choice xmlns:a14="http://schemas.microsoft.com/office/drawing/2010/main" xmlns="" Requires="a14">
             <p:sp>
               <p:nvSpPr>
                 <p:cNvPr id="51" name="ZoneTexte 50"/>
@@ -34879,7 +36722,7 @@
               </p:txBody>
             </p:sp>
           </mc:Choice>
-          <mc:Fallback xmlns="">
+          <mc:Fallback>
             <p:sp>
               <p:nvSpPr>
                 <p:cNvPr id="51" name="ZoneTexte 50"/>
@@ -34918,8 +36761,8 @@
             </p:sp>
           </mc:Fallback>
         </mc:AlternateContent>
-        <mc:AlternateContent xmlns:mc="http://schemas.openxmlformats.org/markup-compatibility/2006" xmlns:a14="http://schemas.microsoft.com/office/drawing/2010/main">
-          <mc:Choice Requires="a14">
+        <mc:AlternateContent xmlns:mc="http://schemas.openxmlformats.org/markup-compatibility/2006">
+          <mc:Choice xmlns:a14="http://schemas.microsoft.com/office/drawing/2010/main" xmlns="" Requires="a14">
             <p:sp>
               <p:nvSpPr>
                 <p:cNvPr id="52" name="ZoneTexte 51"/>
@@ -34981,7 +36824,7 @@
               </p:txBody>
             </p:sp>
           </mc:Choice>
-          <mc:Fallback xmlns="">
+          <mc:Fallback>
             <p:sp>
               <p:nvSpPr>
                 <p:cNvPr id="52" name="ZoneTexte 51"/>
@@ -35242,8 +37085,8 @@
             </a:p>
           </p:txBody>
         </p:sp>
-        <mc:AlternateContent xmlns:mc="http://schemas.openxmlformats.org/markup-compatibility/2006" xmlns:a14="http://schemas.microsoft.com/office/drawing/2010/main">
-          <mc:Choice Requires="a14">
+        <mc:AlternateContent xmlns:mc="http://schemas.openxmlformats.org/markup-compatibility/2006">
+          <mc:Choice xmlns:a14="http://schemas.microsoft.com/office/drawing/2010/main" xmlns="" Requires="a14">
             <p:sp>
               <p:nvSpPr>
                 <p:cNvPr id="71" name="ZoneTexte 70"/>
@@ -35318,7 +37161,7 @@
               </p:txBody>
             </p:sp>
           </mc:Choice>
-          <mc:Fallback xmlns="">
+          <mc:Fallback>
             <p:sp>
               <p:nvSpPr>
                 <p:cNvPr id="71" name="ZoneTexte 70"/>
@@ -35357,8 +37200,8 @@
             </p:sp>
           </mc:Fallback>
         </mc:AlternateContent>
-        <mc:AlternateContent xmlns:mc="http://schemas.openxmlformats.org/markup-compatibility/2006" xmlns:a14="http://schemas.microsoft.com/office/drawing/2010/main">
-          <mc:Choice Requires="a14">
+        <mc:AlternateContent xmlns:mc="http://schemas.openxmlformats.org/markup-compatibility/2006">
+          <mc:Choice xmlns:a14="http://schemas.microsoft.com/office/drawing/2010/main" xmlns="" Requires="a14">
             <p:sp>
               <p:nvSpPr>
                 <p:cNvPr id="72" name="ZoneTexte 71"/>
@@ -35433,7 +37276,7 @@
               </p:txBody>
             </p:sp>
           </mc:Choice>
-          <mc:Fallback xmlns="">
+          <mc:Fallback>
             <p:sp>
               <p:nvSpPr>
                 <p:cNvPr id="72" name="ZoneTexte 71"/>
@@ -35472,8 +37315,8 @@
             </p:sp>
           </mc:Fallback>
         </mc:AlternateContent>
-        <mc:AlternateContent xmlns:mc="http://schemas.openxmlformats.org/markup-compatibility/2006" xmlns:a14="http://schemas.microsoft.com/office/drawing/2010/main">
-          <mc:Choice Requires="a14">
+        <mc:AlternateContent xmlns:mc="http://schemas.openxmlformats.org/markup-compatibility/2006">
+          <mc:Choice xmlns:a14="http://schemas.microsoft.com/office/drawing/2010/main" xmlns="" Requires="a14">
             <p:sp>
               <p:nvSpPr>
                 <p:cNvPr id="73" name="ZoneTexte 72"/>
@@ -35548,7 +37391,7 @@
               </p:txBody>
             </p:sp>
           </mc:Choice>
-          <mc:Fallback xmlns="">
+          <mc:Fallback>
             <p:sp>
               <p:nvSpPr>
                 <p:cNvPr id="73" name="ZoneTexte 72"/>
@@ -35587,8 +37430,8 @@
             </p:sp>
           </mc:Fallback>
         </mc:AlternateContent>
-        <mc:AlternateContent xmlns:mc="http://schemas.openxmlformats.org/markup-compatibility/2006" xmlns:a14="http://schemas.microsoft.com/office/drawing/2010/main">
-          <mc:Choice Requires="a14">
+        <mc:AlternateContent xmlns:mc="http://schemas.openxmlformats.org/markup-compatibility/2006">
+          <mc:Choice xmlns:a14="http://schemas.microsoft.com/office/drawing/2010/main" xmlns="" Requires="a14">
             <p:sp>
               <p:nvSpPr>
                 <p:cNvPr id="74" name="ZoneTexte 73"/>
@@ -35663,7 +37506,7 @@
               </p:txBody>
             </p:sp>
           </mc:Choice>
-          <mc:Fallback xmlns="">
+          <mc:Fallback>
             <p:sp>
               <p:nvSpPr>
                 <p:cNvPr id="74" name="ZoneTexte 73"/>
@@ -35702,8 +37545,8 @@
             </p:sp>
           </mc:Fallback>
         </mc:AlternateContent>
-        <mc:AlternateContent xmlns:mc="http://schemas.openxmlformats.org/markup-compatibility/2006" xmlns:a14="http://schemas.microsoft.com/office/drawing/2010/main">
-          <mc:Choice Requires="a14">
+        <mc:AlternateContent xmlns:mc="http://schemas.openxmlformats.org/markup-compatibility/2006">
+          <mc:Choice xmlns:a14="http://schemas.microsoft.com/office/drawing/2010/main" xmlns="" Requires="a14">
             <p:sp>
               <p:nvSpPr>
                 <p:cNvPr id="75" name="ZoneTexte 74"/>
@@ -35778,7 +37621,7 @@
               </p:txBody>
             </p:sp>
           </mc:Choice>
-          <mc:Fallback xmlns="">
+          <mc:Fallback>
             <p:sp>
               <p:nvSpPr>
                 <p:cNvPr id="75" name="ZoneTexte 74"/>
@@ -35817,8 +37660,8 @@
             </p:sp>
           </mc:Fallback>
         </mc:AlternateContent>
-        <mc:AlternateContent xmlns:mc="http://schemas.openxmlformats.org/markup-compatibility/2006" xmlns:a14="http://schemas.microsoft.com/office/drawing/2010/main">
-          <mc:Choice Requires="a14">
+        <mc:AlternateContent xmlns:mc="http://schemas.openxmlformats.org/markup-compatibility/2006">
+          <mc:Choice xmlns:a14="http://schemas.microsoft.com/office/drawing/2010/main" xmlns="" Requires="a14">
             <p:sp>
               <p:nvSpPr>
                 <p:cNvPr id="76" name="ZoneTexte 75"/>
@@ -35880,7 +37723,7 @@
               </p:txBody>
             </p:sp>
           </mc:Choice>
-          <mc:Fallback xmlns="">
+          <mc:Fallback>
             <p:sp>
               <p:nvSpPr>
                 <p:cNvPr id="76" name="ZoneTexte 75"/>
@@ -35923,7 +37766,7 @@
     </p:spTree>
     <p:extLst>
       <p:ext uri="{BB962C8B-B14F-4D97-AF65-F5344CB8AC3E}">
-        <p14:creationId xmlns:p14="http://schemas.microsoft.com/office/powerpoint/2010/main" val="2105886169"/>
+        <p14:creationId xmlns:p14="http://schemas.microsoft.com/office/powerpoint/2010/main" xmlns="" val="2105886169"/>
       </p:ext>
     </p:extLst>
   </p:cSld>
